--- a/화면 자료/ubifarm.pptx
+++ b/화면 자료/ubifarm.pptx
@@ -8,9 +8,13 @@
     <p:sldId id="256" r:id="rId2"/>
     <p:sldId id="263" r:id="rId3"/>
     <p:sldId id="257" r:id="rId4"/>
-    <p:sldId id="258" r:id="rId5"/>
-    <p:sldId id="259" r:id="rId6"/>
-    <p:sldId id="260" r:id="rId7"/>
+    <p:sldId id="264" r:id="rId5"/>
+    <p:sldId id="258" r:id="rId6"/>
+    <p:sldId id="265" r:id="rId7"/>
+    <p:sldId id="259" r:id="rId8"/>
+    <p:sldId id="267" r:id="rId9"/>
+    <p:sldId id="260" r:id="rId10"/>
+    <p:sldId id="266" r:id="rId11"/>
   </p:sldIdLst>
   <p:sldSz cx="12192000" cy="6858000"/>
   <p:notesSz cx="6858000" cy="9144000"/>
@@ -258,7 +262,7 @@
           <a:p>
             <a:fld id="{B847C6D6-EA7D-4053-B1CA-B60333B58E9B}" type="datetimeFigureOut">
               <a:rPr lang="ko-KR" altLang="en-US" smtClean="0"/>
-              <a:t>2022-02-16</a:t>
+              <a:t>2022-02-17</a:t>
             </a:fld>
             <a:endParaRPr lang="ko-KR" altLang="en-US"/>
           </a:p>
@@ -426,7 +430,7 @@
           <a:p>
             <a:fld id="{B847C6D6-EA7D-4053-B1CA-B60333B58E9B}" type="datetimeFigureOut">
               <a:rPr lang="ko-KR" altLang="en-US" smtClean="0"/>
-              <a:t>2022-02-16</a:t>
+              <a:t>2022-02-17</a:t>
             </a:fld>
             <a:endParaRPr lang="ko-KR" altLang="en-US"/>
           </a:p>
@@ -604,7 +608,7 @@
           <a:p>
             <a:fld id="{B847C6D6-EA7D-4053-B1CA-B60333B58E9B}" type="datetimeFigureOut">
               <a:rPr lang="ko-KR" altLang="en-US" smtClean="0"/>
-              <a:t>2022-02-16</a:t>
+              <a:t>2022-02-17</a:t>
             </a:fld>
             <a:endParaRPr lang="ko-KR" altLang="en-US"/>
           </a:p>
@@ -772,7 +776,7 @@
           <a:p>
             <a:fld id="{B847C6D6-EA7D-4053-B1CA-B60333B58E9B}" type="datetimeFigureOut">
               <a:rPr lang="ko-KR" altLang="en-US" smtClean="0"/>
-              <a:t>2022-02-16</a:t>
+              <a:t>2022-02-17</a:t>
             </a:fld>
             <a:endParaRPr lang="ko-KR" altLang="en-US"/>
           </a:p>
@@ -1017,7 +1021,7 @@
           <a:p>
             <a:fld id="{B847C6D6-EA7D-4053-B1CA-B60333B58E9B}" type="datetimeFigureOut">
               <a:rPr lang="ko-KR" altLang="en-US" smtClean="0"/>
-              <a:t>2022-02-16</a:t>
+              <a:t>2022-02-17</a:t>
             </a:fld>
             <a:endParaRPr lang="ko-KR" altLang="en-US"/>
           </a:p>
@@ -1246,7 +1250,7 @@
           <a:p>
             <a:fld id="{B847C6D6-EA7D-4053-B1CA-B60333B58E9B}" type="datetimeFigureOut">
               <a:rPr lang="ko-KR" altLang="en-US" smtClean="0"/>
-              <a:t>2022-02-16</a:t>
+              <a:t>2022-02-17</a:t>
             </a:fld>
             <a:endParaRPr lang="ko-KR" altLang="en-US"/>
           </a:p>
@@ -1610,7 +1614,7 @@
           <a:p>
             <a:fld id="{B847C6D6-EA7D-4053-B1CA-B60333B58E9B}" type="datetimeFigureOut">
               <a:rPr lang="ko-KR" altLang="en-US" smtClean="0"/>
-              <a:t>2022-02-16</a:t>
+              <a:t>2022-02-17</a:t>
             </a:fld>
             <a:endParaRPr lang="ko-KR" altLang="en-US"/>
           </a:p>
@@ -1727,7 +1731,7 @@
           <a:p>
             <a:fld id="{B847C6D6-EA7D-4053-B1CA-B60333B58E9B}" type="datetimeFigureOut">
               <a:rPr lang="ko-KR" altLang="en-US" smtClean="0"/>
-              <a:t>2022-02-16</a:t>
+              <a:t>2022-02-17</a:t>
             </a:fld>
             <a:endParaRPr lang="ko-KR" altLang="en-US"/>
           </a:p>
@@ -1822,7 +1826,7 @@
           <a:p>
             <a:fld id="{B847C6D6-EA7D-4053-B1CA-B60333B58E9B}" type="datetimeFigureOut">
               <a:rPr lang="ko-KR" altLang="en-US" smtClean="0"/>
-              <a:t>2022-02-16</a:t>
+              <a:t>2022-02-17</a:t>
             </a:fld>
             <a:endParaRPr lang="ko-KR" altLang="en-US"/>
           </a:p>
@@ -2097,7 +2101,7 @@
           <a:p>
             <a:fld id="{B847C6D6-EA7D-4053-B1CA-B60333B58E9B}" type="datetimeFigureOut">
               <a:rPr lang="ko-KR" altLang="en-US" smtClean="0"/>
-              <a:t>2022-02-16</a:t>
+              <a:t>2022-02-17</a:t>
             </a:fld>
             <a:endParaRPr lang="ko-KR" altLang="en-US"/>
           </a:p>
@@ -2349,7 +2353,7 @@
           <a:p>
             <a:fld id="{B847C6D6-EA7D-4053-B1CA-B60333B58E9B}" type="datetimeFigureOut">
               <a:rPr lang="ko-KR" altLang="en-US" smtClean="0"/>
-              <a:t>2022-02-16</a:t>
+              <a:t>2022-02-17</a:t>
             </a:fld>
             <a:endParaRPr lang="ko-KR" altLang="en-US"/>
           </a:p>
@@ -2560,7 +2564,7 @@
           <a:p>
             <a:fld id="{B847C6D6-EA7D-4053-B1CA-B60333B58E9B}" type="datetimeFigureOut">
               <a:rPr lang="ko-KR" altLang="en-US" smtClean="0"/>
-              <a:t>2022-02-16</a:t>
+              <a:t>2022-02-17</a:t>
             </a:fld>
             <a:endParaRPr lang="ko-KR" altLang="en-US"/>
           </a:p>
@@ -3286,6 +3290,116 @@
 </p:sld>
 </file>
 
+<file path=ppt/slides/slide10.xml><?xml version="1.0" encoding="utf-8"?>
+<p:sld xmlns:a="http://schemas.openxmlformats.org/drawingml/2006/main" xmlns:r="http://schemas.openxmlformats.org/officeDocument/2006/relationships" xmlns:p="http://schemas.openxmlformats.org/presentationml/2006/main">
+  <p:cSld>
+    <p:spTree>
+      <p:nvGrpSpPr>
+        <p:cNvPr id="1" name=""/>
+        <p:cNvGrpSpPr/>
+        <p:nvPr/>
+      </p:nvGrpSpPr>
+      <p:grpSpPr>
+        <a:xfrm>
+          <a:off x="0" y="0"/>
+          <a:ext cx="0" cy="0"/>
+          <a:chOff x="0" y="0"/>
+          <a:chExt cx="0" cy="0"/>
+        </a:xfrm>
+      </p:grpSpPr>
+      <p:sp>
+        <p:nvSpPr>
+          <p:cNvPr id="2" name="제목 1">
+            <a:extLst>
+              <a:ext uri="{FF2B5EF4-FFF2-40B4-BE49-F238E27FC236}">
+                <a16:creationId xmlns:a16="http://schemas.microsoft.com/office/drawing/2014/main" id="{9B988B9B-FDFE-4735-B5DF-CC9217C5E73E}"/>
+              </a:ext>
+            </a:extLst>
+          </p:cNvPr>
+          <p:cNvSpPr>
+            <a:spLocks noGrp="1"/>
+          </p:cNvSpPr>
+          <p:nvPr>
+            <p:ph type="title"/>
+          </p:nvPr>
+        </p:nvSpPr>
+        <p:spPr/>
+        <p:txBody>
+          <a:bodyPr/>
+          <a:lstStyle/>
+          <a:p>
+            <a:endParaRPr lang="ko-KR" altLang="en-US"/>
+          </a:p>
+        </p:txBody>
+      </p:sp>
+      <p:sp>
+        <p:nvSpPr>
+          <p:cNvPr id="3" name="내용 개체 틀 2">
+            <a:extLst>
+              <a:ext uri="{FF2B5EF4-FFF2-40B4-BE49-F238E27FC236}">
+                <a16:creationId xmlns:a16="http://schemas.microsoft.com/office/drawing/2014/main" id="{1550304E-9461-4172-AAC7-A92C8F1CF7A8}"/>
+              </a:ext>
+            </a:extLst>
+          </p:cNvPr>
+          <p:cNvSpPr>
+            <a:spLocks noGrp="1"/>
+          </p:cNvSpPr>
+          <p:nvPr>
+            <p:ph idx="1"/>
+          </p:nvPr>
+        </p:nvSpPr>
+        <p:spPr/>
+        <p:txBody>
+          <a:bodyPr/>
+          <a:lstStyle/>
+          <a:p>
+            <a:endParaRPr lang="ko-KR" altLang="en-US"/>
+          </a:p>
+        </p:txBody>
+      </p:sp>
+      <p:pic>
+        <p:nvPicPr>
+          <p:cNvPr id="5" name="그림 4">
+            <a:extLst>
+              <a:ext uri="{FF2B5EF4-FFF2-40B4-BE49-F238E27FC236}">
+                <a16:creationId xmlns:a16="http://schemas.microsoft.com/office/drawing/2014/main" id="{68D18F5C-9A95-4163-8091-9A9FC6FC902B}"/>
+              </a:ext>
+            </a:extLst>
+          </p:cNvPr>
+          <p:cNvPicPr>
+            <a:picLocks noChangeAspect="1"/>
+          </p:cNvPicPr>
+          <p:nvPr/>
+        </p:nvPicPr>
+        <p:blipFill>
+          <a:blip r:embed="rId2"/>
+          <a:stretch>
+            <a:fillRect/>
+          </a:stretch>
+        </p:blipFill>
+        <p:spPr>
+          <a:xfrm>
+            <a:off x="0" y="627696"/>
+            <a:ext cx="12192000" cy="5602607"/>
+          </a:xfrm>
+          <a:prstGeom prst="rect">
+            <a:avLst/>
+          </a:prstGeom>
+        </p:spPr>
+      </p:pic>
+    </p:spTree>
+    <p:extLst>
+      <p:ext uri="{BB962C8B-B14F-4D97-AF65-F5344CB8AC3E}">
+        <p14:creationId xmlns:p14="http://schemas.microsoft.com/office/powerpoint/2010/main" val="2571345471"/>
+      </p:ext>
+    </p:extLst>
+  </p:cSld>
+  <p:clrMapOvr>
+    <a:masterClrMapping/>
+  </p:clrMapOvr>
+</p:sld>
+</file>
+
 <file path=ppt/slides/slide2.xml><?xml version="1.0" encoding="utf-8"?>
 <p:sld xmlns:a="http://schemas.openxmlformats.org/drawingml/2006/main" xmlns:r="http://schemas.openxmlformats.org/officeDocument/2006/relationships" xmlns:p="http://schemas.openxmlformats.org/presentationml/2006/main">
   <p:cSld>
@@ -4579,419 +4693,40 @@
           <a:chExt cx="0" cy="0"/>
         </a:xfrm>
       </p:grpSpPr>
-      <p:sp>
-        <p:nvSpPr>
-          <p:cNvPr id="10" name="TextBox 9">
+      <p:pic>
+        <p:nvPicPr>
+          <p:cNvPr id="5" name="그림 4">
             <a:extLst>
               <a:ext uri="{FF2B5EF4-FFF2-40B4-BE49-F238E27FC236}">
-                <a16:creationId xmlns:a16="http://schemas.microsoft.com/office/drawing/2014/main" id="{6B01E85D-AA74-4B8A-B300-0B59685570D0}"/>
+                <a16:creationId xmlns:a16="http://schemas.microsoft.com/office/drawing/2014/main" id="{C632A831-F26D-4E77-8AFB-A805BE8EB194}"/>
               </a:ext>
             </a:extLst>
           </p:cNvPr>
-          <p:cNvSpPr txBox="1"/>
-          <p:nvPr/>
-        </p:nvSpPr>
-        <p:spPr>
-          <a:xfrm>
-            <a:off x="547661" y="4976231"/>
-            <a:ext cx="8328484" cy="887615"/>
-          </a:xfrm>
-          <a:prstGeom prst="rect">
-            <a:avLst/>
-          </a:prstGeom>
-          <a:noFill/>
-        </p:spPr>
-        <p:txBody>
-          <a:bodyPr wrap="square" rtlCol="0">
-            <a:spAutoFit/>
-          </a:bodyPr>
-          <a:lstStyle/>
-          <a:p>
-            <a:pPr>
-              <a:lnSpc>
-                <a:spcPct val="150000"/>
-              </a:lnSpc>
-            </a:pPr>
-            <a:r>
-              <a:rPr lang="en-US" altLang="ko-KR" sz="1200" dirty="0"/>
-              <a:t>&lt;</a:t>
-            </a:r>
-            <a:r>
-              <a:rPr lang="ko-KR" altLang="en-US" sz="1200" dirty="0"/>
-              <a:t>상세 화면</a:t>
-            </a:r>
-            <a:r>
-              <a:rPr lang="en-US" altLang="ko-KR" sz="1200" dirty="0"/>
-              <a:t>&gt;</a:t>
-            </a:r>
-          </a:p>
-          <a:p>
-            <a:pPr marL="228600" indent="-228600">
-              <a:lnSpc>
-                <a:spcPct val="150000"/>
-              </a:lnSpc>
-              <a:buFont typeface="+mj-lt"/>
-              <a:buAutoNum type="arabicParenR"/>
-            </a:pPr>
-            <a:r>
-              <a:rPr lang="ko-KR" altLang="en-US" sz="1200" dirty="0"/>
-              <a:t>상단에 </a:t>
-            </a:r>
-            <a:r>
-              <a:rPr lang="en-US" altLang="ko-KR" sz="1200" dirty="0"/>
-              <a:t>Device(</a:t>
-            </a:r>
-            <a:r>
-              <a:rPr lang="ko-KR" altLang="en-US" sz="1200" dirty="0"/>
-              <a:t>화면</a:t>
-            </a:r>
-            <a:r>
-              <a:rPr lang="en-US" altLang="ko-KR" sz="1200" dirty="0"/>
-              <a:t>)</a:t>
-            </a:r>
-            <a:r>
-              <a:rPr lang="ko-KR" altLang="en-US" sz="1200" dirty="0"/>
-              <a:t> 목록 표시</a:t>
-            </a:r>
-            <a:endParaRPr lang="en-US" altLang="ko-KR" sz="1200" dirty="0"/>
-          </a:p>
-          <a:p>
-            <a:pPr marL="228600" indent="-228600">
-              <a:lnSpc>
-                <a:spcPct val="150000"/>
-              </a:lnSpc>
-              <a:buFont typeface="+mj-lt"/>
-              <a:buAutoNum type="arabicParenR"/>
-            </a:pPr>
-            <a:r>
-              <a:rPr lang="ko-KR" altLang="en-US" sz="1200" dirty="0"/>
-              <a:t>각 번호의 스위치를 열림</a:t>
-            </a:r>
-            <a:r>
-              <a:rPr lang="en-US" altLang="ko-KR" sz="1200" dirty="0"/>
-              <a:t>, </a:t>
-            </a:r>
-            <a:r>
-              <a:rPr lang="ko-KR" altLang="en-US" sz="1200" dirty="0"/>
-              <a:t>정지</a:t>
-            </a:r>
-            <a:r>
-              <a:rPr lang="en-US" altLang="ko-KR" sz="1200" dirty="0"/>
-              <a:t>, </a:t>
-            </a:r>
-            <a:r>
-              <a:rPr lang="ko-KR" altLang="en-US" sz="1200" dirty="0"/>
-              <a:t>닫힘으로 설정 가능</a:t>
-            </a:r>
-            <a:endParaRPr lang="en-US" altLang="ko-KR" sz="1200" dirty="0"/>
-          </a:p>
-        </p:txBody>
-      </p:sp>
-      <p:pic>
-        <p:nvPicPr>
-          <p:cNvPr id="3" name="그림 2"/>
           <p:cNvPicPr>
             <a:picLocks noChangeAspect="1"/>
           </p:cNvPicPr>
           <p:nvPr/>
         </p:nvPicPr>
         <p:blipFill>
-          <a:blip r:embed="rId2">
-            <a:extLst>
-              <a:ext uri="{28A0092B-C50C-407E-A947-70E740481C1C}">
-                <a14:useLocalDpi xmlns:a14="http://schemas.microsoft.com/office/drawing/2010/main" val="0"/>
-              </a:ext>
-            </a:extLst>
-          </a:blip>
+          <a:blip r:embed="rId2"/>
           <a:stretch>
             <a:fillRect/>
           </a:stretch>
         </p:blipFill>
         <p:spPr>
           <a:xfrm>
-            <a:off x="388800" y="1213201"/>
-            <a:ext cx="4719600" cy="2792539"/>
+            <a:off x="0" y="178798"/>
+            <a:ext cx="12192000" cy="6500403"/>
           </a:xfrm>
           <a:prstGeom prst="rect">
             <a:avLst/>
           </a:prstGeom>
-          <a:ln>
-            <a:solidFill>
-              <a:schemeClr val="tx1"/>
-            </a:solidFill>
-          </a:ln>
         </p:spPr>
       </p:pic>
-      <p:sp>
-        <p:nvSpPr>
-          <p:cNvPr id="6" name="TextBox 5"/>
-          <p:cNvSpPr txBox="1"/>
-          <p:nvPr/>
-        </p:nvSpPr>
-        <p:spPr>
-          <a:xfrm>
-            <a:off x="2346960" y="420829"/>
-            <a:ext cx="7498080" cy="461665"/>
-          </a:xfrm>
-          <a:prstGeom prst="rect">
-            <a:avLst/>
-          </a:prstGeom>
-          <a:noFill/>
-        </p:spPr>
-        <p:txBody>
-          <a:bodyPr wrap="square" rtlCol="0">
-            <a:spAutoFit/>
-          </a:bodyPr>
-          <a:lstStyle/>
-          <a:p>
-            <a:pPr algn="ctr"/>
-            <a:r>
-              <a:rPr lang="en-US" altLang="ko-KR" sz="2400" b="1" dirty="0">
-                <a:latin typeface="+mj-lt"/>
-                <a:ea typeface="나눔스퀘어_ac ExtraBold" panose="020B0600000101010101" pitchFamily="50" charset="-127"/>
-              </a:rPr>
-              <a:t> UI </a:t>
-            </a:r>
-            <a:r>
-              <a:rPr lang="ko-KR" altLang="en-US" sz="2400" b="1" dirty="0">
-                <a:latin typeface="+mj-lt"/>
-                <a:ea typeface="나눔스퀘어_ac ExtraBold" panose="020B0600000101010101" pitchFamily="50" charset="-127"/>
-              </a:rPr>
-              <a:t>화면</a:t>
-            </a:r>
-          </a:p>
-        </p:txBody>
-      </p:sp>
-      <p:sp>
-        <p:nvSpPr>
-          <p:cNvPr id="7" name="직사각형 6"/>
-          <p:cNvSpPr/>
-          <p:nvPr/>
-        </p:nvSpPr>
-        <p:spPr>
-          <a:xfrm>
-            <a:off x="5853539" y="360046"/>
-            <a:ext cx="484923" cy="56059"/>
-          </a:xfrm>
-          <a:prstGeom prst="rect">
-            <a:avLst/>
-          </a:prstGeom>
-          <a:solidFill>
-            <a:schemeClr val="bg1">
-              <a:lumMod val="65000"/>
-            </a:schemeClr>
-          </a:solidFill>
-          <a:ln>
-            <a:noFill/>
-          </a:ln>
-        </p:spPr>
-        <p:style>
-          <a:lnRef idx="2">
-            <a:schemeClr val="accent1">
-              <a:shade val="50000"/>
-            </a:schemeClr>
-          </a:lnRef>
-          <a:fillRef idx="1">
-            <a:schemeClr val="accent1"/>
-          </a:fillRef>
-          <a:effectRef idx="0">
-            <a:schemeClr val="accent1"/>
-          </a:effectRef>
-          <a:fontRef idx="minor">
-            <a:schemeClr val="lt1"/>
-          </a:fontRef>
-        </p:style>
-        <p:txBody>
-          <a:bodyPr rtlCol="0" anchor="ctr"/>
-          <a:lstStyle/>
-          <a:p>
-            <a:pPr algn="ctr"/>
-            <a:endParaRPr lang="ko-KR" altLang="en-US"/>
-          </a:p>
-        </p:txBody>
-      </p:sp>
-      <p:sp>
-        <p:nvSpPr>
-          <p:cNvPr id="18" name="TextBox 17"/>
-          <p:cNvSpPr txBox="1"/>
-          <p:nvPr/>
-        </p:nvSpPr>
-        <p:spPr>
-          <a:xfrm>
-            <a:off x="547661" y="4624277"/>
-            <a:ext cx="3807070" cy="307777"/>
-          </a:xfrm>
-          <a:prstGeom prst="rect">
-            <a:avLst/>
-          </a:prstGeom>
-          <a:noFill/>
-        </p:spPr>
-        <p:txBody>
-          <a:bodyPr wrap="square" rtlCol="0">
-            <a:spAutoFit/>
-          </a:bodyPr>
-          <a:lstStyle/>
-          <a:p>
-            <a:r>
-              <a:rPr lang="ko-KR" altLang="en-US" sz="1400" dirty="0" err="1">
-                <a:ln>
-                  <a:solidFill>
-                    <a:schemeClr val="tx1"/>
-                  </a:solidFill>
-                </a:ln>
-              </a:rPr>
-              <a:t>개별스위치</a:t>
-            </a:r>
-            <a:r>
-              <a:rPr lang="ko-KR" altLang="en-US" sz="1400" dirty="0">
-                <a:ln>
-                  <a:solidFill>
-                    <a:schemeClr val="tx1"/>
-                  </a:solidFill>
-                </a:ln>
-              </a:rPr>
-              <a:t> 클릭 시 보여주는 화면</a:t>
-            </a:r>
-          </a:p>
-        </p:txBody>
-      </p:sp>
-      <p:sp>
-        <p:nvSpPr>
-          <p:cNvPr id="11" name="직사각형 10">
-            <a:extLst>
-              <a:ext uri="{FF2B5EF4-FFF2-40B4-BE49-F238E27FC236}">
-                <a16:creationId xmlns:a16="http://schemas.microsoft.com/office/drawing/2014/main" id="{845B90EB-1C73-426D-9BB8-CF5E5E4AB463}"/>
-              </a:ext>
-            </a:extLst>
-          </p:cNvPr>
-          <p:cNvSpPr/>
-          <p:nvPr/>
-        </p:nvSpPr>
-        <p:spPr>
-          <a:xfrm>
-            <a:off x="-1" y="223494"/>
-            <a:ext cx="12192001" cy="4265379"/>
-          </a:xfrm>
-          <a:prstGeom prst="rect">
-            <a:avLst/>
-          </a:prstGeom>
-          <a:noFill/>
-          <a:ln w="19050">
-            <a:solidFill>
-              <a:srgbClr val="126447"/>
-            </a:solidFill>
-          </a:ln>
-        </p:spPr>
-        <p:style>
-          <a:lnRef idx="2">
-            <a:schemeClr val="accent1">
-              <a:shade val="50000"/>
-            </a:schemeClr>
-          </a:lnRef>
-          <a:fillRef idx="1">
-            <a:schemeClr val="accent1"/>
-          </a:fillRef>
-          <a:effectRef idx="0">
-            <a:schemeClr val="accent1"/>
-          </a:effectRef>
-          <a:fontRef idx="minor">
-            <a:schemeClr val="lt1"/>
-          </a:fontRef>
-        </p:style>
-        <p:txBody>
-          <a:bodyPr rtlCol="0" anchor="ctr"/>
-          <a:lstStyle/>
-          <a:p>
-            <a:pPr algn="ctr"/>
-            <a:endParaRPr lang="ko-KR" altLang="en-US">
-              <a:latin typeface="+mj-lt"/>
-            </a:endParaRPr>
-          </a:p>
-        </p:txBody>
-      </p:sp>
-      <p:pic>
-        <p:nvPicPr>
-          <p:cNvPr id="5" name="그림 4">
-            <a:extLst>
-              <a:ext uri="{FF2B5EF4-FFF2-40B4-BE49-F238E27FC236}">
-                <a16:creationId xmlns:a16="http://schemas.microsoft.com/office/drawing/2014/main" id="{883FAB1F-0D12-4495-9DAA-A2771CE10248}"/>
-              </a:ext>
-            </a:extLst>
-          </p:cNvPr>
-          <p:cNvPicPr preferRelativeResize="0">
-            <a:picLocks/>
-          </p:cNvPicPr>
-          <p:nvPr/>
-        </p:nvPicPr>
-        <p:blipFill>
-          <a:blip r:embed="rId3"/>
-          <a:stretch>
-            <a:fillRect/>
-          </a:stretch>
-        </p:blipFill>
-        <p:spPr>
-          <a:xfrm>
-            <a:off x="6404400" y="1169470"/>
-            <a:ext cx="5400000" cy="2880000"/>
-          </a:xfrm>
-          <a:prstGeom prst="rect">
-            <a:avLst/>
-          </a:prstGeom>
-          <a:ln>
-            <a:solidFill>
-              <a:schemeClr val="tx1"/>
-            </a:solidFill>
-          </a:ln>
-        </p:spPr>
-      </p:pic>
-      <p:sp>
-        <p:nvSpPr>
-          <p:cNvPr id="14" name="화살표: 오른쪽 13">
-            <a:extLst>
-              <a:ext uri="{FF2B5EF4-FFF2-40B4-BE49-F238E27FC236}">
-                <a16:creationId xmlns:a16="http://schemas.microsoft.com/office/drawing/2014/main" id="{AFACC7DA-DF1E-41FA-BCF8-2B3B82A722DF}"/>
-              </a:ext>
-            </a:extLst>
-          </p:cNvPr>
-          <p:cNvSpPr/>
-          <p:nvPr/>
-        </p:nvSpPr>
-        <p:spPr>
-          <a:xfrm>
-            <a:off x="5352526" y="2347223"/>
-            <a:ext cx="805880" cy="526473"/>
-          </a:xfrm>
-          <a:prstGeom prst="rightArrow">
-            <a:avLst/>
-          </a:prstGeom>
-        </p:spPr>
-        <p:style>
-          <a:lnRef idx="0">
-            <a:schemeClr val="accent3"/>
-          </a:lnRef>
-          <a:fillRef idx="3">
-            <a:schemeClr val="accent3"/>
-          </a:fillRef>
-          <a:effectRef idx="3">
-            <a:schemeClr val="accent3"/>
-          </a:effectRef>
-          <a:fontRef idx="minor">
-            <a:schemeClr val="lt1"/>
-          </a:fontRef>
-        </p:style>
-        <p:txBody>
-          <a:bodyPr rtlCol="0" anchor="ctr"/>
-          <a:lstStyle/>
-          <a:p>
-            <a:pPr algn="ctr"/>
-            <a:endParaRPr lang="ko-KR" altLang="en-US"/>
-          </a:p>
-        </p:txBody>
-      </p:sp>
     </p:spTree>
     <p:extLst>
       <p:ext uri="{BB962C8B-B14F-4D97-AF65-F5344CB8AC3E}">
-        <p14:creationId xmlns:p14="http://schemas.microsoft.com/office/powerpoint/2010/main" val="1987449261"/>
+        <p14:creationId xmlns:p14="http://schemas.microsoft.com/office/powerpoint/2010/main" val="2883087929"/>
       </p:ext>
     </p:extLst>
   </p:cSld>
@@ -5020,10 +4755,10 @@
       </p:grpSpPr>
       <p:sp>
         <p:nvSpPr>
-          <p:cNvPr id="11" name="TextBox 10">
+          <p:cNvPr id="10" name="TextBox 9">
             <a:extLst>
               <a:ext uri="{FF2B5EF4-FFF2-40B4-BE49-F238E27FC236}">
-                <a16:creationId xmlns:a16="http://schemas.microsoft.com/office/drawing/2014/main" id="{9887B58D-864A-4F92-9523-984B18F6FE98}"/>
+                <a16:creationId xmlns:a16="http://schemas.microsoft.com/office/drawing/2014/main" id="{6B01E85D-AA74-4B8A-B300-0B59685570D0}"/>
               </a:ext>
             </a:extLst>
           </p:cNvPr>
@@ -5033,7 +4768,7 @@
         <p:spPr>
           <a:xfrm>
             <a:off x="547661" y="4976231"/>
-            <a:ext cx="8328484" cy="1441613"/>
+            <a:ext cx="8328484" cy="887615"/>
           </a:xfrm>
           <a:prstGeom prst="rect">
             <a:avLst/>
@@ -5104,43 +4839,23 @@
             </a:pPr>
             <a:r>
               <a:rPr lang="ko-KR" altLang="en-US" sz="1200" dirty="0"/>
-              <a:t>급수 요일을 지정할 수 있도록 구현</a:t>
-            </a:r>
-            <a:endParaRPr lang="en-US" altLang="ko-KR" sz="1200" dirty="0"/>
-          </a:p>
-          <a:p>
-            <a:pPr marL="228600" indent="-228600">
-              <a:lnSpc>
-                <a:spcPct val="150000"/>
-              </a:lnSpc>
-              <a:buFont typeface="+mj-lt"/>
-              <a:buAutoNum type="arabicParenR"/>
-            </a:pPr>
+              <a:t>각 번호의 스위치를 열림</a:t>
+            </a:r>
+            <a:r>
+              <a:rPr lang="en-US" altLang="ko-KR" sz="1200" dirty="0"/>
+              <a:t>, </a:t>
+            </a:r>
             <a:r>
               <a:rPr lang="ko-KR" altLang="en-US" sz="1200" dirty="0"/>
-              <a:t>밸브 수에 맞춰 관수 정보가 나타나도록 구현</a:t>
-            </a:r>
-            <a:endParaRPr lang="en-US" altLang="ko-KR" sz="1200" dirty="0"/>
-          </a:p>
-          <a:p>
-            <a:pPr marL="228600" indent="-228600">
-              <a:lnSpc>
-                <a:spcPct val="150000"/>
-              </a:lnSpc>
-              <a:buFont typeface="+mj-lt"/>
-              <a:buAutoNum type="arabicParenR"/>
-            </a:pPr>
+              <a:t>정지</a:t>
+            </a:r>
+            <a:r>
+              <a:rPr lang="en-US" altLang="ko-KR" sz="1200" dirty="0"/>
+              <a:t>, </a:t>
+            </a:r>
             <a:r>
               <a:rPr lang="ko-KR" altLang="en-US" sz="1200" dirty="0"/>
-              <a:t>관수 </a:t>
-            </a:r>
-            <a:r>
-              <a:rPr lang="en-US" altLang="ko-KR" sz="1200" dirty="0"/>
-              <a:t>ON </a:t>
-            </a:r>
-            <a:r>
-              <a:rPr lang="ko-KR" altLang="en-US" sz="1200" dirty="0"/>
-              <a:t>후 급수 시간 및 공급 시간 설정 가능</a:t>
+              <a:t>닫힘으로 설정 가능</a:t>
             </a:r>
             <a:endParaRPr lang="en-US" altLang="ko-KR" sz="1200" dirty="0"/>
           </a:p>
@@ -5168,6 +4883,525 @@
         </p:blipFill>
         <p:spPr>
           <a:xfrm>
+            <a:off x="388800" y="1213201"/>
+            <a:ext cx="4719600" cy="2792539"/>
+          </a:xfrm>
+          <a:prstGeom prst="rect">
+            <a:avLst/>
+          </a:prstGeom>
+          <a:ln>
+            <a:solidFill>
+              <a:schemeClr val="tx1"/>
+            </a:solidFill>
+          </a:ln>
+        </p:spPr>
+      </p:pic>
+      <p:sp>
+        <p:nvSpPr>
+          <p:cNvPr id="6" name="TextBox 5"/>
+          <p:cNvSpPr txBox="1"/>
+          <p:nvPr/>
+        </p:nvSpPr>
+        <p:spPr>
+          <a:xfrm>
+            <a:off x="2346960" y="420829"/>
+            <a:ext cx="7498080" cy="461665"/>
+          </a:xfrm>
+          <a:prstGeom prst="rect">
+            <a:avLst/>
+          </a:prstGeom>
+          <a:noFill/>
+        </p:spPr>
+        <p:txBody>
+          <a:bodyPr wrap="square" rtlCol="0">
+            <a:spAutoFit/>
+          </a:bodyPr>
+          <a:lstStyle/>
+          <a:p>
+            <a:pPr algn="ctr"/>
+            <a:r>
+              <a:rPr lang="en-US" altLang="ko-KR" sz="2400" b="1" dirty="0">
+                <a:latin typeface="+mj-lt"/>
+                <a:ea typeface="나눔스퀘어_ac ExtraBold" panose="020B0600000101010101" pitchFamily="50" charset="-127"/>
+              </a:rPr>
+              <a:t> UI </a:t>
+            </a:r>
+            <a:r>
+              <a:rPr lang="ko-KR" altLang="en-US" sz="2400" b="1" dirty="0">
+                <a:latin typeface="+mj-lt"/>
+                <a:ea typeface="나눔스퀘어_ac ExtraBold" panose="020B0600000101010101" pitchFamily="50" charset="-127"/>
+              </a:rPr>
+              <a:t>화면</a:t>
+            </a:r>
+          </a:p>
+        </p:txBody>
+      </p:sp>
+      <p:sp>
+        <p:nvSpPr>
+          <p:cNvPr id="7" name="직사각형 6"/>
+          <p:cNvSpPr/>
+          <p:nvPr/>
+        </p:nvSpPr>
+        <p:spPr>
+          <a:xfrm>
+            <a:off x="5853539" y="360046"/>
+            <a:ext cx="484923" cy="56059"/>
+          </a:xfrm>
+          <a:prstGeom prst="rect">
+            <a:avLst/>
+          </a:prstGeom>
+          <a:solidFill>
+            <a:schemeClr val="bg1">
+              <a:lumMod val="65000"/>
+            </a:schemeClr>
+          </a:solidFill>
+          <a:ln>
+            <a:noFill/>
+          </a:ln>
+        </p:spPr>
+        <p:style>
+          <a:lnRef idx="2">
+            <a:schemeClr val="accent1">
+              <a:shade val="50000"/>
+            </a:schemeClr>
+          </a:lnRef>
+          <a:fillRef idx="1">
+            <a:schemeClr val="accent1"/>
+          </a:fillRef>
+          <a:effectRef idx="0">
+            <a:schemeClr val="accent1"/>
+          </a:effectRef>
+          <a:fontRef idx="minor">
+            <a:schemeClr val="lt1"/>
+          </a:fontRef>
+        </p:style>
+        <p:txBody>
+          <a:bodyPr rtlCol="0" anchor="ctr"/>
+          <a:lstStyle/>
+          <a:p>
+            <a:pPr algn="ctr"/>
+            <a:endParaRPr lang="ko-KR" altLang="en-US"/>
+          </a:p>
+        </p:txBody>
+      </p:sp>
+      <p:sp>
+        <p:nvSpPr>
+          <p:cNvPr id="18" name="TextBox 17"/>
+          <p:cNvSpPr txBox="1"/>
+          <p:nvPr/>
+        </p:nvSpPr>
+        <p:spPr>
+          <a:xfrm>
+            <a:off x="547661" y="4624277"/>
+            <a:ext cx="3807070" cy="307777"/>
+          </a:xfrm>
+          <a:prstGeom prst="rect">
+            <a:avLst/>
+          </a:prstGeom>
+          <a:noFill/>
+        </p:spPr>
+        <p:txBody>
+          <a:bodyPr wrap="square" rtlCol="0">
+            <a:spAutoFit/>
+          </a:bodyPr>
+          <a:lstStyle/>
+          <a:p>
+            <a:r>
+              <a:rPr lang="ko-KR" altLang="en-US" sz="1400" dirty="0" err="1">
+                <a:ln>
+                  <a:solidFill>
+                    <a:schemeClr val="tx1"/>
+                  </a:solidFill>
+                </a:ln>
+              </a:rPr>
+              <a:t>개별스위치</a:t>
+            </a:r>
+            <a:r>
+              <a:rPr lang="ko-KR" altLang="en-US" sz="1400" dirty="0">
+                <a:ln>
+                  <a:solidFill>
+                    <a:schemeClr val="tx1"/>
+                  </a:solidFill>
+                </a:ln>
+              </a:rPr>
+              <a:t> 클릭 시 보여주는 화면</a:t>
+            </a:r>
+          </a:p>
+        </p:txBody>
+      </p:sp>
+      <p:sp>
+        <p:nvSpPr>
+          <p:cNvPr id="11" name="직사각형 10">
+            <a:extLst>
+              <a:ext uri="{FF2B5EF4-FFF2-40B4-BE49-F238E27FC236}">
+                <a16:creationId xmlns:a16="http://schemas.microsoft.com/office/drawing/2014/main" id="{845B90EB-1C73-426D-9BB8-CF5E5E4AB463}"/>
+              </a:ext>
+            </a:extLst>
+          </p:cNvPr>
+          <p:cNvSpPr/>
+          <p:nvPr/>
+        </p:nvSpPr>
+        <p:spPr>
+          <a:xfrm>
+            <a:off x="-1" y="223494"/>
+            <a:ext cx="12192001" cy="4265379"/>
+          </a:xfrm>
+          <a:prstGeom prst="rect">
+            <a:avLst/>
+          </a:prstGeom>
+          <a:noFill/>
+          <a:ln w="19050">
+            <a:solidFill>
+              <a:srgbClr val="126447"/>
+            </a:solidFill>
+          </a:ln>
+        </p:spPr>
+        <p:style>
+          <a:lnRef idx="2">
+            <a:schemeClr val="accent1">
+              <a:shade val="50000"/>
+            </a:schemeClr>
+          </a:lnRef>
+          <a:fillRef idx="1">
+            <a:schemeClr val="accent1"/>
+          </a:fillRef>
+          <a:effectRef idx="0">
+            <a:schemeClr val="accent1"/>
+          </a:effectRef>
+          <a:fontRef idx="minor">
+            <a:schemeClr val="lt1"/>
+          </a:fontRef>
+        </p:style>
+        <p:txBody>
+          <a:bodyPr rtlCol="0" anchor="ctr"/>
+          <a:lstStyle/>
+          <a:p>
+            <a:pPr algn="ctr"/>
+            <a:endParaRPr lang="ko-KR" altLang="en-US">
+              <a:latin typeface="+mj-lt"/>
+            </a:endParaRPr>
+          </a:p>
+        </p:txBody>
+      </p:sp>
+      <p:pic>
+        <p:nvPicPr>
+          <p:cNvPr id="5" name="그림 4">
+            <a:extLst>
+              <a:ext uri="{FF2B5EF4-FFF2-40B4-BE49-F238E27FC236}">
+                <a16:creationId xmlns:a16="http://schemas.microsoft.com/office/drawing/2014/main" id="{883FAB1F-0D12-4495-9DAA-A2771CE10248}"/>
+              </a:ext>
+            </a:extLst>
+          </p:cNvPr>
+          <p:cNvPicPr preferRelativeResize="0">
+            <a:picLocks/>
+          </p:cNvPicPr>
+          <p:nvPr/>
+        </p:nvPicPr>
+        <p:blipFill>
+          <a:blip r:embed="rId3"/>
+          <a:stretch>
+            <a:fillRect/>
+          </a:stretch>
+        </p:blipFill>
+        <p:spPr>
+          <a:xfrm>
+            <a:off x="6404400" y="1169470"/>
+            <a:ext cx="5400000" cy="2880000"/>
+          </a:xfrm>
+          <a:prstGeom prst="rect">
+            <a:avLst/>
+          </a:prstGeom>
+          <a:ln>
+            <a:solidFill>
+              <a:schemeClr val="tx1"/>
+            </a:solidFill>
+          </a:ln>
+        </p:spPr>
+      </p:pic>
+      <p:sp>
+        <p:nvSpPr>
+          <p:cNvPr id="14" name="화살표: 오른쪽 13">
+            <a:extLst>
+              <a:ext uri="{FF2B5EF4-FFF2-40B4-BE49-F238E27FC236}">
+                <a16:creationId xmlns:a16="http://schemas.microsoft.com/office/drawing/2014/main" id="{AFACC7DA-DF1E-41FA-BCF8-2B3B82A722DF}"/>
+              </a:ext>
+            </a:extLst>
+          </p:cNvPr>
+          <p:cNvSpPr/>
+          <p:nvPr/>
+        </p:nvSpPr>
+        <p:spPr>
+          <a:xfrm>
+            <a:off x="5352526" y="2347223"/>
+            <a:ext cx="805880" cy="526473"/>
+          </a:xfrm>
+          <a:prstGeom prst="rightArrow">
+            <a:avLst/>
+          </a:prstGeom>
+        </p:spPr>
+        <p:style>
+          <a:lnRef idx="0">
+            <a:schemeClr val="accent3"/>
+          </a:lnRef>
+          <a:fillRef idx="3">
+            <a:schemeClr val="accent3"/>
+          </a:fillRef>
+          <a:effectRef idx="3">
+            <a:schemeClr val="accent3"/>
+          </a:effectRef>
+          <a:fontRef idx="minor">
+            <a:schemeClr val="lt1"/>
+          </a:fontRef>
+        </p:style>
+        <p:txBody>
+          <a:bodyPr rtlCol="0" anchor="ctr"/>
+          <a:lstStyle/>
+          <a:p>
+            <a:pPr algn="ctr"/>
+            <a:endParaRPr lang="ko-KR" altLang="en-US"/>
+          </a:p>
+        </p:txBody>
+      </p:sp>
+    </p:spTree>
+    <p:extLst>
+      <p:ext uri="{BB962C8B-B14F-4D97-AF65-F5344CB8AC3E}">
+        <p14:creationId xmlns:p14="http://schemas.microsoft.com/office/powerpoint/2010/main" val="1987449261"/>
+      </p:ext>
+    </p:extLst>
+  </p:cSld>
+  <p:clrMapOvr>
+    <a:masterClrMapping/>
+  </p:clrMapOvr>
+</p:sld>
+</file>
+
+<file path=ppt/slides/slide6.xml><?xml version="1.0" encoding="utf-8"?>
+<p:sld xmlns:a="http://schemas.openxmlformats.org/drawingml/2006/main" xmlns:r="http://schemas.openxmlformats.org/officeDocument/2006/relationships" xmlns:p="http://schemas.openxmlformats.org/presentationml/2006/main">
+  <p:cSld>
+    <p:spTree>
+      <p:nvGrpSpPr>
+        <p:cNvPr id="1" name=""/>
+        <p:cNvGrpSpPr/>
+        <p:nvPr/>
+      </p:nvGrpSpPr>
+      <p:grpSpPr>
+        <a:xfrm>
+          <a:off x="0" y="0"/>
+          <a:ext cx="0" cy="0"/>
+          <a:chOff x="0" y="0"/>
+          <a:chExt cx="0" cy="0"/>
+        </a:xfrm>
+      </p:grpSpPr>
+      <p:pic>
+        <p:nvPicPr>
+          <p:cNvPr id="5" name="그림 4">
+            <a:extLst>
+              <a:ext uri="{FF2B5EF4-FFF2-40B4-BE49-F238E27FC236}">
+                <a16:creationId xmlns:a16="http://schemas.microsoft.com/office/drawing/2014/main" id="{D04816DF-438E-4A66-8EE2-648E6D477D46}"/>
+              </a:ext>
+            </a:extLst>
+          </p:cNvPr>
+          <p:cNvPicPr>
+            <a:picLocks noChangeAspect="1"/>
+          </p:cNvPicPr>
+          <p:nvPr/>
+        </p:nvPicPr>
+        <p:blipFill>
+          <a:blip r:embed="rId2"/>
+          <a:stretch>
+            <a:fillRect/>
+          </a:stretch>
+        </p:blipFill>
+        <p:spPr>
+          <a:xfrm>
+            <a:off x="0" y="167039"/>
+            <a:ext cx="12192000" cy="6523921"/>
+          </a:xfrm>
+          <a:prstGeom prst="rect">
+            <a:avLst/>
+          </a:prstGeom>
+        </p:spPr>
+      </p:pic>
+    </p:spTree>
+    <p:extLst>
+      <p:ext uri="{BB962C8B-B14F-4D97-AF65-F5344CB8AC3E}">
+        <p14:creationId xmlns:p14="http://schemas.microsoft.com/office/powerpoint/2010/main" val="3617943523"/>
+      </p:ext>
+    </p:extLst>
+  </p:cSld>
+  <p:clrMapOvr>
+    <a:masterClrMapping/>
+  </p:clrMapOvr>
+</p:sld>
+</file>
+
+<file path=ppt/slides/slide7.xml><?xml version="1.0" encoding="utf-8"?>
+<p:sld xmlns:a="http://schemas.openxmlformats.org/drawingml/2006/main" xmlns:r="http://schemas.openxmlformats.org/officeDocument/2006/relationships" xmlns:p="http://schemas.openxmlformats.org/presentationml/2006/main">
+  <p:cSld>
+    <p:spTree>
+      <p:nvGrpSpPr>
+        <p:cNvPr id="1" name=""/>
+        <p:cNvGrpSpPr/>
+        <p:nvPr/>
+      </p:nvGrpSpPr>
+      <p:grpSpPr>
+        <a:xfrm>
+          <a:off x="0" y="0"/>
+          <a:ext cx="0" cy="0"/>
+          <a:chOff x="0" y="0"/>
+          <a:chExt cx="0" cy="0"/>
+        </a:xfrm>
+      </p:grpSpPr>
+      <p:sp>
+        <p:nvSpPr>
+          <p:cNvPr id="11" name="TextBox 10">
+            <a:extLst>
+              <a:ext uri="{FF2B5EF4-FFF2-40B4-BE49-F238E27FC236}">
+                <a16:creationId xmlns:a16="http://schemas.microsoft.com/office/drawing/2014/main" id="{9887B58D-864A-4F92-9523-984B18F6FE98}"/>
+              </a:ext>
+            </a:extLst>
+          </p:cNvPr>
+          <p:cNvSpPr txBox="1"/>
+          <p:nvPr/>
+        </p:nvSpPr>
+        <p:spPr>
+          <a:xfrm>
+            <a:off x="547661" y="4976231"/>
+            <a:ext cx="8328484" cy="1441613"/>
+          </a:xfrm>
+          <a:prstGeom prst="rect">
+            <a:avLst/>
+          </a:prstGeom>
+          <a:noFill/>
+        </p:spPr>
+        <p:txBody>
+          <a:bodyPr wrap="square" rtlCol="0">
+            <a:spAutoFit/>
+          </a:bodyPr>
+          <a:lstStyle/>
+          <a:p>
+            <a:pPr>
+              <a:lnSpc>
+                <a:spcPct val="150000"/>
+              </a:lnSpc>
+            </a:pPr>
+            <a:r>
+              <a:rPr lang="en-US" altLang="ko-KR" sz="1200" dirty="0"/>
+              <a:t>&lt;</a:t>
+            </a:r>
+            <a:r>
+              <a:rPr lang="ko-KR" altLang="en-US" sz="1200" dirty="0"/>
+              <a:t>상세 화면</a:t>
+            </a:r>
+            <a:r>
+              <a:rPr lang="en-US" altLang="ko-KR" sz="1200" dirty="0"/>
+              <a:t>&gt;</a:t>
+            </a:r>
+          </a:p>
+          <a:p>
+            <a:pPr marL="228600" indent="-228600">
+              <a:lnSpc>
+                <a:spcPct val="150000"/>
+              </a:lnSpc>
+              <a:buFont typeface="+mj-lt"/>
+              <a:buAutoNum type="arabicParenR"/>
+            </a:pPr>
+            <a:r>
+              <a:rPr lang="ko-KR" altLang="en-US" sz="1200" dirty="0"/>
+              <a:t>상단에 </a:t>
+            </a:r>
+            <a:r>
+              <a:rPr lang="en-US" altLang="ko-KR" sz="1200" dirty="0"/>
+              <a:t>Device(</a:t>
+            </a:r>
+            <a:r>
+              <a:rPr lang="ko-KR" altLang="en-US" sz="1200" dirty="0"/>
+              <a:t>화면</a:t>
+            </a:r>
+            <a:r>
+              <a:rPr lang="en-US" altLang="ko-KR" sz="1200" dirty="0"/>
+              <a:t>)</a:t>
+            </a:r>
+            <a:r>
+              <a:rPr lang="ko-KR" altLang="en-US" sz="1200" dirty="0"/>
+              <a:t> 목록 표시</a:t>
+            </a:r>
+            <a:endParaRPr lang="en-US" altLang="ko-KR" sz="1200" dirty="0"/>
+          </a:p>
+          <a:p>
+            <a:pPr marL="228600" indent="-228600">
+              <a:lnSpc>
+                <a:spcPct val="150000"/>
+              </a:lnSpc>
+              <a:buFont typeface="+mj-lt"/>
+              <a:buAutoNum type="arabicParenR"/>
+            </a:pPr>
+            <a:r>
+              <a:rPr lang="ko-KR" altLang="en-US" sz="1200" dirty="0"/>
+              <a:t>급수 요일을 지정할 수 있도록 구현</a:t>
+            </a:r>
+            <a:endParaRPr lang="en-US" altLang="ko-KR" sz="1200" dirty="0"/>
+          </a:p>
+          <a:p>
+            <a:pPr marL="228600" indent="-228600">
+              <a:lnSpc>
+                <a:spcPct val="150000"/>
+              </a:lnSpc>
+              <a:buFont typeface="+mj-lt"/>
+              <a:buAutoNum type="arabicParenR"/>
+            </a:pPr>
+            <a:r>
+              <a:rPr lang="ko-KR" altLang="en-US" sz="1200" dirty="0"/>
+              <a:t>밸브 수에 맞춰 관수 정보가 나타나도록 구현</a:t>
+            </a:r>
+            <a:endParaRPr lang="en-US" altLang="ko-KR" sz="1200" dirty="0"/>
+          </a:p>
+          <a:p>
+            <a:pPr marL="228600" indent="-228600">
+              <a:lnSpc>
+                <a:spcPct val="150000"/>
+              </a:lnSpc>
+              <a:buFont typeface="+mj-lt"/>
+              <a:buAutoNum type="arabicParenR"/>
+            </a:pPr>
+            <a:r>
+              <a:rPr lang="ko-KR" altLang="en-US" sz="1200" dirty="0"/>
+              <a:t>관수 </a:t>
+            </a:r>
+            <a:r>
+              <a:rPr lang="en-US" altLang="ko-KR" sz="1200" dirty="0"/>
+              <a:t>ON </a:t>
+            </a:r>
+            <a:r>
+              <a:rPr lang="ko-KR" altLang="en-US" sz="1200" dirty="0"/>
+              <a:t>후 급수 시간 및 공급 시간 설정 가능</a:t>
+            </a:r>
+            <a:endParaRPr lang="en-US" altLang="ko-KR" sz="1200" dirty="0"/>
+          </a:p>
+        </p:txBody>
+      </p:sp>
+      <p:pic>
+        <p:nvPicPr>
+          <p:cNvPr id="3" name="그림 2"/>
+          <p:cNvPicPr>
+            <a:picLocks noChangeAspect="1"/>
+          </p:cNvPicPr>
+          <p:nvPr/>
+        </p:nvPicPr>
+        <p:blipFill>
+          <a:blip r:embed="rId2">
+            <a:extLst>
+              <a:ext uri="{28A0092B-C50C-407E-A947-70E740481C1C}">
+                <a14:useLocalDpi xmlns:a14="http://schemas.microsoft.com/office/drawing/2010/main" val="0"/>
+              </a:ext>
+            </a:extLst>
+          </a:blip>
+          <a:stretch>
+            <a:fillRect/>
+          </a:stretch>
+        </p:blipFill>
+        <p:spPr>
+          <a:xfrm>
             <a:off x="388800" y="1213200"/>
             <a:ext cx="4719600" cy="2795086"/>
           </a:xfrm>
@@ -5450,7 +5684,117 @@
 </p:sld>
 </file>
 
-<file path=ppt/slides/slide6.xml><?xml version="1.0" encoding="utf-8"?>
+<file path=ppt/slides/slide8.xml><?xml version="1.0" encoding="utf-8"?>
+<p:sld xmlns:a="http://schemas.openxmlformats.org/drawingml/2006/main" xmlns:r="http://schemas.openxmlformats.org/officeDocument/2006/relationships" xmlns:p="http://schemas.openxmlformats.org/presentationml/2006/main">
+  <p:cSld>
+    <p:spTree>
+      <p:nvGrpSpPr>
+        <p:cNvPr id="1" name=""/>
+        <p:cNvGrpSpPr/>
+        <p:nvPr/>
+      </p:nvGrpSpPr>
+      <p:grpSpPr>
+        <a:xfrm>
+          <a:off x="0" y="0"/>
+          <a:ext cx="0" cy="0"/>
+          <a:chOff x="0" y="0"/>
+          <a:chExt cx="0" cy="0"/>
+        </a:xfrm>
+      </p:grpSpPr>
+      <p:sp>
+        <p:nvSpPr>
+          <p:cNvPr id="2" name="제목 1">
+            <a:extLst>
+              <a:ext uri="{FF2B5EF4-FFF2-40B4-BE49-F238E27FC236}">
+                <a16:creationId xmlns:a16="http://schemas.microsoft.com/office/drawing/2014/main" id="{DF4B4CFF-5474-47BD-AC63-F19B0F01758B}"/>
+              </a:ext>
+            </a:extLst>
+          </p:cNvPr>
+          <p:cNvSpPr>
+            <a:spLocks noGrp="1"/>
+          </p:cNvSpPr>
+          <p:nvPr>
+            <p:ph type="title"/>
+          </p:nvPr>
+        </p:nvSpPr>
+        <p:spPr/>
+        <p:txBody>
+          <a:bodyPr/>
+          <a:lstStyle/>
+          <a:p>
+            <a:endParaRPr lang="ko-KR" altLang="en-US"/>
+          </a:p>
+        </p:txBody>
+      </p:sp>
+      <p:sp>
+        <p:nvSpPr>
+          <p:cNvPr id="3" name="내용 개체 틀 2">
+            <a:extLst>
+              <a:ext uri="{FF2B5EF4-FFF2-40B4-BE49-F238E27FC236}">
+                <a16:creationId xmlns:a16="http://schemas.microsoft.com/office/drawing/2014/main" id="{48E91A27-9256-4A81-B0BC-2AAB64074F12}"/>
+              </a:ext>
+            </a:extLst>
+          </p:cNvPr>
+          <p:cNvSpPr>
+            <a:spLocks noGrp="1"/>
+          </p:cNvSpPr>
+          <p:nvPr>
+            <p:ph idx="1"/>
+          </p:nvPr>
+        </p:nvSpPr>
+        <p:spPr/>
+        <p:txBody>
+          <a:bodyPr/>
+          <a:lstStyle/>
+          <a:p>
+            <a:endParaRPr lang="ko-KR" altLang="en-US"/>
+          </a:p>
+        </p:txBody>
+      </p:sp>
+      <p:pic>
+        <p:nvPicPr>
+          <p:cNvPr id="5" name="그림 4">
+            <a:extLst>
+              <a:ext uri="{FF2B5EF4-FFF2-40B4-BE49-F238E27FC236}">
+                <a16:creationId xmlns:a16="http://schemas.microsoft.com/office/drawing/2014/main" id="{94ECE537-5242-4923-944B-D798D6F42E93}"/>
+              </a:ext>
+            </a:extLst>
+          </p:cNvPr>
+          <p:cNvPicPr>
+            <a:picLocks noChangeAspect="1"/>
+          </p:cNvPicPr>
+          <p:nvPr/>
+        </p:nvPicPr>
+        <p:blipFill>
+          <a:blip r:embed="rId2"/>
+          <a:stretch>
+            <a:fillRect/>
+          </a:stretch>
+        </p:blipFill>
+        <p:spPr>
+          <a:xfrm>
+            <a:off x="1876303" y="0"/>
+            <a:ext cx="8439393" cy="6858000"/>
+          </a:xfrm>
+          <a:prstGeom prst="rect">
+            <a:avLst/>
+          </a:prstGeom>
+        </p:spPr>
+      </p:pic>
+    </p:spTree>
+    <p:extLst>
+      <p:ext uri="{BB962C8B-B14F-4D97-AF65-F5344CB8AC3E}">
+        <p14:creationId xmlns:p14="http://schemas.microsoft.com/office/powerpoint/2010/main" val="2094103732"/>
+      </p:ext>
+    </p:extLst>
+  </p:cSld>
+  <p:clrMapOvr>
+    <a:masterClrMapping/>
+  </p:clrMapOvr>
+</p:sld>
+</file>
+
+<file path=ppt/slides/slide9.xml><?xml version="1.0" encoding="utf-8"?>
 <p:sld xmlns:a="http://schemas.openxmlformats.org/drawingml/2006/main" xmlns:r="http://schemas.openxmlformats.org/officeDocument/2006/relationships" xmlns:p="http://schemas.openxmlformats.org/presentationml/2006/main">
   <p:cSld>
     <p:spTree>

--- a/화면 자료/ubifarm.pptx
+++ b/화면 자료/ubifarm.pptx
@@ -4,17 +4,17 @@
   <p:sldMasterIdLst>
     <p:sldMasterId id="2147483648" r:id="rId1"/>
   </p:sldMasterIdLst>
+  <p:notesMasterIdLst>
+    <p:notesMasterId r:id="rId9"/>
+  </p:notesMasterIdLst>
   <p:sldIdLst>
     <p:sldId id="256" r:id="rId2"/>
     <p:sldId id="263" r:id="rId3"/>
-    <p:sldId id="257" r:id="rId4"/>
-    <p:sldId id="264" r:id="rId5"/>
+    <p:sldId id="264" r:id="rId4"/>
+    <p:sldId id="257" r:id="rId5"/>
     <p:sldId id="258" r:id="rId6"/>
-    <p:sldId id="265" r:id="rId7"/>
-    <p:sldId id="259" r:id="rId8"/>
-    <p:sldId id="267" r:id="rId9"/>
-    <p:sldId id="260" r:id="rId10"/>
-    <p:sldId id="266" r:id="rId11"/>
+    <p:sldId id="259" r:id="rId7"/>
+    <p:sldId id="260" r:id="rId8"/>
   </p:sldIdLst>
   <p:sldSz cx="12192000" cy="6858000"/>
   <p:notesSz cx="6858000" cy="9144000"/>
@@ -133,6 +133,661 @@
 </p:cmAuthorLst>
 </file>
 
+<file path=ppt/notesMasters/notesMaster1.xml><?xml version="1.0" encoding="utf-8"?>
+<p:notesMaster xmlns:a="http://schemas.openxmlformats.org/drawingml/2006/main" xmlns:r="http://schemas.openxmlformats.org/officeDocument/2006/relationships" xmlns:p="http://schemas.openxmlformats.org/presentationml/2006/main">
+  <p:cSld>
+    <p:bg>
+      <p:bgRef idx="1001">
+        <a:schemeClr val="bg1"/>
+      </p:bgRef>
+    </p:bg>
+    <p:spTree>
+      <p:nvGrpSpPr>
+        <p:cNvPr id="1" name=""/>
+        <p:cNvGrpSpPr/>
+        <p:nvPr/>
+      </p:nvGrpSpPr>
+      <p:grpSpPr>
+        <a:xfrm>
+          <a:off x="0" y="0"/>
+          <a:ext cx="0" cy="0"/>
+          <a:chOff x="0" y="0"/>
+          <a:chExt cx="0" cy="0"/>
+        </a:xfrm>
+      </p:grpSpPr>
+      <p:sp>
+        <p:nvSpPr>
+          <p:cNvPr id="2" name="머리글 개체 틀 1"/>
+          <p:cNvSpPr>
+            <a:spLocks noGrp="1"/>
+          </p:cNvSpPr>
+          <p:nvPr>
+            <p:ph type="hdr" sz="quarter"/>
+          </p:nvPr>
+        </p:nvSpPr>
+        <p:spPr>
+          <a:xfrm>
+            <a:off x="0" y="0"/>
+            <a:ext cx="2971800" cy="458788"/>
+          </a:xfrm>
+          <a:prstGeom prst="rect">
+            <a:avLst/>
+          </a:prstGeom>
+        </p:spPr>
+        <p:txBody>
+          <a:bodyPr vert="horz" lIns="91440" tIns="45720" rIns="91440" bIns="45720" rtlCol="0"/>
+          <a:lstStyle>
+            <a:lvl1pPr algn="l">
+              <a:defRPr sz="1200"/>
+            </a:lvl1pPr>
+          </a:lstStyle>
+          <a:p>
+            <a:endParaRPr lang="ko-KR" altLang="en-US"/>
+          </a:p>
+        </p:txBody>
+      </p:sp>
+      <p:sp>
+        <p:nvSpPr>
+          <p:cNvPr id="3" name="날짜 개체 틀 2"/>
+          <p:cNvSpPr>
+            <a:spLocks noGrp="1"/>
+          </p:cNvSpPr>
+          <p:nvPr>
+            <p:ph type="dt" idx="1"/>
+          </p:nvPr>
+        </p:nvSpPr>
+        <p:spPr>
+          <a:xfrm>
+            <a:off x="3884613" y="0"/>
+            <a:ext cx="2971800" cy="458788"/>
+          </a:xfrm>
+          <a:prstGeom prst="rect">
+            <a:avLst/>
+          </a:prstGeom>
+        </p:spPr>
+        <p:txBody>
+          <a:bodyPr vert="horz" lIns="91440" tIns="45720" rIns="91440" bIns="45720" rtlCol="0"/>
+          <a:lstStyle>
+            <a:lvl1pPr algn="r">
+              <a:defRPr sz="1200"/>
+            </a:lvl1pPr>
+          </a:lstStyle>
+          <a:p>
+            <a:fld id="{4013F4DB-764B-4480-A778-49F3E2F8434C}" type="datetimeFigureOut">
+              <a:rPr lang="ko-KR" altLang="en-US" smtClean="0"/>
+              <a:t>2022-02-18</a:t>
+            </a:fld>
+            <a:endParaRPr lang="ko-KR" altLang="en-US"/>
+          </a:p>
+        </p:txBody>
+      </p:sp>
+      <p:sp>
+        <p:nvSpPr>
+          <p:cNvPr id="4" name="슬라이드 이미지 개체 틀 3"/>
+          <p:cNvSpPr>
+            <a:spLocks noGrp="1" noRot="1" noChangeAspect="1"/>
+          </p:cNvSpPr>
+          <p:nvPr>
+            <p:ph type="sldImg" idx="2"/>
+          </p:nvPr>
+        </p:nvSpPr>
+        <p:spPr>
+          <a:xfrm>
+            <a:off x="685800" y="1143000"/>
+            <a:ext cx="5486400" cy="3086100"/>
+          </a:xfrm>
+          <a:prstGeom prst="rect">
+            <a:avLst/>
+          </a:prstGeom>
+          <a:noFill/>
+          <a:ln w="12700">
+            <a:solidFill>
+              <a:prstClr val="black"/>
+            </a:solidFill>
+          </a:ln>
+        </p:spPr>
+        <p:txBody>
+          <a:bodyPr vert="horz" lIns="91440" tIns="45720" rIns="91440" bIns="45720" rtlCol="0" anchor="ctr"/>
+          <a:lstStyle/>
+          <a:p>
+            <a:endParaRPr lang="ko-KR" altLang="en-US"/>
+          </a:p>
+        </p:txBody>
+      </p:sp>
+      <p:sp>
+        <p:nvSpPr>
+          <p:cNvPr id="5" name="슬라이드 노트 개체 틀 4"/>
+          <p:cNvSpPr>
+            <a:spLocks noGrp="1"/>
+          </p:cNvSpPr>
+          <p:nvPr>
+            <p:ph type="body" sz="quarter" idx="3"/>
+          </p:nvPr>
+        </p:nvSpPr>
+        <p:spPr>
+          <a:xfrm>
+            <a:off x="685800" y="4400550"/>
+            <a:ext cx="5486400" cy="3600450"/>
+          </a:xfrm>
+          <a:prstGeom prst="rect">
+            <a:avLst/>
+          </a:prstGeom>
+        </p:spPr>
+        <p:txBody>
+          <a:bodyPr vert="horz" lIns="91440" tIns="45720" rIns="91440" bIns="45720" rtlCol="0"/>
+          <a:lstStyle/>
+          <a:p>
+            <a:pPr lvl="0"/>
+            <a:r>
+              <a:rPr lang="ko-KR" altLang="en-US"/>
+              <a:t>마스터 텍스트 스타일을 편집하려면 클릭</a:t>
+            </a:r>
+          </a:p>
+          <a:p>
+            <a:pPr lvl="1"/>
+            <a:r>
+              <a:rPr lang="ko-KR" altLang="en-US"/>
+              <a:t>두 번째 수준</a:t>
+            </a:r>
+          </a:p>
+          <a:p>
+            <a:pPr lvl="2"/>
+            <a:r>
+              <a:rPr lang="ko-KR" altLang="en-US"/>
+              <a:t>세 번째 수준</a:t>
+            </a:r>
+          </a:p>
+          <a:p>
+            <a:pPr lvl="3"/>
+            <a:r>
+              <a:rPr lang="ko-KR" altLang="en-US"/>
+              <a:t>네 번째 수준</a:t>
+            </a:r>
+          </a:p>
+          <a:p>
+            <a:pPr lvl="4"/>
+            <a:r>
+              <a:rPr lang="ko-KR" altLang="en-US"/>
+              <a:t>다섯 번째 수준</a:t>
+            </a:r>
+          </a:p>
+        </p:txBody>
+      </p:sp>
+      <p:sp>
+        <p:nvSpPr>
+          <p:cNvPr id="6" name="바닥글 개체 틀 5"/>
+          <p:cNvSpPr>
+            <a:spLocks noGrp="1"/>
+          </p:cNvSpPr>
+          <p:nvPr>
+            <p:ph type="ftr" sz="quarter" idx="4"/>
+          </p:nvPr>
+        </p:nvSpPr>
+        <p:spPr>
+          <a:xfrm>
+            <a:off x="0" y="8685213"/>
+            <a:ext cx="2971800" cy="458787"/>
+          </a:xfrm>
+          <a:prstGeom prst="rect">
+            <a:avLst/>
+          </a:prstGeom>
+        </p:spPr>
+        <p:txBody>
+          <a:bodyPr vert="horz" lIns="91440" tIns="45720" rIns="91440" bIns="45720" rtlCol="0" anchor="b"/>
+          <a:lstStyle>
+            <a:lvl1pPr algn="l">
+              <a:defRPr sz="1200"/>
+            </a:lvl1pPr>
+          </a:lstStyle>
+          <a:p>
+            <a:endParaRPr lang="ko-KR" altLang="en-US"/>
+          </a:p>
+        </p:txBody>
+      </p:sp>
+      <p:sp>
+        <p:nvSpPr>
+          <p:cNvPr id="7" name="슬라이드 번호 개체 틀 6"/>
+          <p:cNvSpPr>
+            <a:spLocks noGrp="1"/>
+          </p:cNvSpPr>
+          <p:nvPr>
+            <p:ph type="sldNum" sz="quarter" idx="5"/>
+          </p:nvPr>
+        </p:nvSpPr>
+        <p:spPr>
+          <a:xfrm>
+            <a:off x="3884613" y="8685213"/>
+            <a:ext cx="2971800" cy="458787"/>
+          </a:xfrm>
+          <a:prstGeom prst="rect">
+            <a:avLst/>
+          </a:prstGeom>
+        </p:spPr>
+        <p:txBody>
+          <a:bodyPr vert="horz" lIns="91440" tIns="45720" rIns="91440" bIns="45720" rtlCol="0" anchor="b"/>
+          <a:lstStyle>
+            <a:lvl1pPr algn="r">
+              <a:defRPr sz="1200"/>
+            </a:lvl1pPr>
+          </a:lstStyle>
+          <a:p>
+            <a:fld id="{C135F41A-61E1-4457-B3A4-DE1B78B42FAB}" type="slidenum">
+              <a:rPr lang="ko-KR" altLang="en-US" smtClean="0"/>
+              <a:t>‹#›</a:t>
+            </a:fld>
+            <a:endParaRPr lang="ko-KR" altLang="en-US"/>
+          </a:p>
+        </p:txBody>
+      </p:sp>
+    </p:spTree>
+    <p:extLst>
+      <p:ext uri="{BB962C8B-B14F-4D97-AF65-F5344CB8AC3E}">
+        <p14:creationId xmlns:p14="http://schemas.microsoft.com/office/powerpoint/2010/main" val="4242657409"/>
+      </p:ext>
+    </p:extLst>
+  </p:cSld>
+  <p:clrMap bg1="lt1" tx1="dk1" bg2="lt2" tx2="dk2" accent1="accent1" accent2="accent2" accent3="accent3" accent4="accent4" accent5="accent5" accent6="accent6" hlink="hlink" folHlink="folHlink"/>
+  <p:notesStyle>
+    <a:lvl1pPr marL="0" algn="l" defTabSz="914400" rtl="0" eaLnBrk="1" latinLnBrk="1" hangingPunct="1">
+      <a:defRPr sz="1200" kern="1200">
+        <a:solidFill>
+          <a:schemeClr val="tx1"/>
+        </a:solidFill>
+        <a:latin typeface="+mn-lt"/>
+        <a:ea typeface="+mn-ea"/>
+        <a:cs typeface="+mn-cs"/>
+      </a:defRPr>
+    </a:lvl1pPr>
+    <a:lvl2pPr marL="457200" algn="l" defTabSz="914400" rtl="0" eaLnBrk="1" latinLnBrk="1" hangingPunct="1">
+      <a:defRPr sz="1200" kern="1200">
+        <a:solidFill>
+          <a:schemeClr val="tx1"/>
+        </a:solidFill>
+        <a:latin typeface="+mn-lt"/>
+        <a:ea typeface="+mn-ea"/>
+        <a:cs typeface="+mn-cs"/>
+      </a:defRPr>
+    </a:lvl2pPr>
+    <a:lvl3pPr marL="914400" algn="l" defTabSz="914400" rtl="0" eaLnBrk="1" latinLnBrk="1" hangingPunct="1">
+      <a:defRPr sz="1200" kern="1200">
+        <a:solidFill>
+          <a:schemeClr val="tx1"/>
+        </a:solidFill>
+        <a:latin typeface="+mn-lt"/>
+        <a:ea typeface="+mn-ea"/>
+        <a:cs typeface="+mn-cs"/>
+      </a:defRPr>
+    </a:lvl3pPr>
+    <a:lvl4pPr marL="1371600" algn="l" defTabSz="914400" rtl="0" eaLnBrk="1" latinLnBrk="1" hangingPunct="1">
+      <a:defRPr sz="1200" kern="1200">
+        <a:solidFill>
+          <a:schemeClr val="tx1"/>
+        </a:solidFill>
+        <a:latin typeface="+mn-lt"/>
+        <a:ea typeface="+mn-ea"/>
+        <a:cs typeface="+mn-cs"/>
+      </a:defRPr>
+    </a:lvl4pPr>
+    <a:lvl5pPr marL="1828800" algn="l" defTabSz="914400" rtl="0" eaLnBrk="1" latinLnBrk="1" hangingPunct="1">
+      <a:defRPr sz="1200" kern="1200">
+        <a:solidFill>
+          <a:schemeClr val="tx1"/>
+        </a:solidFill>
+        <a:latin typeface="+mn-lt"/>
+        <a:ea typeface="+mn-ea"/>
+        <a:cs typeface="+mn-cs"/>
+      </a:defRPr>
+    </a:lvl5pPr>
+    <a:lvl6pPr marL="2286000" algn="l" defTabSz="914400" rtl="0" eaLnBrk="1" latinLnBrk="1" hangingPunct="1">
+      <a:defRPr sz="1200" kern="1200">
+        <a:solidFill>
+          <a:schemeClr val="tx1"/>
+        </a:solidFill>
+        <a:latin typeface="+mn-lt"/>
+        <a:ea typeface="+mn-ea"/>
+        <a:cs typeface="+mn-cs"/>
+      </a:defRPr>
+    </a:lvl6pPr>
+    <a:lvl7pPr marL="2743200" algn="l" defTabSz="914400" rtl="0" eaLnBrk="1" latinLnBrk="1" hangingPunct="1">
+      <a:defRPr sz="1200" kern="1200">
+        <a:solidFill>
+          <a:schemeClr val="tx1"/>
+        </a:solidFill>
+        <a:latin typeface="+mn-lt"/>
+        <a:ea typeface="+mn-ea"/>
+        <a:cs typeface="+mn-cs"/>
+      </a:defRPr>
+    </a:lvl7pPr>
+    <a:lvl8pPr marL="3200400" algn="l" defTabSz="914400" rtl="0" eaLnBrk="1" latinLnBrk="1" hangingPunct="1">
+      <a:defRPr sz="1200" kern="1200">
+        <a:solidFill>
+          <a:schemeClr val="tx1"/>
+        </a:solidFill>
+        <a:latin typeface="+mn-lt"/>
+        <a:ea typeface="+mn-ea"/>
+        <a:cs typeface="+mn-cs"/>
+      </a:defRPr>
+    </a:lvl8pPr>
+    <a:lvl9pPr marL="3657600" algn="l" defTabSz="914400" rtl="0" eaLnBrk="1" latinLnBrk="1" hangingPunct="1">
+      <a:defRPr sz="1200" kern="1200">
+        <a:solidFill>
+          <a:schemeClr val="tx1"/>
+        </a:solidFill>
+        <a:latin typeface="+mn-lt"/>
+        <a:ea typeface="+mn-ea"/>
+        <a:cs typeface="+mn-cs"/>
+      </a:defRPr>
+    </a:lvl9pPr>
+  </p:notesStyle>
+</p:notesMaster>
+</file>
+
+<file path=ppt/notesSlides/notesSlide1.xml><?xml version="1.0" encoding="utf-8"?>
+<p:notes xmlns:a="http://schemas.openxmlformats.org/drawingml/2006/main" xmlns:r="http://schemas.openxmlformats.org/officeDocument/2006/relationships" xmlns:p="http://schemas.openxmlformats.org/presentationml/2006/main">
+  <p:cSld>
+    <p:spTree>
+      <p:nvGrpSpPr>
+        <p:cNvPr id="1" name=""/>
+        <p:cNvGrpSpPr/>
+        <p:nvPr/>
+      </p:nvGrpSpPr>
+      <p:grpSpPr>
+        <a:xfrm>
+          <a:off x="0" y="0"/>
+          <a:ext cx="0" cy="0"/>
+          <a:chOff x="0" y="0"/>
+          <a:chExt cx="0" cy="0"/>
+        </a:xfrm>
+      </p:grpSpPr>
+      <p:sp>
+        <p:nvSpPr>
+          <p:cNvPr id="2" name="슬라이드 이미지 개체 틀 1"/>
+          <p:cNvSpPr>
+            <a:spLocks noGrp="1" noRot="1" noChangeAspect="1"/>
+          </p:cNvSpPr>
+          <p:nvPr>
+            <p:ph type="sldImg"/>
+          </p:nvPr>
+        </p:nvSpPr>
+        <p:spPr/>
+      </p:sp>
+      <p:sp>
+        <p:nvSpPr>
+          <p:cNvPr id="3" name="슬라이드 노트 개체 틀 2"/>
+          <p:cNvSpPr>
+            <a:spLocks noGrp="1"/>
+          </p:cNvSpPr>
+          <p:nvPr>
+            <p:ph type="body" idx="1"/>
+          </p:nvPr>
+        </p:nvSpPr>
+        <p:spPr/>
+        <p:txBody>
+          <a:bodyPr/>
+          <a:lstStyle/>
+          <a:p>
+            <a:pPr algn="l">
+              <a:lnSpc>
+                <a:spcPct val="200000"/>
+              </a:lnSpc>
+              <a:buFont typeface="Arial" panose="020B0604020202020204" pitchFamily="34" charset="0"/>
+              <a:buChar char="•"/>
+            </a:pPr>
+            <a:r>
+              <a:rPr lang="en-US" altLang="ko-KR" b="0" i="0" dirty="0">
+                <a:solidFill>
+                  <a:srgbClr val="24292F"/>
+                </a:solidFill>
+                <a:effectLst/>
+                <a:latin typeface="-apple-system"/>
+              </a:rPr>
+              <a:t>Configuration file(ControllerConfigFile.txt)</a:t>
+            </a:r>
+            <a:r>
+              <a:rPr lang="ko-KR" altLang="en-US" b="0" i="0" dirty="0">
+                <a:solidFill>
+                  <a:srgbClr val="24292F"/>
+                </a:solidFill>
+                <a:effectLst/>
+                <a:latin typeface="-apple-system"/>
+              </a:rPr>
+              <a:t>과 </a:t>
+            </a:r>
+            <a:r>
+              <a:rPr lang="en-US" altLang="ko-KR" b="0" i="0" dirty="0">
+                <a:solidFill>
+                  <a:srgbClr val="24292F"/>
+                </a:solidFill>
+                <a:effectLst/>
+                <a:latin typeface="-apple-system"/>
+              </a:rPr>
+              <a:t>Database schema(</a:t>
+            </a:r>
+            <a:r>
+              <a:rPr lang="en-US" altLang="ko-KR" b="0" i="0" dirty="0" err="1">
+                <a:solidFill>
+                  <a:srgbClr val="24292F"/>
+                </a:solidFill>
+                <a:effectLst/>
+                <a:latin typeface="-apple-system"/>
+              </a:rPr>
+              <a:t>tableSchema.sql</a:t>
+            </a:r>
+            <a:r>
+              <a:rPr lang="en-US" altLang="ko-KR" b="0" i="0" dirty="0">
+                <a:solidFill>
+                  <a:srgbClr val="24292F"/>
+                </a:solidFill>
+                <a:effectLst/>
+                <a:latin typeface="-apple-system"/>
+              </a:rPr>
+              <a:t>) </a:t>
+            </a:r>
+            <a:r>
+              <a:rPr lang="ko-KR" altLang="en-US" b="0" i="0" dirty="0">
+                <a:solidFill>
+                  <a:srgbClr val="24292F"/>
+                </a:solidFill>
+                <a:effectLst/>
+                <a:latin typeface="-apple-system"/>
+              </a:rPr>
+              <a:t>정보를 이용하여 데이터 생성</a:t>
+            </a:r>
+          </a:p>
+          <a:p>
+            <a:pPr algn="l">
+              <a:lnSpc>
+                <a:spcPct val="200000"/>
+              </a:lnSpc>
+              <a:buFont typeface="Arial" panose="020B0604020202020204" pitchFamily="34" charset="0"/>
+              <a:buChar char="•"/>
+            </a:pPr>
+            <a:r>
+              <a:rPr lang="en-US" altLang="ko-KR" b="0" i="0" dirty="0">
+                <a:solidFill>
+                  <a:srgbClr val="24292F"/>
+                </a:solidFill>
+                <a:effectLst/>
+                <a:latin typeface="-apple-system"/>
+              </a:rPr>
+              <a:t>Node-RED</a:t>
+            </a:r>
+            <a:r>
+              <a:rPr lang="ko-KR" altLang="en-US" b="0" i="0" dirty="0">
+                <a:solidFill>
+                  <a:srgbClr val="24292F"/>
+                </a:solidFill>
+                <a:effectLst/>
+                <a:latin typeface="-apple-system"/>
+              </a:rPr>
+              <a:t>와 </a:t>
+            </a:r>
+            <a:r>
+              <a:rPr lang="en-US" altLang="ko-KR" b="0" i="0" dirty="0">
+                <a:solidFill>
+                  <a:srgbClr val="24292F"/>
+                </a:solidFill>
+                <a:effectLst/>
+                <a:latin typeface="-apple-system"/>
+              </a:rPr>
+              <a:t>DB</a:t>
+            </a:r>
+            <a:r>
+              <a:rPr lang="ko-KR" altLang="en-US" b="0" i="0" dirty="0">
+                <a:solidFill>
+                  <a:srgbClr val="24292F"/>
+                </a:solidFill>
+                <a:effectLst/>
+                <a:latin typeface="-apple-system"/>
+              </a:rPr>
+              <a:t>를 연동하여 기존 화면을 동적인 </a:t>
+            </a:r>
+            <a:r>
+              <a:rPr lang="en-US" altLang="ko-KR" b="0" i="0" dirty="0">
+                <a:solidFill>
+                  <a:srgbClr val="24292F"/>
+                </a:solidFill>
+                <a:effectLst/>
+                <a:latin typeface="-apple-system"/>
+              </a:rPr>
+              <a:t>UI </a:t>
+            </a:r>
+            <a:r>
+              <a:rPr lang="ko-KR" altLang="en-US" b="0" i="0" dirty="0">
+                <a:solidFill>
+                  <a:srgbClr val="24292F"/>
+                </a:solidFill>
+                <a:effectLst/>
+                <a:latin typeface="-apple-system"/>
+              </a:rPr>
+              <a:t>화면으로 구상</a:t>
+            </a:r>
+          </a:p>
+          <a:p>
+            <a:endParaRPr lang="ko-KR" altLang="en-US" dirty="0"/>
+          </a:p>
+        </p:txBody>
+      </p:sp>
+      <p:sp>
+        <p:nvSpPr>
+          <p:cNvPr id="4" name="슬라이드 번호 개체 틀 3"/>
+          <p:cNvSpPr>
+            <a:spLocks noGrp="1"/>
+          </p:cNvSpPr>
+          <p:nvPr>
+            <p:ph type="sldNum" sz="quarter" idx="5"/>
+          </p:nvPr>
+        </p:nvSpPr>
+        <p:spPr/>
+        <p:txBody>
+          <a:bodyPr/>
+          <a:lstStyle/>
+          <a:p>
+            <a:fld id="{C135F41A-61E1-4457-B3A4-DE1B78B42FAB}" type="slidenum">
+              <a:rPr lang="ko-KR" altLang="en-US" smtClean="0"/>
+              <a:t>2</a:t>
+            </a:fld>
+            <a:endParaRPr lang="ko-KR" altLang="en-US"/>
+          </a:p>
+        </p:txBody>
+      </p:sp>
+    </p:spTree>
+    <p:extLst>
+      <p:ext uri="{BB962C8B-B14F-4D97-AF65-F5344CB8AC3E}">
+        <p14:creationId xmlns:p14="http://schemas.microsoft.com/office/powerpoint/2010/main" val="3156120216"/>
+      </p:ext>
+    </p:extLst>
+  </p:cSld>
+  <p:clrMapOvr>
+    <a:masterClrMapping/>
+  </p:clrMapOvr>
+</p:notes>
+</file>
+
+<file path=ppt/notesSlides/notesSlide2.xml><?xml version="1.0" encoding="utf-8"?>
+<p:notes xmlns:a="http://schemas.openxmlformats.org/drawingml/2006/main" xmlns:r="http://schemas.openxmlformats.org/officeDocument/2006/relationships" xmlns:p="http://schemas.openxmlformats.org/presentationml/2006/main">
+  <p:cSld>
+    <p:spTree>
+      <p:nvGrpSpPr>
+        <p:cNvPr id="1" name=""/>
+        <p:cNvGrpSpPr/>
+        <p:nvPr/>
+      </p:nvGrpSpPr>
+      <p:grpSpPr>
+        <a:xfrm>
+          <a:off x="0" y="0"/>
+          <a:ext cx="0" cy="0"/>
+          <a:chOff x="0" y="0"/>
+          <a:chExt cx="0" cy="0"/>
+        </a:xfrm>
+      </p:grpSpPr>
+      <p:sp>
+        <p:nvSpPr>
+          <p:cNvPr id="2" name="슬라이드 이미지 개체 틀 1"/>
+          <p:cNvSpPr>
+            <a:spLocks noGrp="1" noRot="1" noChangeAspect="1"/>
+          </p:cNvSpPr>
+          <p:nvPr>
+            <p:ph type="sldImg"/>
+          </p:nvPr>
+        </p:nvSpPr>
+        <p:spPr/>
+      </p:sp>
+      <p:sp>
+        <p:nvSpPr>
+          <p:cNvPr id="3" name="슬라이드 노트 개체 틀 2"/>
+          <p:cNvSpPr>
+            <a:spLocks noGrp="1"/>
+          </p:cNvSpPr>
+          <p:nvPr>
+            <p:ph type="body" idx="1"/>
+          </p:nvPr>
+        </p:nvSpPr>
+        <p:spPr/>
+        <p:txBody>
+          <a:bodyPr/>
+          <a:lstStyle/>
+          <a:p>
+            <a:endParaRPr lang="ko-KR" altLang="en-US" dirty="0"/>
+          </a:p>
+        </p:txBody>
+      </p:sp>
+      <p:sp>
+        <p:nvSpPr>
+          <p:cNvPr id="4" name="슬라이드 번호 개체 틀 3"/>
+          <p:cNvSpPr>
+            <a:spLocks noGrp="1"/>
+          </p:cNvSpPr>
+          <p:nvPr>
+            <p:ph type="sldNum" sz="quarter" idx="5"/>
+          </p:nvPr>
+        </p:nvSpPr>
+        <p:spPr/>
+        <p:txBody>
+          <a:bodyPr/>
+          <a:lstStyle/>
+          <a:p>
+            <a:fld id="{C135F41A-61E1-4457-B3A4-DE1B78B42FAB}" type="slidenum">
+              <a:rPr lang="ko-KR" altLang="en-US" smtClean="0"/>
+              <a:t>3</a:t>
+            </a:fld>
+            <a:endParaRPr lang="ko-KR" altLang="en-US"/>
+          </a:p>
+        </p:txBody>
+      </p:sp>
+    </p:spTree>
+    <p:extLst>
+      <p:ext uri="{BB962C8B-B14F-4D97-AF65-F5344CB8AC3E}">
+        <p14:creationId xmlns:p14="http://schemas.microsoft.com/office/powerpoint/2010/main" val="2340311665"/>
+      </p:ext>
+    </p:extLst>
+  </p:cSld>
+  <p:clrMapOvr>
+    <a:masterClrMapping/>
+  </p:clrMapOvr>
+</p:notes>
+</file>
+
 <file path=ppt/slideLayouts/slideLayout1.xml><?xml version="1.0" encoding="utf-8"?>
 <p:sldLayout xmlns:a="http://schemas.openxmlformats.org/drawingml/2006/main" xmlns:r="http://schemas.openxmlformats.org/officeDocument/2006/relationships" xmlns:p="http://schemas.openxmlformats.org/presentationml/2006/main" type="title" preserve="1">
   <p:cSld name="제목 슬라이드">
@@ -262,7 +917,7 @@
           <a:p>
             <a:fld id="{B847C6D6-EA7D-4053-B1CA-B60333B58E9B}" type="datetimeFigureOut">
               <a:rPr lang="ko-KR" altLang="en-US" smtClean="0"/>
-              <a:t>2022-02-17</a:t>
+              <a:t>2022-02-18</a:t>
             </a:fld>
             <a:endParaRPr lang="ko-KR" altLang="en-US"/>
           </a:p>
@@ -430,7 +1085,7 @@
           <a:p>
             <a:fld id="{B847C6D6-EA7D-4053-B1CA-B60333B58E9B}" type="datetimeFigureOut">
               <a:rPr lang="ko-KR" altLang="en-US" smtClean="0"/>
-              <a:t>2022-02-17</a:t>
+              <a:t>2022-02-18</a:t>
             </a:fld>
             <a:endParaRPr lang="ko-KR" altLang="en-US"/>
           </a:p>
@@ -608,7 +1263,7 @@
           <a:p>
             <a:fld id="{B847C6D6-EA7D-4053-B1CA-B60333B58E9B}" type="datetimeFigureOut">
               <a:rPr lang="ko-KR" altLang="en-US" smtClean="0"/>
-              <a:t>2022-02-17</a:t>
+              <a:t>2022-02-18</a:t>
             </a:fld>
             <a:endParaRPr lang="ko-KR" altLang="en-US"/>
           </a:p>
@@ -776,7 +1431,7 @@
           <a:p>
             <a:fld id="{B847C6D6-EA7D-4053-B1CA-B60333B58E9B}" type="datetimeFigureOut">
               <a:rPr lang="ko-KR" altLang="en-US" smtClean="0"/>
-              <a:t>2022-02-17</a:t>
+              <a:t>2022-02-18</a:t>
             </a:fld>
             <a:endParaRPr lang="ko-KR" altLang="en-US"/>
           </a:p>
@@ -1021,7 +1676,7 @@
           <a:p>
             <a:fld id="{B847C6D6-EA7D-4053-B1CA-B60333B58E9B}" type="datetimeFigureOut">
               <a:rPr lang="ko-KR" altLang="en-US" smtClean="0"/>
-              <a:t>2022-02-17</a:t>
+              <a:t>2022-02-18</a:t>
             </a:fld>
             <a:endParaRPr lang="ko-KR" altLang="en-US"/>
           </a:p>
@@ -1250,7 +1905,7 @@
           <a:p>
             <a:fld id="{B847C6D6-EA7D-4053-B1CA-B60333B58E9B}" type="datetimeFigureOut">
               <a:rPr lang="ko-KR" altLang="en-US" smtClean="0"/>
-              <a:t>2022-02-17</a:t>
+              <a:t>2022-02-18</a:t>
             </a:fld>
             <a:endParaRPr lang="ko-KR" altLang="en-US"/>
           </a:p>
@@ -1614,7 +2269,7 @@
           <a:p>
             <a:fld id="{B847C6D6-EA7D-4053-B1CA-B60333B58E9B}" type="datetimeFigureOut">
               <a:rPr lang="ko-KR" altLang="en-US" smtClean="0"/>
-              <a:t>2022-02-17</a:t>
+              <a:t>2022-02-18</a:t>
             </a:fld>
             <a:endParaRPr lang="ko-KR" altLang="en-US"/>
           </a:p>
@@ -1731,7 +2386,7 @@
           <a:p>
             <a:fld id="{B847C6D6-EA7D-4053-B1CA-B60333B58E9B}" type="datetimeFigureOut">
               <a:rPr lang="ko-KR" altLang="en-US" smtClean="0"/>
-              <a:t>2022-02-17</a:t>
+              <a:t>2022-02-18</a:t>
             </a:fld>
             <a:endParaRPr lang="ko-KR" altLang="en-US"/>
           </a:p>
@@ -1826,7 +2481,7 @@
           <a:p>
             <a:fld id="{B847C6D6-EA7D-4053-B1CA-B60333B58E9B}" type="datetimeFigureOut">
               <a:rPr lang="ko-KR" altLang="en-US" smtClean="0"/>
-              <a:t>2022-02-17</a:t>
+              <a:t>2022-02-18</a:t>
             </a:fld>
             <a:endParaRPr lang="ko-KR" altLang="en-US"/>
           </a:p>
@@ -2101,7 +2756,7 @@
           <a:p>
             <a:fld id="{B847C6D6-EA7D-4053-B1CA-B60333B58E9B}" type="datetimeFigureOut">
               <a:rPr lang="ko-KR" altLang="en-US" smtClean="0"/>
-              <a:t>2022-02-17</a:t>
+              <a:t>2022-02-18</a:t>
             </a:fld>
             <a:endParaRPr lang="ko-KR" altLang="en-US"/>
           </a:p>
@@ -2353,7 +3008,7 @@
           <a:p>
             <a:fld id="{B847C6D6-EA7D-4053-B1CA-B60333B58E9B}" type="datetimeFigureOut">
               <a:rPr lang="ko-KR" altLang="en-US" smtClean="0"/>
-              <a:t>2022-02-17</a:t>
+              <a:t>2022-02-18</a:t>
             </a:fld>
             <a:endParaRPr lang="ko-KR" altLang="en-US"/>
           </a:p>
@@ -2564,7 +3219,7 @@
           <a:p>
             <a:fld id="{B847C6D6-EA7D-4053-B1CA-B60333B58E9B}" type="datetimeFigureOut">
               <a:rPr lang="ko-KR" altLang="en-US" smtClean="0"/>
-              <a:t>2022-02-17</a:t>
+              <a:t>2022-02-18</a:t>
             </a:fld>
             <a:endParaRPr lang="ko-KR" altLang="en-US"/>
           </a:p>
@@ -3290,116 +3945,6 @@
 </p:sld>
 </file>
 
-<file path=ppt/slides/slide10.xml><?xml version="1.0" encoding="utf-8"?>
-<p:sld xmlns:a="http://schemas.openxmlformats.org/drawingml/2006/main" xmlns:r="http://schemas.openxmlformats.org/officeDocument/2006/relationships" xmlns:p="http://schemas.openxmlformats.org/presentationml/2006/main">
-  <p:cSld>
-    <p:spTree>
-      <p:nvGrpSpPr>
-        <p:cNvPr id="1" name=""/>
-        <p:cNvGrpSpPr/>
-        <p:nvPr/>
-      </p:nvGrpSpPr>
-      <p:grpSpPr>
-        <a:xfrm>
-          <a:off x="0" y="0"/>
-          <a:ext cx="0" cy="0"/>
-          <a:chOff x="0" y="0"/>
-          <a:chExt cx="0" cy="0"/>
-        </a:xfrm>
-      </p:grpSpPr>
-      <p:sp>
-        <p:nvSpPr>
-          <p:cNvPr id="2" name="제목 1">
-            <a:extLst>
-              <a:ext uri="{FF2B5EF4-FFF2-40B4-BE49-F238E27FC236}">
-                <a16:creationId xmlns:a16="http://schemas.microsoft.com/office/drawing/2014/main" id="{9B988B9B-FDFE-4735-B5DF-CC9217C5E73E}"/>
-              </a:ext>
-            </a:extLst>
-          </p:cNvPr>
-          <p:cNvSpPr>
-            <a:spLocks noGrp="1"/>
-          </p:cNvSpPr>
-          <p:nvPr>
-            <p:ph type="title"/>
-          </p:nvPr>
-        </p:nvSpPr>
-        <p:spPr/>
-        <p:txBody>
-          <a:bodyPr/>
-          <a:lstStyle/>
-          <a:p>
-            <a:endParaRPr lang="ko-KR" altLang="en-US"/>
-          </a:p>
-        </p:txBody>
-      </p:sp>
-      <p:sp>
-        <p:nvSpPr>
-          <p:cNvPr id="3" name="내용 개체 틀 2">
-            <a:extLst>
-              <a:ext uri="{FF2B5EF4-FFF2-40B4-BE49-F238E27FC236}">
-                <a16:creationId xmlns:a16="http://schemas.microsoft.com/office/drawing/2014/main" id="{1550304E-9461-4172-AAC7-A92C8F1CF7A8}"/>
-              </a:ext>
-            </a:extLst>
-          </p:cNvPr>
-          <p:cNvSpPr>
-            <a:spLocks noGrp="1"/>
-          </p:cNvSpPr>
-          <p:nvPr>
-            <p:ph idx="1"/>
-          </p:nvPr>
-        </p:nvSpPr>
-        <p:spPr/>
-        <p:txBody>
-          <a:bodyPr/>
-          <a:lstStyle/>
-          <a:p>
-            <a:endParaRPr lang="ko-KR" altLang="en-US"/>
-          </a:p>
-        </p:txBody>
-      </p:sp>
-      <p:pic>
-        <p:nvPicPr>
-          <p:cNvPr id="5" name="그림 4">
-            <a:extLst>
-              <a:ext uri="{FF2B5EF4-FFF2-40B4-BE49-F238E27FC236}">
-                <a16:creationId xmlns:a16="http://schemas.microsoft.com/office/drawing/2014/main" id="{68D18F5C-9A95-4163-8091-9A9FC6FC902B}"/>
-              </a:ext>
-            </a:extLst>
-          </p:cNvPr>
-          <p:cNvPicPr>
-            <a:picLocks noChangeAspect="1"/>
-          </p:cNvPicPr>
-          <p:nvPr/>
-        </p:nvPicPr>
-        <p:blipFill>
-          <a:blip r:embed="rId2"/>
-          <a:stretch>
-            <a:fillRect/>
-          </a:stretch>
-        </p:blipFill>
-        <p:spPr>
-          <a:xfrm>
-            <a:off x="0" y="627696"/>
-            <a:ext cx="12192000" cy="5602607"/>
-          </a:xfrm>
-          <a:prstGeom prst="rect">
-            <a:avLst/>
-          </a:prstGeom>
-        </p:spPr>
-      </p:pic>
-    </p:spTree>
-    <p:extLst>
-      <p:ext uri="{BB962C8B-B14F-4D97-AF65-F5344CB8AC3E}">
-        <p14:creationId xmlns:p14="http://schemas.microsoft.com/office/powerpoint/2010/main" val="2571345471"/>
-      </p:ext>
-    </p:extLst>
-  </p:cSld>
-  <p:clrMapOvr>
-    <a:masterClrMapping/>
-  </p:clrMapOvr>
-</p:sld>
-</file>
-
 <file path=ppt/slides/slide2.xml><?xml version="1.0" encoding="utf-8"?>
 <p:sld xmlns:a="http://schemas.openxmlformats.org/drawingml/2006/main" xmlns:r="http://schemas.openxmlformats.org/officeDocument/2006/relationships" xmlns:p="http://schemas.openxmlformats.org/presentationml/2006/main">
   <p:cSld>
@@ -3419,6 +3964,63 @@
       </p:grpSpPr>
       <p:sp>
         <p:nvSpPr>
+          <p:cNvPr id="32" name="직사각형 31">
+            <a:extLst>
+              <a:ext uri="{FF2B5EF4-FFF2-40B4-BE49-F238E27FC236}">
+                <a16:creationId xmlns:a16="http://schemas.microsoft.com/office/drawing/2014/main" id="{29F64644-74C8-48D8-83DF-66E7ACD6A4D1}"/>
+              </a:ext>
+            </a:extLst>
+          </p:cNvPr>
+          <p:cNvSpPr/>
+          <p:nvPr/>
+        </p:nvSpPr>
+        <p:spPr>
+          <a:xfrm>
+            <a:off x="1676400" y="1743369"/>
+            <a:ext cx="8839201" cy="1879665"/>
+          </a:xfrm>
+          <a:prstGeom prst="rect">
+            <a:avLst/>
+          </a:prstGeom>
+          <a:solidFill>
+            <a:schemeClr val="accent6">
+              <a:lumMod val="60000"/>
+              <a:lumOff val="40000"/>
+            </a:schemeClr>
+          </a:solidFill>
+          <a:ln w="19050">
+            <a:noFill/>
+          </a:ln>
+        </p:spPr>
+        <p:style>
+          <a:lnRef idx="2">
+            <a:schemeClr val="accent1">
+              <a:shade val="50000"/>
+            </a:schemeClr>
+          </a:lnRef>
+          <a:fillRef idx="1">
+            <a:schemeClr val="accent1"/>
+          </a:fillRef>
+          <a:effectRef idx="0">
+            <a:schemeClr val="accent1"/>
+          </a:effectRef>
+          <a:fontRef idx="minor">
+            <a:schemeClr val="lt1"/>
+          </a:fontRef>
+        </p:style>
+        <p:txBody>
+          <a:bodyPr rtlCol="0" anchor="ctr"/>
+          <a:lstStyle/>
+          <a:p>
+            <a:pPr algn="ctr"/>
+            <a:endParaRPr lang="ko-KR" altLang="en-US">
+              <a:latin typeface="+mj-lt"/>
+            </a:endParaRPr>
+          </a:p>
+        </p:txBody>
+      </p:sp>
+      <p:sp>
+        <p:nvSpPr>
           <p:cNvPr id="2" name="제목 1"/>
           <p:cNvSpPr>
             <a:spLocks noGrp="1"/>
@@ -3429,17 +4031,19 @@
         </p:nvSpPr>
         <p:spPr>
           <a:xfrm>
-            <a:off x="838200" y="365126"/>
+            <a:off x="838200" y="254294"/>
             <a:ext cx="10515600" cy="971306"/>
           </a:xfrm>
         </p:spPr>
         <p:txBody>
-          <a:bodyPr/>
+          <a:bodyPr>
+            <a:normAutofit/>
+          </a:bodyPr>
           <a:lstStyle/>
           <a:p>
             <a:pPr algn="ctr"/>
             <a:r>
-              <a:rPr lang="ko-KR" altLang="en-US" dirty="0"/>
+              <a:rPr lang="ko-KR" altLang="en-US" sz="3600" b="1" dirty="0"/>
               <a:t>프로젝트 소개</a:t>
             </a:r>
           </a:p>
@@ -3448,41 +4052,6 @@
       <p:pic>
         <p:nvPicPr>
           <p:cNvPr id="7" name="그림 6"/>
-          <p:cNvPicPr>
-            <a:picLocks noChangeAspect="1"/>
-          </p:cNvPicPr>
-          <p:nvPr/>
-        </p:nvPicPr>
-        <p:blipFill>
-          <a:blip r:embed="rId2" cstate="print">
-            <a:extLst>
-              <a:ext uri="{28A0092B-C50C-407E-A947-70E740481C1C}">
-                <a14:useLocalDpi xmlns:a14="http://schemas.microsoft.com/office/drawing/2010/main" val="0"/>
-              </a:ext>
-            </a:extLst>
-          </a:blip>
-          <a:stretch>
-            <a:fillRect/>
-          </a:stretch>
-        </p:blipFill>
-        <p:spPr>
-          <a:xfrm>
-            <a:off x="6293457" y="4271264"/>
-            <a:ext cx="2641018" cy="1497656"/>
-          </a:xfrm>
-          <a:prstGeom prst="rect">
-            <a:avLst/>
-          </a:prstGeom>
-          <a:ln>
-            <a:solidFill>
-              <a:schemeClr val="tx1"/>
-            </a:solidFill>
-          </a:ln>
-        </p:spPr>
-      </p:pic>
-      <p:pic>
-        <p:nvPicPr>
-          <p:cNvPr id="8" name="그림 7"/>
           <p:cNvPicPr>
             <a:picLocks noChangeAspect="1"/>
           </p:cNvPicPr>
@@ -3502,7 +4071,7 @@
         </p:blipFill>
         <p:spPr>
           <a:xfrm>
-            <a:off x="3287878" y="4271264"/>
+            <a:off x="6293457" y="4760791"/>
             <a:ext cx="2641018" cy="1497656"/>
           </a:xfrm>
           <a:prstGeom prst="rect">
@@ -3517,7 +4086,7 @@
       </p:pic>
       <p:pic>
         <p:nvPicPr>
-          <p:cNvPr id="9" name="그림 8"/>
+          <p:cNvPr id="8" name="그림 7"/>
           <p:cNvPicPr>
             <a:picLocks noChangeAspect="1"/>
           </p:cNvPicPr>
@@ -3537,8 +4106,8 @@
         </p:blipFill>
         <p:spPr>
           <a:xfrm>
-            <a:off x="9299037" y="4270224"/>
-            <a:ext cx="2641018" cy="1498802"/>
+            <a:off x="3287878" y="4760791"/>
+            <a:ext cx="2641018" cy="1497656"/>
           </a:xfrm>
           <a:prstGeom prst="rect">
             <a:avLst/>
@@ -3552,7 +4121,7 @@
       </p:pic>
       <p:pic>
         <p:nvPicPr>
-          <p:cNvPr id="10" name="그림 9"/>
+          <p:cNvPr id="9" name="그림 8"/>
           <p:cNvPicPr>
             <a:picLocks noChangeAspect="1"/>
           </p:cNvPicPr>
@@ -3572,8 +4141,8 @@
         </p:blipFill>
         <p:spPr>
           <a:xfrm>
-            <a:off x="251945" y="4271264"/>
-            <a:ext cx="2671372" cy="1497656"/>
+            <a:off x="9299037" y="4759751"/>
+            <a:ext cx="2641018" cy="1498802"/>
           </a:xfrm>
           <a:prstGeom prst="rect">
             <a:avLst/>
@@ -3587,14 +4156,14 @@
       </p:pic>
       <p:pic>
         <p:nvPicPr>
-          <p:cNvPr id="13" name="그림 12"/>
+          <p:cNvPr id="10" name="그림 9"/>
           <p:cNvPicPr>
             <a:picLocks noChangeAspect="1"/>
           </p:cNvPicPr>
           <p:nvPr/>
         </p:nvPicPr>
         <p:blipFill>
-          <a:blip r:embed="rId6">
+          <a:blip r:embed="rId6" cstate="print">
             <a:extLst>
               <a:ext uri="{28A0092B-C50C-407E-A947-70E740481C1C}">
                 <a14:useLocalDpi xmlns:a14="http://schemas.microsoft.com/office/drawing/2010/main" val="0"/>
@@ -3607,255 +4176,19 @@
         </p:blipFill>
         <p:spPr>
           <a:xfrm>
-            <a:off x="2199701" y="2254603"/>
-            <a:ext cx="1355704" cy="482615"/>
+            <a:off x="251945" y="4760791"/>
+            <a:ext cx="2671372" cy="1497656"/>
           </a:xfrm>
           <a:prstGeom prst="rect">
             <a:avLst/>
           </a:prstGeom>
+          <a:ln>
+            <a:solidFill>
+              <a:schemeClr val="tx1"/>
+            </a:solidFill>
+          </a:ln>
         </p:spPr>
       </p:pic>
-      <p:sp>
-        <p:nvSpPr>
-          <p:cNvPr id="14" name="TextBox 13"/>
-          <p:cNvSpPr txBox="1"/>
-          <p:nvPr/>
-        </p:nvSpPr>
-        <p:spPr>
-          <a:xfrm>
-            <a:off x="2104239" y="2737218"/>
-            <a:ext cx="1546628" cy="369332"/>
-          </a:xfrm>
-          <a:prstGeom prst="rect">
-            <a:avLst/>
-          </a:prstGeom>
-          <a:noFill/>
-        </p:spPr>
-        <p:txBody>
-          <a:bodyPr wrap="square" rtlCol="0">
-            <a:spAutoFit/>
-          </a:bodyPr>
-          <a:lstStyle/>
-          <a:p>
-            <a:r>
-              <a:rPr lang="en-US" altLang="ko-KR" dirty="0"/>
-              <a:t>UI </a:t>
-            </a:r>
-            <a:r>
-              <a:rPr lang="ko-KR" altLang="en-US" dirty="0"/>
-              <a:t>화면 구상</a:t>
-            </a:r>
-          </a:p>
-        </p:txBody>
-      </p:sp>
-      <p:pic>
-        <p:nvPicPr>
-          <p:cNvPr id="16" name="그림 15"/>
-          <p:cNvPicPr>
-            <a:picLocks noChangeAspect="1"/>
-          </p:cNvPicPr>
-          <p:nvPr/>
-        </p:nvPicPr>
-        <p:blipFill>
-          <a:blip r:embed="rId7" cstate="print">
-            <a:extLst>
-              <a:ext uri="{28A0092B-C50C-407E-A947-70E740481C1C}">
-                <a14:useLocalDpi xmlns:a14="http://schemas.microsoft.com/office/drawing/2010/main" val="0"/>
-              </a:ext>
-            </a:extLst>
-          </a:blip>
-          <a:stretch>
-            <a:fillRect/>
-          </a:stretch>
-        </p:blipFill>
-        <p:spPr>
-          <a:xfrm>
-            <a:off x="5531647" y="2015599"/>
-            <a:ext cx="686605" cy="686605"/>
-          </a:xfrm>
-          <a:prstGeom prst="rect">
-            <a:avLst/>
-          </a:prstGeom>
-        </p:spPr>
-      </p:pic>
-      <p:sp>
-        <p:nvSpPr>
-          <p:cNvPr id="17" name="TextBox 16"/>
-          <p:cNvSpPr txBox="1"/>
-          <p:nvPr/>
-        </p:nvSpPr>
-        <p:spPr>
-          <a:xfrm>
-            <a:off x="4976446" y="2737273"/>
-            <a:ext cx="1960684" cy="646331"/>
-          </a:xfrm>
-          <a:prstGeom prst="rect">
-            <a:avLst/>
-          </a:prstGeom>
-          <a:noFill/>
-        </p:spPr>
-        <p:txBody>
-          <a:bodyPr wrap="square" rtlCol="0">
-            <a:spAutoFit/>
-          </a:bodyPr>
-          <a:lstStyle/>
-          <a:p>
-            <a:r>
-              <a:rPr lang="en-US" altLang="ko-KR" dirty="0"/>
-              <a:t>DB for SQLITE</a:t>
-            </a:r>
-            <a:r>
-              <a:rPr lang="ko-KR" altLang="en-US" dirty="0"/>
-              <a:t>를 통한 </a:t>
-            </a:r>
-            <a:r>
-              <a:rPr lang="en-US" altLang="ko-KR" dirty="0"/>
-              <a:t>Data</a:t>
-            </a:r>
-            <a:r>
-              <a:rPr lang="ko-KR" altLang="en-US" dirty="0"/>
-              <a:t> 생성</a:t>
-            </a:r>
-          </a:p>
-        </p:txBody>
-      </p:sp>
-      <p:pic>
-        <p:nvPicPr>
-          <p:cNvPr id="18" name="그림 17"/>
-          <p:cNvPicPr>
-            <a:picLocks noChangeAspect="1"/>
-          </p:cNvPicPr>
-          <p:nvPr/>
-        </p:nvPicPr>
-        <p:blipFill>
-          <a:blip r:embed="rId6">
-            <a:extLst>
-              <a:ext uri="{28A0092B-C50C-407E-A947-70E740481C1C}">
-                <a14:useLocalDpi xmlns:a14="http://schemas.microsoft.com/office/drawing/2010/main" val="0"/>
-              </a:ext>
-            </a:extLst>
-          </a:blip>
-          <a:stretch>
-            <a:fillRect/>
-          </a:stretch>
-        </p:blipFill>
-        <p:spPr>
-          <a:xfrm>
-            <a:off x="8465163" y="2219589"/>
-            <a:ext cx="1355704" cy="482615"/>
-          </a:xfrm>
-          <a:prstGeom prst="rect">
-            <a:avLst/>
-          </a:prstGeom>
-        </p:spPr>
-      </p:pic>
-      <p:sp>
-        <p:nvSpPr>
-          <p:cNvPr id="19" name="TextBox 18"/>
-          <p:cNvSpPr txBox="1"/>
-          <p:nvPr/>
-        </p:nvSpPr>
-        <p:spPr>
-          <a:xfrm>
-            <a:off x="8370406" y="2737273"/>
-            <a:ext cx="1934178" cy="646331"/>
-          </a:xfrm>
-          <a:prstGeom prst="rect">
-            <a:avLst/>
-          </a:prstGeom>
-          <a:noFill/>
-        </p:spPr>
-        <p:txBody>
-          <a:bodyPr wrap="square" rtlCol="0">
-            <a:spAutoFit/>
-          </a:bodyPr>
-          <a:lstStyle/>
-          <a:p>
-            <a:r>
-              <a:rPr lang="en-US" altLang="ko-KR" dirty="0"/>
-              <a:t>Data</a:t>
-            </a:r>
-            <a:r>
-              <a:rPr lang="ko-KR" altLang="en-US" dirty="0"/>
-              <a:t>를 </a:t>
-            </a:r>
-            <a:r>
-              <a:rPr lang="en-US" altLang="ko-KR" dirty="0"/>
-              <a:t>UI </a:t>
-            </a:r>
-            <a:r>
-              <a:rPr lang="ko-KR" altLang="en-US" dirty="0"/>
-              <a:t>화면을 통해 출력</a:t>
-            </a:r>
-          </a:p>
-        </p:txBody>
-      </p:sp>
-      <p:cxnSp>
-        <p:nvCxnSpPr>
-          <p:cNvPr id="21" name="직선 화살표 연결선 20"/>
-          <p:cNvCxnSpPr/>
-          <p:nvPr/>
-        </p:nvCxnSpPr>
-        <p:spPr>
-          <a:xfrm flipV="1">
-            <a:off x="4037281" y="2495910"/>
-            <a:ext cx="845810" cy="1164"/>
-          </a:xfrm>
-          <a:prstGeom prst="straightConnector1">
-            <a:avLst/>
-          </a:prstGeom>
-          <a:ln w="28575">
-            <a:tailEnd type="triangle"/>
-          </a:ln>
-        </p:spPr>
-        <p:style>
-          <a:lnRef idx="1">
-            <a:schemeClr val="dk1"/>
-          </a:lnRef>
-          <a:fillRef idx="0">
-            <a:schemeClr val="dk1"/>
-          </a:fillRef>
-          <a:effectRef idx="0">
-            <a:schemeClr val="dk1"/>
-          </a:effectRef>
-          <a:fontRef idx="minor">
-            <a:schemeClr val="tx1"/>
-          </a:fontRef>
-        </p:style>
-      </p:cxnSp>
-      <p:cxnSp>
-        <p:nvCxnSpPr>
-          <p:cNvPr id="23" name="직선 화살표 연결선 22"/>
-          <p:cNvCxnSpPr/>
-          <p:nvPr/>
-        </p:nvCxnSpPr>
-        <p:spPr>
-          <a:xfrm flipV="1">
-            <a:off x="6998473" y="2493641"/>
-            <a:ext cx="845810" cy="1164"/>
-          </a:xfrm>
-          <a:prstGeom prst="straightConnector1">
-            <a:avLst/>
-          </a:prstGeom>
-          <a:ln w="28575">
-            <a:tailEnd type="triangle"/>
-          </a:ln>
-        </p:spPr>
-        <p:style>
-          <a:lnRef idx="1">
-            <a:schemeClr val="dk1"/>
-          </a:lnRef>
-          <a:fillRef idx="0">
-            <a:schemeClr val="dk1"/>
-          </a:fillRef>
-          <a:effectRef idx="0">
-            <a:schemeClr val="dk1"/>
-          </a:effectRef>
-          <a:fontRef idx="minor">
-            <a:schemeClr val="tx1"/>
-          </a:fontRef>
-        </p:style>
-      </p:cxnSp>
       <p:sp>
         <p:nvSpPr>
           <p:cNvPr id="20" name="TextBox 19">
@@ -3870,7 +4203,7 @@
         </p:nvSpPr>
         <p:spPr>
           <a:xfrm>
-            <a:off x="508602" y="3763558"/>
+            <a:off x="508602" y="4253085"/>
             <a:ext cx="3807070" cy="307777"/>
           </a:xfrm>
           <a:prstGeom prst="rect">
@@ -3902,7 +4235,7 @@
                   </a:solidFill>
                 </a:ln>
               </a:rPr>
-              <a:t> 화면 예시 </a:t>
+              <a:t> 기존 화면 예시 </a:t>
             </a:r>
             <a:r>
               <a:rPr lang="en-US" altLang="ko-KR" sz="1400" dirty="0">
@@ -3938,7 +4271,7 @@
         </p:nvSpPr>
         <p:spPr>
           <a:xfrm>
-            <a:off x="-1" y="3620375"/>
+            <a:off x="-1" y="4109902"/>
             <a:ext cx="12192001" cy="2503333"/>
           </a:xfrm>
           <a:prstGeom prst="rect">
@@ -3992,7 +4325,7 @@
         </p:nvSpPr>
         <p:spPr>
           <a:xfrm>
-            <a:off x="1233514" y="5760474"/>
+            <a:off x="1233514" y="6250001"/>
             <a:ext cx="708234" cy="253916"/>
           </a:xfrm>
           <a:prstGeom prst="rect">
@@ -4036,7 +4369,7 @@
         </p:nvSpPr>
         <p:spPr>
           <a:xfrm>
-            <a:off x="4254270" y="5760474"/>
+            <a:off x="4254270" y="6250001"/>
             <a:ext cx="708234" cy="253916"/>
           </a:xfrm>
           <a:prstGeom prst="rect">
@@ -4080,7 +4413,7 @@
         </p:nvSpPr>
         <p:spPr>
           <a:xfrm>
-            <a:off x="7259849" y="5760474"/>
+            <a:off x="7259849" y="6250001"/>
             <a:ext cx="708234" cy="253916"/>
           </a:xfrm>
           <a:prstGeom prst="rect">
@@ -4124,7 +4457,7 @@
         </p:nvSpPr>
         <p:spPr>
           <a:xfrm>
-            <a:off x="10265429" y="5760474"/>
+            <a:off x="10265429" y="6250001"/>
             <a:ext cx="708234" cy="253916"/>
           </a:xfrm>
           <a:prstGeom prst="rect">
@@ -4151,6 +4484,454 @@
               <a:t>4]</a:t>
             </a:r>
             <a:endParaRPr lang="ko-KR" altLang="en-US" sz="1050" dirty="0"/>
+          </a:p>
+        </p:txBody>
+      </p:sp>
+      <p:grpSp>
+        <p:nvGrpSpPr>
+          <p:cNvPr id="15" name="그룹 14">
+            <a:extLst>
+              <a:ext uri="{FF2B5EF4-FFF2-40B4-BE49-F238E27FC236}">
+                <a16:creationId xmlns:a16="http://schemas.microsoft.com/office/drawing/2014/main" id="{C28F8B8E-0B87-4D0D-BA62-F76BFA0FDF45}"/>
+              </a:ext>
+            </a:extLst>
+          </p:cNvPr>
+          <p:cNvGrpSpPr/>
+          <p:nvPr/>
+        </p:nvGrpSpPr>
+        <p:grpSpPr>
+          <a:xfrm>
+            <a:off x="1866556" y="2040258"/>
+            <a:ext cx="8458888" cy="1368005"/>
+            <a:chOff x="1759823" y="2221287"/>
+            <a:chExt cx="8458888" cy="1368005"/>
+          </a:xfrm>
+        </p:grpSpPr>
+        <p:grpSp>
+          <p:nvGrpSpPr>
+            <p:cNvPr id="11" name="그룹 10">
+              <a:extLst>
+                <a:ext uri="{FF2B5EF4-FFF2-40B4-BE49-F238E27FC236}">
+                  <a16:creationId xmlns:a16="http://schemas.microsoft.com/office/drawing/2014/main" id="{F86D8755-BE17-4035-9A23-326F687AEDA0}"/>
+                </a:ext>
+              </a:extLst>
+            </p:cNvPr>
+            <p:cNvGrpSpPr/>
+            <p:nvPr/>
+          </p:nvGrpSpPr>
+          <p:grpSpPr>
+            <a:xfrm>
+              <a:off x="8258027" y="2221287"/>
+              <a:ext cx="1960684" cy="1368005"/>
+              <a:chOff x="8433513" y="1761041"/>
+              <a:chExt cx="1960684" cy="1368005"/>
+            </a:xfrm>
+          </p:grpSpPr>
+          <p:pic>
+            <p:nvPicPr>
+              <p:cNvPr id="16" name="그림 15"/>
+              <p:cNvPicPr>
+                <a:picLocks noChangeAspect="1"/>
+              </p:cNvPicPr>
+              <p:nvPr/>
+            </p:nvPicPr>
+            <p:blipFill>
+              <a:blip r:embed="rId7" cstate="print">
+                <a:extLst>
+                  <a:ext uri="{28A0092B-C50C-407E-A947-70E740481C1C}">
+                    <a14:useLocalDpi xmlns:a14="http://schemas.microsoft.com/office/drawing/2010/main" val="0"/>
+                  </a:ext>
+                </a:extLst>
+              </a:blip>
+              <a:stretch>
+                <a:fillRect/>
+              </a:stretch>
+            </p:blipFill>
+            <p:spPr>
+              <a:xfrm>
+                <a:off x="9070553" y="1761041"/>
+                <a:ext cx="686605" cy="686605"/>
+              </a:xfrm>
+              <a:prstGeom prst="rect">
+                <a:avLst/>
+              </a:prstGeom>
+            </p:spPr>
+          </p:pic>
+          <p:sp>
+            <p:nvSpPr>
+              <p:cNvPr id="17" name="TextBox 16"/>
+              <p:cNvSpPr txBox="1"/>
+              <p:nvPr/>
+            </p:nvSpPr>
+            <p:spPr>
+              <a:xfrm>
+                <a:off x="8433513" y="2482715"/>
+                <a:ext cx="1960684" cy="646331"/>
+              </a:xfrm>
+              <a:prstGeom prst="rect">
+                <a:avLst/>
+              </a:prstGeom>
+              <a:noFill/>
+            </p:spPr>
+            <p:txBody>
+              <a:bodyPr wrap="square" rtlCol="0">
+                <a:spAutoFit/>
+              </a:bodyPr>
+              <a:lstStyle/>
+              <a:p>
+                <a:pPr algn="ctr"/>
+                <a:r>
+                  <a:rPr lang="en-US" altLang="ko-KR" dirty="0"/>
+                  <a:t>DB for SQLITE</a:t>
+                </a:r>
+                <a:r>
+                  <a:rPr lang="ko-KR" altLang="en-US" dirty="0"/>
+                  <a:t>를 통한 </a:t>
+                </a:r>
+                <a:r>
+                  <a:rPr lang="en-US" altLang="ko-KR" dirty="0"/>
+                  <a:t>Data</a:t>
+                </a:r>
+                <a:r>
+                  <a:rPr lang="ko-KR" altLang="en-US" dirty="0"/>
+                  <a:t> 생성</a:t>
+                </a:r>
+              </a:p>
+            </p:txBody>
+          </p:sp>
+        </p:grpSp>
+        <p:grpSp>
+          <p:nvGrpSpPr>
+            <p:cNvPr id="6" name="그룹 5">
+              <a:extLst>
+                <a:ext uri="{FF2B5EF4-FFF2-40B4-BE49-F238E27FC236}">
+                  <a16:creationId xmlns:a16="http://schemas.microsoft.com/office/drawing/2014/main" id="{DD538569-1A4C-4BF7-BDA7-6A34DC6C9CA0}"/>
+                </a:ext>
+              </a:extLst>
+            </p:cNvPr>
+            <p:cNvGrpSpPr/>
+            <p:nvPr/>
+          </p:nvGrpSpPr>
+          <p:grpSpPr>
+            <a:xfrm>
+              <a:off x="5030037" y="2425277"/>
+              <a:ext cx="2428211" cy="1164015"/>
+              <a:chOff x="5105219" y="1865638"/>
+              <a:chExt cx="2428211" cy="1164015"/>
+            </a:xfrm>
+          </p:grpSpPr>
+          <p:pic>
+            <p:nvPicPr>
+              <p:cNvPr id="18" name="그림 17"/>
+              <p:cNvPicPr>
+                <a:picLocks noChangeAspect="1"/>
+              </p:cNvPicPr>
+              <p:nvPr/>
+            </p:nvPicPr>
+            <p:blipFill>
+              <a:blip r:embed="rId8">
+                <a:extLst>
+                  <a:ext uri="{28A0092B-C50C-407E-A947-70E740481C1C}">
+                    <a14:useLocalDpi xmlns:a14="http://schemas.microsoft.com/office/drawing/2010/main" val="0"/>
+                  </a:ext>
+                </a:extLst>
+              </a:blip>
+              <a:stretch>
+                <a:fillRect/>
+              </a:stretch>
+            </p:blipFill>
+            <p:spPr>
+              <a:xfrm>
+                <a:off x="5641472" y="1865638"/>
+                <a:ext cx="1355704" cy="482615"/>
+              </a:xfrm>
+              <a:prstGeom prst="rect">
+                <a:avLst/>
+              </a:prstGeom>
+            </p:spPr>
+          </p:pic>
+          <p:sp>
+            <p:nvSpPr>
+              <p:cNvPr id="19" name="TextBox 18"/>
+              <p:cNvSpPr txBox="1"/>
+              <p:nvPr/>
+            </p:nvSpPr>
+            <p:spPr>
+              <a:xfrm>
+                <a:off x="5105219" y="2383322"/>
+                <a:ext cx="2428211" cy="646331"/>
+              </a:xfrm>
+              <a:prstGeom prst="rect">
+                <a:avLst/>
+              </a:prstGeom>
+              <a:noFill/>
+            </p:spPr>
+            <p:txBody>
+              <a:bodyPr wrap="square" rtlCol="0">
+                <a:spAutoFit/>
+              </a:bodyPr>
+              <a:lstStyle/>
+              <a:p>
+                <a:pPr algn="ctr"/>
+                <a:r>
+                  <a:rPr lang="ko-KR" altLang="en-US" dirty="0"/>
+                  <a:t>동적인 </a:t>
+                </a:r>
+                <a:r>
+                  <a:rPr lang="en-US" altLang="ko-KR" dirty="0"/>
+                  <a:t>UI</a:t>
+                </a:r>
+                <a:r>
+                  <a:rPr lang="ko-KR" altLang="en-US" dirty="0"/>
+                  <a:t> 화면 구상</a:t>
+                </a:r>
+                <a:endParaRPr lang="en-US" altLang="ko-KR" dirty="0"/>
+              </a:p>
+              <a:p>
+                <a:pPr algn="ctr"/>
+                <a:r>
+                  <a:rPr lang="en-US" altLang="ko-KR" dirty="0"/>
+                  <a:t>&amp; Data </a:t>
+                </a:r>
+                <a:r>
+                  <a:rPr lang="ko-KR" altLang="en-US" dirty="0"/>
+                  <a:t>출력</a:t>
+                </a:r>
+              </a:p>
+            </p:txBody>
+          </p:sp>
+        </p:grpSp>
+        <p:cxnSp>
+          <p:nvCxnSpPr>
+            <p:cNvPr id="21" name="직선 화살표 연결선 20"/>
+            <p:cNvCxnSpPr>
+              <a:cxnSpLocks/>
+            </p:cNvCxnSpPr>
+            <p:nvPr/>
+          </p:nvCxnSpPr>
+          <p:spPr>
+            <a:xfrm flipV="1">
+              <a:off x="4207243" y="2818046"/>
+              <a:ext cx="845810" cy="1164"/>
+            </a:xfrm>
+            <a:prstGeom prst="straightConnector1">
+              <a:avLst/>
+            </a:prstGeom>
+            <a:ln w="28575">
+              <a:tailEnd type="triangle"/>
+            </a:ln>
+          </p:spPr>
+          <p:style>
+            <a:lnRef idx="1">
+              <a:schemeClr val="dk1"/>
+            </a:lnRef>
+            <a:fillRef idx="0">
+              <a:schemeClr val="dk1"/>
+            </a:fillRef>
+            <a:effectRef idx="0">
+              <a:schemeClr val="dk1"/>
+            </a:effectRef>
+            <a:fontRef idx="minor">
+              <a:schemeClr val="tx1"/>
+            </a:fontRef>
+          </p:style>
+        </p:cxnSp>
+        <p:cxnSp>
+          <p:nvCxnSpPr>
+            <p:cNvPr id="23" name="직선 화살표 연결선 22"/>
+            <p:cNvCxnSpPr>
+              <a:cxnSpLocks/>
+            </p:cNvCxnSpPr>
+            <p:nvPr/>
+          </p:nvCxnSpPr>
+          <p:spPr>
+            <a:xfrm flipH="1" flipV="1">
+              <a:off x="7435232" y="2818046"/>
+              <a:ext cx="845810" cy="1164"/>
+            </a:xfrm>
+            <a:prstGeom prst="straightConnector1">
+              <a:avLst/>
+            </a:prstGeom>
+            <a:ln w="28575">
+              <a:tailEnd type="triangle"/>
+            </a:ln>
+          </p:spPr>
+          <p:style>
+            <a:lnRef idx="1">
+              <a:schemeClr val="dk1"/>
+            </a:lnRef>
+            <a:fillRef idx="0">
+              <a:schemeClr val="dk1"/>
+            </a:fillRef>
+            <a:effectRef idx="0">
+              <a:schemeClr val="dk1"/>
+            </a:effectRef>
+            <a:fontRef idx="minor">
+              <a:schemeClr val="tx1"/>
+            </a:fontRef>
+          </p:style>
+        </p:cxnSp>
+        <p:grpSp>
+          <p:nvGrpSpPr>
+            <p:cNvPr id="12" name="그룹 11">
+              <a:extLst>
+                <a:ext uri="{FF2B5EF4-FFF2-40B4-BE49-F238E27FC236}">
+                  <a16:creationId xmlns:a16="http://schemas.microsoft.com/office/drawing/2014/main" id="{78A9BC7F-9EA7-4077-B62D-56CC2E04EA60}"/>
+                </a:ext>
+              </a:extLst>
+            </p:cNvPr>
+            <p:cNvGrpSpPr/>
+            <p:nvPr/>
+          </p:nvGrpSpPr>
+          <p:grpSpPr>
+            <a:xfrm>
+              <a:off x="1759823" y="2276172"/>
+              <a:ext cx="2645922" cy="1313120"/>
+              <a:chOff x="1759823" y="1791400"/>
+              <a:chExt cx="2645922" cy="1313120"/>
+            </a:xfrm>
+          </p:grpSpPr>
+          <p:sp>
+            <p:nvSpPr>
+              <p:cNvPr id="14" name="TextBox 13"/>
+              <p:cNvSpPr txBox="1"/>
+              <p:nvPr/>
+            </p:nvSpPr>
+            <p:spPr>
+              <a:xfrm>
+                <a:off x="1759823" y="2735188"/>
+                <a:ext cx="2645922" cy="369332"/>
+              </a:xfrm>
+              <a:prstGeom prst="rect">
+                <a:avLst/>
+              </a:prstGeom>
+              <a:noFill/>
+            </p:spPr>
+            <p:txBody>
+              <a:bodyPr wrap="square" rtlCol="0">
+                <a:spAutoFit/>
+              </a:bodyPr>
+              <a:lstStyle/>
+              <a:p>
+                <a:r>
+                  <a:rPr lang="ko-KR" altLang="en-US" dirty="0"/>
+                  <a:t>기존 화면</a:t>
+                </a:r>
+                <a:r>
+                  <a:rPr lang="en-US" altLang="ko-KR" dirty="0"/>
+                  <a:t>(Tool </a:t>
+                </a:r>
+                <a:r>
+                  <a:rPr lang="en-US" altLang="ko-KR" dirty="0" err="1"/>
+                  <a:t>tkinter</a:t>
+                </a:r>
+                <a:r>
+                  <a:rPr lang="en-US" altLang="ko-KR" dirty="0"/>
+                  <a:t>)</a:t>
+                </a:r>
+              </a:p>
+            </p:txBody>
+          </p:sp>
+          <p:pic>
+            <p:nvPicPr>
+              <p:cNvPr id="1026" name="Picture 2" descr="Python Tutorial">
+                <a:extLst>
+                  <a:ext uri="{FF2B5EF4-FFF2-40B4-BE49-F238E27FC236}">
+                    <a16:creationId xmlns:a16="http://schemas.microsoft.com/office/drawing/2014/main" id="{30BC4539-5937-4882-9B07-2FADC960C892}"/>
+                  </a:ext>
+                </a:extLst>
+              </p:cNvPr>
+              <p:cNvPicPr>
+                <a:picLocks noChangeAspect="1" noChangeArrowheads="1"/>
+              </p:cNvPicPr>
+              <p:nvPr/>
+            </p:nvPicPr>
+            <p:blipFill>
+              <a:blip r:embed="rId9">
+                <a:extLst>
+                  <a:ext uri="{28A0092B-C50C-407E-A947-70E740481C1C}">
+                    <a14:useLocalDpi xmlns:a14="http://schemas.microsoft.com/office/drawing/2010/main" val="0"/>
+                  </a:ext>
+                </a:extLst>
+              </a:blip>
+              <a:srcRect/>
+              <a:stretch>
+                <a:fillRect/>
+              </a:stretch>
+            </p:blipFill>
+            <p:spPr bwMode="auto">
+              <a:xfrm>
+                <a:off x="2499316" y="1791400"/>
+                <a:ext cx="1166936" cy="887787"/>
+              </a:xfrm>
+              <a:prstGeom prst="rect">
+                <a:avLst/>
+              </a:prstGeom>
+              <a:noFill/>
+              <a:extLst>
+                <a:ext uri="{909E8E84-426E-40DD-AFC4-6F175D3DCCD1}">
+                  <a14:hiddenFill xmlns:a14="http://schemas.microsoft.com/office/drawing/2010/main">
+                    <a:solidFill>
+                      <a:srgbClr val="FFFFFF"/>
+                    </a:solidFill>
+                  </a14:hiddenFill>
+                </a:ext>
+              </a:extLst>
+            </p:spPr>
+          </p:pic>
+        </p:grpSp>
+      </p:grpSp>
+      <p:sp>
+        <p:nvSpPr>
+          <p:cNvPr id="33" name="직사각형 32">
+            <a:extLst>
+              <a:ext uri="{FF2B5EF4-FFF2-40B4-BE49-F238E27FC236}">
+                <a16:creationId xmlns:a16="http://schemas.microsoft.com/office/drawing/2014/main" id="{5778BD25-A8FB-4A3D-90F8-FE6811A10DF5}"/>
+              </a:ext>
+            </a:extLst>
+          </p:cNvPr>
+          <p:cNvSpPr/>
+          <p:nvPr/>
+        </p:nvSpPr>
+        <p:spPr>
+          <a:xfrm>
+            <a:off x="696000" y="978877"/>
+            <a:ext cx="10800000" cy="36000"/>
+          </a:xfrm>
+          <a:prstGeom prst="rect">
+            <a:avLst/>
+          </a:prstGeom>
+          <a:solidFill>
+            <a:schemeClr val="bg1">
+              <a:lumMod val="65000"/>
+            </a:schemeClr>
+          </a:solidFill>
+          <a:ln>
+            <a:noFill/>
+          </a:ln>
+        </p:spPr>
+        <p:style>
+          <a:lnRef idx="2">
+            <a:schemeClr val="accent1">
+              <a:shade val="50000"/>
+            </a:schemeClr>
+          </a:lnRef>
+          <a:fillRef idx="1">
+            <a:schemeClr val="accent1"/>
+          </a:fillRef>
+          <a:effectRef idx="0">
+            <a:schemeClr val="accent1"/>
+          </a:effectRef>
+          <a:fontRef idx="minor">
+            <a:schemeClr val="lt1"/>
+          </a:fontRef>
+        </p:style>
+        <p:txBody>
+          <a:bodyPr rtlCol="0" anchor="ctr"/>
+          <a:lstStyle/>
+          <a:p>
+            <a:pPr algn="ctr"/>
+            <a:endParaRPr lang="ko-KR" altLang="en-US"/>
           </a:p>
         </p:txBody>
       </p:sp>
@@ -4184,9 +4965,155 @@
           <a:chExt cx="0" cy="0"/>
         </a:xfrm>
       </p:grpSpPr>
-      <p:sp>
-        <p:nvSpPr>
-          <p:cNvPr id="9" name="TextBox 8"/>
+      <p:pic>
+        <p:nvPicPr>
+          <p:cNvPr id="5" name="그림 4">
+            <a:extLst>
+              <a:ext uri="{FF2B5EF4-FFF2-40B4-BE49-F238E27FC236}">
+                <a16:creationId xmlns:a16="http://schemas.microsoft.com/office/drawing/2014/main" id="{C632A831-F26D-4E77-8AFB-A805BE8EB194}"/>
+              </a:ext>
+            </a:extLst>
+          </p:cNvPr>
+          <p:cNvPicPr preferRelativeResize="0">
+            <a:picLocks/>
+          </p:cNvPicPr>
+          <p:nvPr/>
+        </p:nvPicPr>
+        <p:blipFill>
+          <a:blip r:embed="rId3"/>
+          <a:stretch>
+            <a:fillRect/>
+          </a:stretch>
+        </p:blipFill>
+        <p:spPr>
+          <a:xfrm>
+            <a:off x="578800" y="1007084"/>
+            <a:ext cx="5040000" cy="2520000"/>
+          </a:xfrm>
+          <a:prstGeom prst="rect">
+            <a:avLst/>
+          </a:prstGeom>
+          <a:ln>
+            <a:solidFill>
+              <a:schemeClr val="tx1"/>
+            </a:solidFill>
+          </a:ln>
+        </p:spPr>
+      </p:pic>
+      <p:pic>
+        <p:nvPicPr>
+          <p:cNvPr id="4" name="그림 3">
+            <a:extLst>
+              <a:ext uri="{FF2B5EF4-FFF2-40B4-BE49-F238E27FC236}">
+                <a16:creationId xmlns:a16="http://schemas.microsoft.com/office/drawing/2014/main" id="{0AD5FD03-4554-4960-91B3-07060F5483F7}"/>
+              </a:ext>
+            </a:extLst>
+          </p:cNvPr>
+          <p:cNvPicPr preferRelativeResize="0">
+            <a:picLocks/>
+          </p:cNvPicPr>
+          <p:nvPr/>
+        </p:nvPicPr>
+        <p:blipFill>
+          <a:blip r:embed="rId4"/>
+          <a:stretch>
+            <a:fillRect/>
+          </a:stretch>
+        </p:blipFill>
+        <p:spPr>
+          <a:xfrm>
+            <a:off x="578800" y="3911601"/>
+            <a:ext cx="5040000" cy="2520000"/>
+          </a:xfrm>
+          <a:prstGeom prst="rect">
+            <a:avLst/>
+          </a:prstGeom>
+          <a:ln>
+            <a:solidFill>
+              <a:schemeClr val="tx1"/>
+            </a:solidFill>
+          </a:ln>
+        </p:spPr>
+      </p:pic>
+      <p:pic>
+        <p:nvPicPr>
+          <p:cNvPr id="3" name="그림 2">
+            <a:extLst>
+              <a:ext uri="{FF2B5EF4-FFF2-40B4-BE49-F238E27FC236}">
+                <a16:creationId xmlns:a16="http://schemas.microsoft.com/office/drawing/2014/main" id="{95654A43-C45B-4CAE-9326-5C24A5D2ADB7}"/>
+              </a:ext>
+            </a:extLst>
+          </p:cNvPr>
+          <p:cNvPicPr preferRelativeResize="0">
+            <a:picLocks/>
+          </p:cNvPicPr>
+          <p:nvPr/>
+        </p:nvPicPr>
+        <p:blipFill>
+          <a:blip r:embed="rId5"/>
+          <a:stretch>
+            <a:fillRect/>
+          </a:stretch>
+        </p:blipFill>
+        <p:spPr>
+          <a:xfrm>
+            <a:off x="6491920" y="1007084"/>
+            <a:ext cx="5040000" cy="2520000"/>
+          </a:xfrm>
+          <a:prstGeom prst="rect">
+            <a:avLst/>
+          </a:prstGeom>
+          <a:ln>
+            <a:solidFill>
+              <a:schemeClr val="tx1"/>
+            </a:solidFill>
+          </a:ln>
+        </p:spPr>
+      </p:pic>
+      <p:pic>
+        <p:nvPicPr>
+          <p:cNvPr id="6" name="그림 5">
+            <a:extLst>
+              <a:ext uri="{FF2B5EF4-FFF2-40B4-BE49-F238E27FC236}">
+                <a16:creationId xmlns:a16="http://schemas.microsoft.com/office/drawing/2014/main" id="{78E1A085-9269-4E85-A624-D3E6B4FD2AE5}"/>
+              </a:ext>
+            </a:extLst>
+          </p:cNvPr>
+          <p:cNvPicPr preferRelativeResize="0">
+            <a:picLocks/>
+          </p:cNvPicPr>
+          <p:nvPr/>
+        </p:nvPicPr>
+        <p:blipFill>
+          <a:blip r:embed="rId6"/>
+          <a:stretch>
+            <a:fillRect/>
+          </a:stretch>
+        </p:blipFill>
+        <p:spPr>
+          <a:xfrm>
+            <a:off x="6491920" y="3911600"/>
+            <a:ext cx="5040000" cy="2520000"/>
+          </a:xfrm>
+          <a:prstGeom prst="rect">
+            <a:avLst/>
+          </a:prstGeom>
+          <a:ln>
+            <a:solidFill>
+              <a:schemeClr val="tx1"/>
+            </a:solidFill>
+          </a:ln>
+        </p:spPr>
+      </p:pic>
+      <p:sp>
+        <p:nvSpPr>
+          <p:cNvPr id="12" name="TextBox 11">
+            <a:extLst>
+              <a:ext uri="{FF2B5EF4-FFF2-40B4-BE49-F238E27FC236}">
+                <a16:creationId xmlns:a16="http://schemas.microsoft.com/office/drawing/2014/main" id="{C53CA0A6-915C-4D41-AA2D-EB308575D292}"/>
+              </a:ext>
+            </a:extLst>
+          </p:cNvPr>
           <p:cNvSpPr txBox="1"/>
           <p:nvPr/>
         </p:nvSpPr>
@@ -4212,21 +5139,24 @@
                 <a:latin typeface="+mj-lt"/>
                 <a:ea typeface="나눔스퀘어_ac ExtraBold" panose="020B0600000101010101" pitchFamily="50" charset="-127"/>
               </a:rPr>
-              <a:t> UI </a:t>
-            </a:r>
-            <a:r>
-              <a:rPr lang="ko-KR" altLang="en-US" sz="2400" b="1" dirty="0">
-                <a:latin typeface="+mj-lt"/>
-                <a:ea typeface="나눔스퀘어_ac ExtraBold" panose="020B0600000101010101" pitchFamily="50" charset="-127"/>
-              </a:rPr>
-              <a:t>화면</a:t>
-            </a:r>
-          </a:p>
-        </p:txBody>
-      </p:sp>
-      <p:sp>
-        <p:nvSpPr>
-          <p:cNvPr id="10" name="직사각형 9"/>
+              <a:t> Flows</a:t>
+            </a:r>
+            <a:endParaRPr lang="ko-KR" altLang="en-US" sz="2400" b="1" dirty="0">
+              <a:latin typeface="+mj-lt"/>
+              <a:ea typeface="나눔스퀘어_ac ExtraBold" panose="020B0600000101010101" pitchFamily="50" charset="-127"/>
+            </a:endParaRPr>
+          </a:p>
+        </p:txBody>
+      </p:sp>
+      <p:sp>
+        <p:nvSpPr>
+          <p:cNvPr id="14" name="직사각형 13">
+            <a:extLst>
+              <a:ext uri="{FF2B5EF4-FFF2-40B4-BE49-F238E27FC236}">
+                <a16:creationId xmlns:a16="http://schemas.microsoft.com/office/drawing/2014/main" id="{B5F812D0-156C-4119-87BF-ADFDD9601409}"/>
+              </a:ext>
+            </a:extLst>
+          </p:cNvPr>
           <p:cNvSpPr/>
           <p:nvPr/>
         </p:nvSpPr>
@@ -4274,188 +5204,10 @@
       </p:sp>
       <p:sp>
         <p:nvSpPr>
-          <p:cNvPr id="12" name="TextBox 11"/>
-          <p:cNvSpPr txBox="1"/>
-          <p:nvPr/>
-        </p:nvSpPr>
-        <p:spPr>
-          <a:xfrm>
-            <a:off x="547661" y="4976231"/>
-            <a:ext cx="8328484" cy="1718612"/>
-          </a:xfrm>
-          <a:prstGeom prst="rect">
-            <a:avLst/>
-          </a:prstGeom>
-          <a:noFill/>
-        </p:spPr>
-        <p:txBody>
-          <a:bodyPr wrap="square" rtlCol="0">
-            <a:spAutoFit/>
-          </a:bodyPr>
-          <a:lstStyle/>
-          <a:p>
-            <a:pPr>
-              <a:lnSpc>
-                <a:spcPct val="150000"/>
-              </a:lnSpc>
-            </a:pPr>
-            <a:r>
-              <a:rPr lang="en-US" altLang="ko-KR" sz="1200" dirty="0"/>
-              <a:t>&lt;</a:t>
-            </a:r>
-            <a:r>
-              <a:rPr lang="ko-KR" altLang="en-US" sz="1200" dirty="0"/>
-              <a:t>상세 화면</a:t>
-            </a:r>
-            <a:r>
-              <a:rPr lang="en-US" altLang="ko-KR" sz="1200" dirty="0"/>
-              <a:t>&gt;</a:t>
-            </a:r>
-          </a:p>
-          <a:p>
-            <a:pPr marL="228600" indent="-228600">
-              <a:lnSpc>
-                <a:spcPct val="150000"/>
-              </a:lnSpc>
-              <a:buFont typeface="+mj-lt"/>
-              <a:buAutoNum type="arabicParenR"/>
-            </a:pPr>
-            <a:r>
-              <a:rPr lang="ko-KR" altLang="en-US" sz="1200" dirty="0"/>
-              <a:t>상단에 </a:t>
-            </a:r>
-            <a:r>
-              <a:rPr lang="en-US" altLang="ko-KR" sz="1200" dirty="0"/>
-              <a:t>Device(</a:t>
-            </a:r>
-            <a:r>
-              <a:rPr lang="ko-KR" altLang="en-US" sz="1200" dirty="0"/>
-              <a:t>화면</a:t>
-            </a:r>
-            <a:r>
-              <a:rPr lang="en-US" altLang="ko-KR" sz="1200" dirty="0"/>
-              <a:t>)</a:t>
-            </a:r>
-            <a:r>
-              <a:rPr lang="ko-KR" altLang="en-US" sz="1200" dirty="0"/>
-              <a:t> 목록 표시</a:t>
-            </a:r>
-            <a:endParaRPr lang="en-US" altLang="ko-KR" sz="1200" dirty="0"/>
-          </a:p>
-          <a:p>
-            <a:pPr marL="228600" indent="-228600">
-              <a:lnSpc>
-                <a:spcPct val="150000"/>
-              </a:lnSpc>
-              <a:buFont typeface="+mj-lt"/>
-              <a:buAutoNum type="arabicParenR"/>
-            </a:pPr>
-            <a:r>
-              <a:rPr lang="ko-KR" altLang="en-US" sz="1200" dirty="0"/>
-              <a:t>현재 시각이 나타나도록 설정</a:t>
-            </a:r>
-            <a:endParaRPr lang="en-US" altLang="ko-KR" sz="1200" dirty="0"/>
-          </a:p>
-          <a:p>
-            <a:pPr marL="228600" indent="-228600">
-              <a:lnSpc>
-                <a:spcPct val="150000"/>
-              </a:lnSpc>
-              <a:buFont typeface="+mj-lt"/>
-              <a:buAutoNum type="arabicParenR"/>
-            </a:pPr>
-            <a:r>
-              <a:rPr lang="ko-KR" altLang="en-US" sz="1200" dirty="0" err="1"/>
-              <a:t>온습도센서</a:t>
-            </a:r>
-            <a:r>
-              <a:rPr lang="en-US" altLang="ko-KR" sz="1200" dirty="0"/>
-              <a:t>/</a:t>
-            </a:r>
-            <a:r>
-              <a:rPr lang="ko-KR" altLang="en-US" sz="1200" dirty="0"/>
-              <a:t>모터 수에 맞춰 센서</a:t>
-            </a:r>
-            <a:r>
-              <a:rPr lang="en-US" altLang="ko-KR" sz="1200" dirty="0"/>
-              <a:t>/</a:t>
-            </a:r>
-            <a:r>
-              <a:rPr lang="ko-KR" altLang="en-US" sz="1200" dirty="0"/>
-              <a:t>천창 정보가 나타나도록 구현</a:t>
-            </a:r>
-            <a:endParaRPr lang="en-US" altLang="ko-KR" sz="1200" dirty="0"/>
-          </a:p>
-          <a:p>
-            <a:pPr marL="228600" indent="-228600">
-              <a:lnSpc>
-                <a:spcPct val="150000"/>
-              </a:lnSpc>
-              <a:buFont typeface="+mj-lt"/>
-              <a:buAutoNum type="arabicParenR"/>
-            </a:pPr>
-            <a:r>
-              <a:rPr lang="ko-KR" altLang="en-US" sz="1200" dirty="0"/>
-              <a:t>천창의 설정을 열림</a:t>
-            </a:r>
-            <a:r>
-              <a:rPr lang="en-US" altLang="ko-KR" sz="1200" dirty="0"/>
-              <a:t>, </a:t>
-            </a:r>
-            <a:r>
-              <a:rPr lang="ko-KR" altLang="en-US" sz="1200" dirty="0"/>
-              <a:t>정지</a:t>
-            </a:r>
-            <a:r>
-              <a:rPr lang="en-US" altLang="ko-KR" sz="1200" dirty="0"/>
-              <a:t>, </a:t>
-            </a:r>
-            <a:r>
-              <a:rPr lang="ko-KR" altLang="en-US" sz="1200" dirty="0"/>
-              <a:t>닫힘</a:t>
-            </a:r>
-            <a:r>
-              <a:rPr lang="en-US" altLang="ko-KR" sz="1200" dirty="0"/>
-              <a:t>, </a:t>
-            </a:r>
-            <a:r>
-              <a:rPr lang="ko-KR" altLang="en-US" sz="1200" dirty="0"/>
-              <a:t>자동</a:t>
-            </a:r>
-            <a:r>
-              <a:rPr lang="en-US" altLang="ko-KR" sz="1200" dirty="0"/>
-              <a:t>, </a:t>
-            </a:r>
-            <a:r>
-              <a:rPr lang="ko-KR" altLang="en-US" sz="1200" dirty="0"/>
-              <a:t>수동으로 설정 가능하게 하고</a:t>
-            </a:r>
-            <a:r>
-              <a:rPr lang="en-US" altLang="ko-KR" sz="1200" dirty="0"/>
-              <a:t>,</a:t>
-            </a:r>
-            <a:r>
-              <a:rPr lang="ko-KR" altLang="en-US" sz="1200" dirty="0"/>
-              <a:t> 현재 설정을 상태에서 확인할 수 있도록 구현</a:t>
-            </a:r>
-            <a:endParaRPr lang="en-US" altLang="ko-KR" sz="1200" dirty="0"/>
-          </a:p>
-          <a:p>
-            <a:pPr>
-              <a:lnSpc>
-                <a:spcPct val="150000"/>
-              </a:lnSpc>
-            </a:pPr>
-            <a:endParaRPr lang="ko-KR" altLang="en-US" sz="1200" dirty="0"/>
-          </a:p>
-        </p:txBody>
-      </p:sp>
-      <p:sp>
-        <p:nvSpPr>
-          <p:cNvPr id="3" name="화살표: 오른쪽 2">
+          <p:cNvPr id="16" name="직사각형 15">
             <a:extLst>
               <a:ext uri="{FF2B5EF4-FFF2-40B4-BE49-F238E27FC236}">
-                <a16:creationId xmlns:a16="http://schemas.microsoft.com/office/drawing/2014/main" id="{ECFE3472-CF28-4387-B430-A25CE5D86E7F}"/>
+                <a16:creationId xmlns:a16="http://schemas.microsoft.com/office/drawing/2014/main" id="{7680F8D7-08A7-42B3-8B36-D795AD8B550D}"/>
               </a:ext>
             </a:extLst>
           </p:cNvPr>
@@ -4464,97 +5216,8 @@
         </p:nvSpPr>
         <p:spPr>
           <a:xfrm>
-            <a:off x="5352526" y="2347223"/>
-            <a:ext cx="805880" cy="526473"/>
-          </a:xfrm>
-          <a:prstGeom prst="rightArrow">
-            <a:avLst/>
-          </a:prstGeom>
-        </p:spPr>
-        <p:style>
-          <a:lnRef idx="0">
-            <a:schemeClr val="accent3"/>
-          </a:lnRef>
-          <a:fillRef idx="3">
-            <a:schemeClr val="accent3"/>
-          </a:fillRef>
-          <a:effectRef idx="3">
-            <a:schemeClr val="accent3"/>
-          </a:effectRef>
-          <a:fontRef idx="minor">
-            <a:schemeClr val="lt1"/>
-          </a:fontRef>
-        </p:style>
-        <p:txBody>
-          <a:bodyPr rtlCol="0" anchor="ctr"/>
-          <a:lstStyle/>
-          <a:p>
-            <a:pPr algn="ctr"/>
-            <a:endParaRPr lang="ko-KR" altLang="en-US"/>
-          </a:p>
-        </p:txBody>
-      </p:sp>
-      <p:sp>
-        <p:nvSpPr>
-          <p:cNvPr id="8" name="TextBox 7"/>
-          <p:cNvSpPr txBox="1"/>
-          <p:nvPr/>
-        </p:nvSpPr>
-        <p:spPr>
-          <a:xfrm>
-            <a:off x="547661" y="4624277"/>
-            <a:ext cx="3807070" cy="307777"/>
-          </a:xfrm>
-          <a:prstGeom prst="rect">
-            <a:avLst/>
-          </a:prstGeom>
-          <a:noFill/>
-        </p:spPr>
-        <p:txBody>
-          <a:bodyPr wrap="square" rtlCol="0">
-            <a:spAutoFit/>
-          </a:bodyPr>
-          <a:lstStyle/>
-          <a:p>
-            <a:r>
-              <a:rPr lang="ko-KR" altLang="en-US" sz="1400" dirty="0" err="1">
-                <a:ln>
-                  <a:solidFill>
-                    <a:schemeClr val="tx1"/>
-                  </a:solidFill>
-                </a:ln>
-              </a:rPr>
-              <a:t>자동개폐기</a:t>
-            </a:r>
-            <a:r>
-              <a:rPr lang="ko-KR" altLang="en-US" sz="1400" dirty="0">
-                <a:ln>
-                  <a:solidFill>
-                    <a:schemeClr val="tx1"/>
-                  </a:solidFill>
-                </a:ln>
-              </a:rPr>
-              <a:t> 클릭 시 보여주는 화면</a:t>
-            </a:r>
-          </a:p>
-        </p:txBody>
-      </p:sp>
-      <p:sp>
-        <p:nvSpPr>
-          <p:cNvPr id="11" name="직사각형 10">
-            <a:extLst>
-              <a:ext uri="{FF2B5EF4-FFF2-40B4-BE49-F238E27FC236}">
-                <a16:creationId xmlns:a16="http://schemas.microsoft.com/office/drawing/2014/main" id="{20E86E8D-ED87-4AE8-BD32-07A8AD68A174}"/>
-              </a:ext>
-            </a:extLst>
-          </p:cNvPr>
-          <p:cNvSpPr/>
-          <p:nvPr/>
-        </p:nvSpPr>
-        <p:spPr>
-          <a:xfrm>
-            <a:off x="-1" y="223494"/>
-            <a:ext cx="12192001" cy="4265379"/>
+            <a:off x="-1" y="843254"/>
+            <a:ext cx="12192001" cy="5842026"/>
           </a:xfrm>
           <a:prstGeom prst="rect">
             <a:avLst/>
@@ -4593,80 +5256,190 @@
           </a:p>
         </p:txBody>
       </p:sp>
-      <p:pic>
-        <p:nvPicPr>
-          <p:cNvPr id="4" name="그림 3"/>
-          <p:cNvPicPr>
-            <a:picLocks noChangeAspect="1"/>
-          </p:cNvPicPr>
-          <p:nvPr/>
-        </p:nvPicPr>
-        <p:blipFill>
-          <a:blip r:embed="rId2">
+      <p:sp>
+        <p:nvSpPr>
+          <p:cNvPr id="18" name="TextBox 17">
             <a:extLst>
-              <a:ext uri="{28A0092B-C50C-407E-A947-70E740481C1C}">
-                <a14:useLocalDpi xmlns:a14="http://schemas.microsoft.com/office/drawing/2010/main" val="0"/>
+              <a:ext uri="{FF2B5EF4-FFF2-40B4-BE49-F238E27FC236}">
+                <a16:creationId xmlns:a16="http://schemas.microsoft.com/office/drawing/2014/main" id="{0D956FDC-BA13-44F6-B834-1E9B3CF0B539}"/>
               </a:ext>
             </a:extLst>
-          </a:blip>
-          <a:stretch>
-            <a:fillRect/>
-          </a:stretch>
-        </p:blipFill>
-        <p:spPr>
-          <a:xfrm>
-            <a:off x="389300" y="1205564"/>
-            <a:ext cx="4718932" cy="2793600"/>
+          </p:cNvPr>
+          <p:cNvSpPr txBox="1"/>
+          <p:nvPr/>
+        </p:nvSpPr>
+        <p:spPr>
+          <a:xfrm>
+            <a:off x="2464541" y="3558550"/>
+            <a:ext cx="1268518" cy="253916"/>
           </a:xfrm>
           <a:prstGeom prst="rect">
             <a:avLst/>
           </a:prstGeom>
-          <a:ln>
-            <a:solidFill>
-              <a:schemeClr val="tx1"/>
-            </a:solidFill>
-          </a:ln>
-        </p:spPr>
-      </p:pic>
-      <p:pic>
-        <p:nvPicPr>
-          <p:cNvPr id="5" name="그림 4">
+          <a:noFill/>
+        </p:spPr>
+        <p:txBody>
+          <a:bodyPr wrap="square" rtlCol="0">
+            <a:spAutoFit/>
+          </a:bodyPr>
+          <a:lstStyle/>
+          <a:p>
+            <a:pPr algn="ctr"/>
+            <a:r>
+              <a:rPr lang="en-US" altLang="ko-KR" sz="1050" dirty="0"/>
+              <a:t>[</a:t>
+            </a:r>
+            <a:r>
+              <a:rPr lang="ko-KR" altLang="en-US" sz="1050" dirty="0"/>
+              <a:t>자동개폐기 </a:t>
+            </a:r>
+            <a:r>
+              <a:rPr lang="en-US" altLang="ko-KR" sz="1050" dirty="0"/>
+              <a:t>Flow]</a:t>
+            </a:r>
+            <a:endParaRPr lang="ko-KR" altLang="en-US" sz="1050" dirty="0"/>
+          </a:p>
+        </p:txBody>
+      </p:sp>
+      <p:sp>
+        <p:nvSpPr>
+          <p:cNvPr id="20" name="TextBox 19">
             <a:extLst>
               <a:ext uri="{FF2B5EF4-FFF2-40B4-BE49-F238E27FC236}">
-                <a16:creationId xmlns:a16="http://schemas.microsoft.com/office/drawing/2014/main" id="{6385EE19-E3DE-4AFC-90E0-B0391B0245FB}"/>
+                <a16:creationId xmlns:a16="http://schemas.microsoft.com/office/drawing/2014/main" id="{D0971F62-9A19-4CDD-8580-F1DF2D1455B9}"/>
               </a:ext>
             </a:extLst>
           </p:cNvPr>
-          <p:cNvPicPr preferRelativeResize="0">
-            <a:picLocks/>
-          </p:cNvPicPr>
+          <p:cNvSpPr txBox="1"/>
           <p:nvPr/>
-        </p:nvPicPr>
-        <p:blipFill>
-          <a:blip r:embed="rId3"/>
-          <a:stretch>
-            <a:fillRect/>
-          </a:stretch>
-        </p:blipFill>
-        <p:spPr>
-          <a:xfrm>
-            <a:off x="6404400" y="1205564"/>
-            <a:ext cx="5400000" cy="2880000"/>
+        </p:nvSpPr>
+        <p:spPr>
+          <a:xfrm>
+            <a:off x="8377661" y="3558550"/>
+            <a:ext cx="1268518" cy="253916"/>
           </a:xfrm>
           <a:prstGeom prst="rect">
             <a:avLst/>
           </a:prstGeom>
-          <a:ln>
-            <a:solidFill>
-              <a:schemeClr val="tx1"/>
-            </a:solidFill>
-          </a:ln>
-        </p:spPr>
-      </p:pic>
+          <a:noFill/>
+        </p:spPr>
+        <p:txBody>
+          <a:bodyPr wrap="square" rtlCol="0">
+            <a:spAutoFit/>
+          </a:bodyPr>
+          <a:lstStyle/>
+          <a:p>
+            <a:pPr algn="ctr"/>
+            <a:r>
+              <a:rPr lang="en-US" altLang="ko-KR" sz="1050" dirty="0"/>
+              <a:t>[</a:t>
+            </a:r>
+            <a:r>
+              <a:rPr lang="ko-KR" altLang="en-US" sz="1050" dirty="0"/>
+              <a:t>개별스위치 </a:t>
+            </a:r>
+            <a:r>
+              <a:rPr lang="en-US" altLang="ko-KR" sz="1050" dirty="0"/>
+              <a:t>Flow]</a:t>
+            </a:r>
+            <a:endParaRPr lang="ko-KR" altLang="en-US" sz="1050" dirty="0"/>
+          </a:p>
+        </p:txBody>
+      </p:sp>
+      <p:sp>
+        <p:nvSpPr>
+          <p:cNvPr id="22" name="TextBox 21">
+            <a:extLst>
+              <a:ext uri="{FF2B5EF4-FFF2-40B4-BE49-F238E27FC236}">
+                <a16:creationId xmlns:a16="http://schemas.microsoft.com/office/drawing/2014/main" id="{2ADE407B-5B1D-46FA-AD5F-86C2394FBF15}"/>
+              </a:ext>
+            </a:extLst>
+          </p:cNvPr>
+          <p:cNvSpPr txBox="1"/>
+          <p:nvPr/>
+        </p:nvSpPr>
+        <p:spPr>
+          <a:xfrm>
+            <a:off x="2664831" y="6415384"/>
+            <a:ext cx="867939" cy="253916"/>
+          </a:xfrm>
+          <a:prstGeom prst="rect">
+            <a:avLst/>
+          </a:prstGeom>
+          <a:noFill/>
+        </p:spPr>
+        <p:txBody>
+          <a:bodyPr wrap="square" rtlCol="0">
+            <a:spAutoFit/>
+          </a:bodyPr>
+          <a:lstStyle/>
+          <a:p>
+            <a:pPr algn="ctr"/>
+            <a:r>
+              <a:rPr lang="en-US" altLang="ko-KR" sz="1050" dirty="0"/>
+              <a:t>[</a:t>
+            </a:r>
+            <a:r>
+              <a:rPr lang="ko-KR" altLang="en-US" sz="1050" dirty="0"/>
+              <a:t>관수 </a:t>
+            </a:r>
+            <a:r>
+              <a:rPr lang="en-US" altLang="ko-KR" sz="1050" dirty="0"/>
+              <a:t>Flow]</a:t>
+            </a:r>
+            <a:endParaRPr lang="ko-KR" altLang="en-US" sz="1050" dirty="0"/>
+          </a:p>
+        </p:txBody>
+      </p:sp>
+      <p:sp>
+        <p:nvSpPr>
+          <p:cNvPr id="23" name="TextBox 22">
+            <a:extLst>
+              <a:ext uri="{FF2B5EF4-FFF2-40B4-BE49-F238E27FC236}">
+                <a16:creationId xmlns:a16="http://schemas.microsoft.com/office/drawing/2014/main" id="{55B42847-AD59-44AB-AF4F-786F03D03B7C}"/>
+              </a:ext>
+            </a:extLst>
+          </p:cNvPr>
+          <p:cNvSpPr txBox="1"/>
+          <p:nvPr/>
+        </p:nvSpPr>
+        <p:spPr>
+          <a:xfrm>
+            <a:off x="8377661" y="6415384"/>
+            <a:ext cx="1268518" cy="253916"/>
+          </a:xfrm>
+          <a:prstGeom prst="rect">
+            <a:avLst/>
+          </a:prstGeom>
+          <a:noFill/>
+        </p:spPr>
+        <p:txBody>
+          <a:bodyPr wrap="square" rtlCol="0">
+            <a:spAutoFit/>
+          </a:bodyPr>
+          <a:lstStyle/>
+          <a:p>
+            <a:pPr algn="ctr"/>
+            <a:r>
+              <a:rPr lang="en-US" altLang="ko-KR" sz="1050" dirty="0"/>
+              <a:t>[SETTING</a:t>
+            </a:r>
+            <a:r>
+              <a:rPr lang="ko-KR" altLang="en-US" sz="1050" dirty="0"/>
+              <a:t> </a:t>
+            </a:r>
+            <a:r>
+              <a:rPr lang="en-US" altLang="ko-KR" sz="1050" dirty="0"/>
+              <a:t>Flow]</a:t>
+            </a:r>
+            <a:endParaRPr lang="ko-KR" altLang="en-US" sz="1050" dirty="0"/>
+          </a:p>
+        </p:txBody>
+      </p:sp>
     </p:spTree>
     <p:extLst>
       <p:ext uri="{BB962C8B-B14F-4D97-AF65-F5344CB8AC3E}">
-        <p14:creationId xmlns:p14="http://schemas.microsoft.com/office/powerpoint/2010/main" val="2682112405"/>
+        <p14:creationId xmlns:p14="http://schemas.microsoft.com/office/powerpoint/2010/main" val="2883087929"/>
       </p:ext>
     </p:extLst>
   </p:cSld>
@@ -4693,12 +5466,548 @@
           <a:chExt cx="0" cy="0"/>
         </a:xfrm>
       </p:grpSpPr>
+      <p:sp>
+        <p:nvSpPr>
+          <p:cNvPr id="11" name="직사각형 10">
+            <a:extLst>
+              <a:ext uri="{FF2B5EF4-FFF2-40B4-BE49-F238E27FC236}">
+                <a16:creationId xmlns:a16="http://schemas.microsoft.com/office/drawing/2014/main" id="{20E86E8D-ED87-4AE8-BD32-07A8AD68A174}"/>
+              </a:ext>
+            </a:extLst>
+          </p:cNvPr>
+          <p:cNvSpPr/>
+          <p:nvPr/>
+        </p:nvSpPr>
+        <p:spPr>
+          <a:xfrm>
+            <a:off x="-1" y="223494"/>
+            <a:ext cx="12192001" cy="4265379"/>
+          </a:xfrm>
+          <a:prstGeom prst="rect">
+            <a:avLst/>
+          </a:prstGeom>
+          <a:noFill/>
+          <a:ln w="19050">
+            <a:solidFill>
+              <a:srgbClr val="126447"/>
+            </a:solidFill>
+          </a:ln>
+        </p:spPr>
+        <p:style>
+          <a:lnRef idx="2">
+            <a:schemeClr val="accent1">
+              <a:shade val="50000"/>
+            </a:schemeClr>
+          </a:lnRef>
+          <a:fillRef idx="1">
+            <a:schemeClr val="accent1"/>
+          </a:fillRef>
+          <a:effectRef idx="0">
+            <a:schemeClr val="accent1"/>
+          </a:effectRef>
+          <a:fontRef idx="minor">
+            <a:schemeClr val="lt1"/>
+          </a:fontRef>
+        </p:style>
+        <p:txBody>
+          <a:bodyPr rtlCol="0" anchor="ctr"/>
+          <a:lstStyle/>
+          <a:p>
+            <a:pPr algn="ctr"/>
+            <a:endParaRPr lang="ko-KR" altLang="en-US">
+              <a:latin typeface="+mj-lt"/>
+            </a:endParaRPr>
+          </a:p>
+        </p:txBody>
+      </p:sp>
+      <p:sp>
+        <p:nvSpPr>
+          <p:cNvPr id="16" name="직사각형 15">
+            <a:extLst>
+              <a:ext uri="{FF2B5EF4-FFF2-40B4-BE49-F238E27FC236}">
+                <a16:creationId xmlns:a16="http://schemas.microsoft.com/office/drawing/2014/main" id="{9B344E53-C9FA-4895-AE79-85646F52EFB6}"/>
+              </a:ext>
+            </a:extLst>
+          </p:cNvPr>
+          <p:cNvSpPr/>
+          <p:nvPr/>
+        </p:nvSpPr>
+        <p:spPr>
+          <a:xfrm>
+            <a:off x="5232401" y="4129741"/>
+            <a:ext cx="6959599" cy="1879665"/>
+          </a:xfrm>
+          <a:prstGeom prst="rect">
+            <a:avLst/>
+          </a:prstGeom>
+          <a:solidFill>
+            <a:schemeClr val="accent6">
+              <a:lumMod val="60000"/>
+              <a:lumOff val="40000"/>
+            </a:schemeClr>
+          </a:solidFill>
+          <a:ln w="19050">
+            <a:noFill/>
+          </a:ln>
+        </p:spPr>
+        <p:style>
+          <a:lnRef idx="2">
+            <a:schemeClr val="accent1">
+              <a:shade val="50000"/>
+            </a:schemeClr>
+          </a:lnRef>
+          <a:fillRef idx="1">
+            <a:schemeClr val="accent1"/>
+          </a:fillRef>
+          <a:effectRef idx="0">
+            <a:schemeClr val="accent1"/>
+          </a:effectRef>
+          <a:fontRef idx="minor">
+            <a:schemeClr val="lt1"/>
+          </a:fontRef>
+        </p:style>
+        <p:txBody>
+          <a:bodyPr rtlCol="0" anchor="ctr"/>
+          <a:lstStyle/>
+          <a:p>
+            <a:pPr algn="ctr"/>
+            <a:endParaRPr lang="ko-KR" altLang="en-US">
+              <a:latin typeface="+mj-lt"/>
+            </a:endParaRPr>
+          </a:p>
+        </p:txBody>
+      </p:sp>
+      <p:sp>
+        <p:nvSpPr>
+          <p:cNvPr id="9" name="TextBox 8"/>
+          <p:cNvSpPr txBox="1"/>
+          <p:nvPr/>
+        </p:nvSpPr>
+        <p:spPr>
+          <a:xfrm>
+            <a:off x="2346960" y="420829"/>
+            <a:ext cx="7498080" cy="461665"/>
+          </a:xfrm>
+          <a:prstGeom prst="rect">
+            <a:avLst/>
+          </a:prstGeom>
+          <a:noFill/>
+        </p:spPr>
+        <p:txBody>
+          <a:bodyPr wrap="square" rtlCol="0">
+            <a:spAutoFit/>
+          </a:bodyPr>
+          <a:lstStyle/>
+          <a:p>
+            <a:pPr algn="ctr"/>
+            <a:r>
+              <a:rPr lang="en-US" altLang="ko-KR" sz="2400" b="1" dirty="0">
+                <a:latin typeface="+mj-lt"/>
+                <a:ea typeface="나눔스퀘어_ac ExtraBold" panose="020B0600000101010101" pitchFamily="50" charset="-127"/>
+              </a:rPr>
+              <a:t> UI </a:t>
+            </a:r>
+            <a:r>
+              <a:rPr lang="ko-KR" altLang="en-US" sz="2400" b="1" dirty="0">
+                <a:latin typeface="+mj-lt"/>
+                <a:ea typeface="나눔스퀘어_ac ExtraBold" panose="020B0600000101010101" pitchFamily="50" charset="-127"/>
+              </a:rPr>
+              <a:t>화면</a:t>
+            </a:r>
+          </a:p>
+        </p:txBody>
+      </p:sp>
+      <p:sp>
+        <p:nvSpPr>
+          <p:cNvPr id="10" name="직사각형 9"/>
+          <p:cNvSpPr/>
+          <p:nvPr/>
+        </p:nvSpPr>
+        <p:spPr>
+          <a:xfrm>
+            <a:off x="5853539" y="360046"/>
+            <a:ext cx="484923" cy="56059"/>
+          </a:xfrm>
+          <a:prstGeom prst="rect">
+            <a:avLst/>
+          </a:prstGeom>
+          <a:solidFill>
+            <a:schemeClr val="bg1">
+              <a:lumMod val="65000"/>
+            </a:schemeClr>
+          </a:solidFill>
+          <a:ln>
+            <a:noFill/>
+          </a:ln>
+        </p:spPr>
+        <p:style>
+          <a:lnRef idx="2">
+            <a:schemeClr val="accent1">
+              <a:shade val="50000"/>
+            </a:schemeClr>
+          </a:lnRef>
+          <a:fillRef idx="1">
+            <a:schemeClr val="accent1"/>
+          </a:fillRef>
+          <a:effectRef idx="0">
+            <a:schemeClr val="accent1"/>
+          </a:effectRef>
+          <a:fontRef idx="minor">
+            <a:schemeClr val="lt1"/>
+          </a:fontRef>
+        </p:style>
+        <p:txBody>
+          <a:bodyPr rtlCol="0" anchor="ctr"/>
+          <a:lstStyle/>
+          <a:p>
+            <a:pPr algn="ctr"/>
+            <a:endParaRPr lang="ko-KR" altLang="en-US"/>
+          </a:p>
+        </p:txBody>
+      </p:sp>
+      <p:sp>
+        <p:nvSpPr>
+          <p:cNvPr id="12" name="TextBox 11"/>
+          <p:cNvSpPr txBox="1"/>
+          <p:nvPr/>
+        </p:nvSpPr>
+        <p:spPr>
+          <a:xfrm>
+            <a:off x="547661" y="4976231"/>
+            <a:ext cx="8328484" cy="1718612"/>
+          </a:xfrm>
+          <a:prstGeom prst="rect">
+            <a:avLst/>
+          </a:prstGeom>
+          <a:noFill/>
+        </p:spPr>
+        <p:txBody>
+          <a:bodyPr wrap="square" rtlCol="0">
+            <a:spAutoFit/>
+          </a:bodyPr>
+          <a:lstStyle/>
+          <a:p>
+            <a:pPr>
+              <a:lnSpc>
+                <a:spcPct val="150000"/>
+              </a:lnSpc>
+            </a:pPr>
+            <a:r>
+              <a:rPr lang="en-US" altLang="ko-KR" sz="1200" dirty="0"/>
+              <a:t>&lt;</a:t>
+            </a:r>
+            <a:r>
+              <a:rPr lang="ko-KR" altLang="en-US" sz="1200" dirty="0"/>
+              <a:t>상세 화면</a:t>
+            </a:r>
+            <a:r>
+              <a:rPr lang="en-US" altLang="ko-KR" sz="1200" dirty="0"/>
+              <a:t>&gt;</a:t>
+            </a:r>
+          </a:p>
+          <a:p>
+            <a:pPr marL="228600" indent="-228600">
+              <a:lnSpc>
+                <a:spcPct val="150000"/>
+              </a:lnSpc>
+              <a:buFont typeface="+mj-lt"/>
+              <a:buAutoNum type="arabicParenR"/>
+            </a:pPr>
+            <a:r>
+              <a:rPr lang="ko-KR" altLang="en-US" sz="1200" dirty="0"/>
+              <a:t>상단에 </a:t>
+            </a:r>
+            <a:r>
+              <a:rPr lang="en-US" altLang="ko-KR" sz="1200" dirty="0"/>
+              <a:t>Device(</a:t>
+            </a:r>
+            <a:r>
+              <a:rPr lang="ko-KR" altLang="en-US" sz="1200" dirty="0"/>
+              <a:t>화면</a:t>
+            </a:r>
+            <a:r>
+              <a:rPr lang="en-US" altLang="ko-KR" sz="1200" dirty="0"/>
+              <a:t>)</a:t>
+            </a:r>
+            <a:r>
+              <a:rPr lang="ko-KR" altLang="en-US" sz="1200" dirty="0"/>
+              <a:t> 목록 표시</a:t>
+            </a:r>
+            <a:endParaRPr lang="en-US" altLang="ko-KR" sz="1200" dirty="0"/>
+          </a:p>
+          <a:p>
+            <a:pPr marL="228600" indent="-228600">
+              <a:lnSpc>
+                <a:spcPct val="150000"/>
+              </a:lnSpc>
+              <a:buFont typeface="+mj-lt"/>
+              <a:buAutoNum type="arabicParenR"/>
+            </a:pPr>
+            <a:r>
+              <a:rPr lang="ko-KR" altLang="en-US" sz="1200" dirty="0"/>
+              <a:t>현재 시각이 나타나도록 설정</a:t>
+            </a:r>
+            <a:endParaRPr lang="en-US" altLang="ko-KR" sz="1200" dirty="0"/>
+          </a:p>
+          <a:p>
+            <a:pPr marL="228600" indent="-228600">
+              <a:lnSpc>
+                <a:spcPct val="150000"/>
+              </a:lnSpc>
+              <a:buFont typeface="+mj-lt"/>
+              <a:buAutoNum type="arabicParenR"/>
+            </a:pPr>
+            <a:r>
+              <a:rPr lang="ko-KR" altLang="en-US" sz="1200" dirty="0" err="1"/>
+              <a:t>온습도센서</a:t>
+            </a:r>
+            <a:r>
+              <a:rPr lang="en-US" altLang="ko-KR" sz="1200" dirty="0"/>
+              <a:t>/</a:t>
+            </a:r>
+            <a:r>
+              <a:rPr lang="ko-KR" altLang="en-US" sz="1200" dirty="0"/>
+              <a:t>모터 수에 맞춰 센서</a:t>
+            </a:r>
+            <a:r>
+              <a:rPr lang="en-US" altLang="ko-KR" sz="1200" dirty="0"/>
+              <a:t>/</a:t>
+            </a:r>
+            <a:r>
+              <a:rPr lang="ko-KR" altLang="en-US" sz="1200" dirty="0"/>
+              <a:t>천창 정보가 나타나도록 구현</a:t>
+            </a:r>
+            <a:endParaRPr lang="en-US" altLang="ko-KR" sz="1200" dirty="0"/>
+          </a:p>
+          <a:p>
+            <a:pPr marL="228600" indent="-228600">
+              <a:lnSpc>
+                <a:spcPct val="150000"/>
+              </a:lnSpc>
+              <a:buFont typeface="+mj-lt"/>
+              <a:buAutoNum type="arabicParenR"/>
+            </a:pPr>
+            <a:r>
+              <a:rPr lang="ko-KR" altLang="en-US" sz="1200" dirty="0"/>
+              <a:t>천창의 설정을 열림</a:t>
+            </a:r>
+            <a:r>
+              <a:rPr lang="en-US" altLang="ko-KR" sz="1200" dirty="0"/>
+              <a:t>, </a:t>
+            </a:r>
+            <a:r>
+              <a:rPr lang="ko-KR" altLang="en-US" sz="1200" dirty="0"/>
+              <a:t>정지</a:t>
+            </a:r>
+            <a:r>
+              <a:rPr lang="en-US" altLang="ko-KR" sz="1200" dirty="0"/>
+              <a:t>, </a:t>
+            </a:r>
+            <a:r>
+              <a:rPr lang="ko-KR" altLang="en-US" sz="1200" dirty="0"/>
+              <a:t>닫힘</a:t>
+            </a:r>
+            <a:r>
+              <a:rPr lang="en-US" altLang="ko-KR" sz="1200" dirty="0"/>
+              <a:t>, </a:t>
+            </a:r>
+            <a:r>
+              <a:rPr lang="ko-KR" altLang="en-US" sz="1200" dirty="0"/>
+              <a:t>자동</a:t>
+            </a:r>
+            <a:r>
+              <a:rPr lang="en-US" altLang="ko-KR" sz="1200" dirty="0"/>
+              <a:t>, </a:t>
+            </a:r>
+            <a:r>
+              <a:rPr lang="ko-KR" altLang="en-US" sz="1200" dirty="0"/>
+              <a:t>수동으로 설정 가능하게 하고</a:t>
+            </a:r>
+            <a:r>
+              <a:rPr lang="en-US" altLang="ko-KR" sz="1200" dirty="0"/>
+              <a:t>,</a:t>
+            </a:r>
+            <a:r>
+              <a:rPr lang="ko-KR" altLang="en-US" sz="1200" dirty="0"/>
+              <a:t> 현재 설정을 상태에서 확인할 수 있도록 구현</a:t>
+            </a:r>
+            <a:endParaRPr lang="en-US" altLang="ko-KR" sz="1200" dirty="0"/>
+          </a:p>
+          <a:p>
+            <a:pPr>
+              <a:lnSpc>
+                <a:spcPct val="150000"/>
+              </a:lnSpc>
+            </a:pPr>
+            <a:endParaRPr lang="ko-KR" altLang="en-US" sz="1200" dirty="0"/>
+          </a:p>
+        </p:txBody>
+      </p:sp>
+      <p:sp>
+        <p:nvSpPr>
+          <p:cNvPr id="3" name="화살표: 오른쪽 2">
+            <a:extLst>
+              <a:ext uri="{FF2B5EF4-FFF2-40B4-BE49-F238E27FC236}">
+                <a16:creationId xmlns:a16="http://schemas.microsoft.com/office/drawing/2014/main" id="{ECFE3472-CF28-4387-B430-A25CE5D86E7F}"/>
+              </a:ext>
+            </a:extLst>
+          </p:cNvPr>
+          <p:cNvSpPr/>
+          <p:nvPr/>
+        </p:nvSpPr>
+        <p:spPr>
+          <a:xfrm>
+            <a:off x="5352526" y="2347223"/>
+            <a:ext cx="805880" cy="526473"/>
+          </a:xfrm>
+          <a:prstGeom prst="rightArrow">
+            <a:avLst/>
+          </a:prstGeom>
+        </p:spPr>
+        <p:style>
+          <a:lnRef idx="0">
+            <a:schemeClr val="accent3"/>
+          </a:lnRef>
+          <a:fillRef idx="3">
+            <a:schemeClr val="accent3"/>
+          </a:fillRef>
+          <a:effectRef idx="3">
+            <a:schemeClr val="accent3"/>
+          </a:effectRef>
+          <a:fontRef idx="minor">
+            <a:schemeClr val="lt1"/>
+          </a:fontRef>
+        </p:style>
+        <p:txBody>
+          <a:bodyPr rtlCol="0" anchor="ctr"/>
+          <a:lstStyle/>
+          <a:p>
+            <a:pPr algn="ctr"/>
+            <a:endParaRPr lang="ko-KR" altLang="en-US"/>
+          </a:p>
+        </p:txBody>
+      </p:sp>
+      <p:sp>
+        <p:nvSpPr>
+          <p:cNvPr id="8" name="TextBox 7"/>
+          <p:cNvSpPr txBox="1"/>
+          <p:nvPr/>
+        </p:nvSpPr>
+        <p:spPr>
+          <a:xfrm>
+            <a:off x="547661" y="4624277"/>
+            <a:ext cx="3807070" cy="307777"/>
+          </a:xfrm>
+          <a:prstGeom prst="rect">
+            <a:avLst/>
+          </a:prstGeom>
+          <a:noFill/>
+        </p:spPr>
+        <p:txBody>
+          <a:bodyPr wrap="square" rtlCol="0">
+            <a:spAutoFit/>
+          </a:bodyPr>
+          <a:lstStyle/>
+          <a:p>
+            <a:r>
+              <a:rPr lang="ko-KR" altLang="en-US" sz="1400" dirty="0" err="1">
+                <a:ln>
+                  <a:solidFill>
+                    <a:schemeClr val="tx1"/>
+                  </a:solidFill>
+                </a:ln>
+              </a:rPr>
+              <a:t>자동개폐기</a:t>
+            </a:r>
+            <a:r>
+              <a:rPr lang="ko-KR" altLang="en-US" sz="1400" dirty="0">
+                <a:ln>
+                  <a:solidFill>
+                    <a:schemeClr val="tx1"/>
+                  </a:solidFill>
+                </a:ln>
+              </a:rPr>
+              <a:t> 클릭 시 보여주는 화면</a:t>
+            </a:r>
+          </a:p>
+        </p:txBody>
+      </p:sp>
+      <p:pic>
+        <p:nvPicPr>
+          <p:cNvPr id="4" name="그림 3"/>
+          <p:cNvPicPr>
+            <a:picLocks noChangeAspect="1"/>
+          </p:cNvPicPr>
+          <p:nvPr/>
+        </p:nvPicPr>
+        <p:blipFill>
+          <a:blip r:embed="rId2">
+            <a:extLst>
+              <a:ext uri="{28A0092B-C50C-407E-A947-70E740481C1C}">
+                <a14:useLocalDpi xmlns:a14="http://schemas.microsoft.com/office/drawing/2010/main" val="0"/>
+              </a:ext>
+            </a:extLst>
+          </a:blip>
+          <a:stretch>
+            <a:fillRect/>
+          </a:stretch>
+        </p:blipFill>
+        <p:spPr>
+          <a:xfrm>
+            <a:off x="389300" y="1205564"/>
+            <a:ext cx="4718932" cy="2793600"/>
+          </a:xfrm>
+          <a:prstGeom prst="rect">
+            <a:avLst/>
+          </a:prstGeom>
+          <a:ln>
+            <a:solidFill>
+              <a:schemeClr val="tx1"/>
+            </a:solidFill>
+          </a:ln>
+        </p:spPr>
+      </p:pic>
       <p:pic>
         <p:nvPicPr>
           <p:cNvPr id="5" name="그림 4">
             <a:extLst>
               <a:ext uri="{FF2B5EF4-FFF2-40B4-BE49-F238E27FC236}">
-                <a16:creationId xmlns:a16="http://schemas.microsoft.com/office/drawing/2014/main" id="{C632A831-F26D-4E77-8AFB-A805BE8EB194}"/>
+                <a16:creationId xmlns:a16="http://schemas.microsoft.com/office/drawing/2014/main" id="{6385EE19-E3DE-4AFC-90E0-B0391B0245FB}"/>
+              </a:ext>
+            </a:extLst>
+          </p:cNvPr>
+          <p:cNvPicPr preferRelativeResize="0">
+            <a:picLocks/>
+          </p:cNvPicPr>
+          <p:nvPr/>
+        </p:nvPicPr>
+        <p:blipFill>
+          <a:blip r:embed="rId3"/>
+          <a:stretch>
+            <a:fillRect/>
+          </a:stretch>
+        </p:blipFill>
+        <p:spPr>
+          <a:xfrm>
+            <a:off x="6404400" y="1205564"/>
+            <a:ext cx="5400000" cy="2880000"/>
+          </a:xfrm>
+          <a:prstGeom prst="rect">
+            <a:avLst/>
+          </a:prstGeom>
+          <a:ln>
+            <a:solidFill>
+              <a:schemeClr val="tx1"/>
+            </a:solidFill>
+          </a:ln>
+        </p:spPr>
+      </p:pic>
+      <p:pic>
+        <p:nvPicPr>
+          <p:cNvPr id="6" name="그림 5">
+            <a:extLst>
+              <a:ext uri="{FF2B5EF4-FFF2-40B4-BE49-F238E27FC236}">
+                <a16:creationId xmlns:a16="http://schemas.microsoft.com/office/drawing/2014/main" id="{73E21073-21DC-4AA7-8DE4-73F5A0E83AE0}"/>
               </a:ext>
             </a:extLst>
           </p:cNvPr>
@@ -4708,25 +6017,207 @@
           <p:nvPr/>
         </p:nvPicPr>
         <p:blipFill>
-          <a:blip r:embed="rId2"/>
+          <a:blip r:embed="rId4"/>
           <a:stretch>
             <a:fillRect/>
           </a:stretch>
         </p:blipFill>
         <p:spPr>
           <a:xfrm>
-            <a:off x="0" y="178798"/>
-            <a:ext cx="12192000" cy="6500403"/>
+            <a:off x="5352526" y="4214003"/>
+            <a:ext cx="3240573" cy="1638157"/>
           </a:xfrm>
           <a:prstGeom prst="rect">
             <a:avLst/>
           </a:prstGeom>
         </p:spPr>
       </p:pic>
+      <p:pic>
+        <p:nvPicPr>
+          <p:cNvPr id="15" name="그림 14">
+            <a:extLst>
+              <a:ext uri="{FF2B5EF4-FFF2-40B4-BE49-F238E27FC236}">
+                <a16:creationId xmlns:a16="http://schemas.microsoft.com/office/drawing/2014/main" id="{658DF5CC-DF71-47BA-BE6A-01EDC87AC3F6}"/>
+              </a:ext>
+            </a:extLst>
+          </p:cNvPr>
+          <p:cNvPicPr>
+            <a:picLocks noChangeAspect="1"/>
+          </p:cNvPicPr>
+          <p:nvPr/>
+        </p:nvPicPr>
+        <p:blipFill>
+          <a:blip r:embed="rId5"/>
+          <a:stretch>
+            <a:fillRect/>
+          </a:stretch>
+        </p:blipFill>
+        <p:spPr>
+          <a:xfrm>
+            <a:off x="8739941" y="4242243"/>
+            <a:ext cx="3305216" cy="1178698"/>
+          </a:xfrm>
+          <a:prstGeom prst="rect">
+            <a:avLst/>
+          </a:prstGeom>
+        </p:spPr>
+      </p:pic>
+      <p:sp>
+        <p:nvSpPr>
+          <p:cNvPr id="17" name="TextBox 16">
+            <a:extLst>
+              <a:ext uri="{FF2B5EF4-FFF2-40B4-BE49-F238E27FC236}">
+                <a16:creationId xmlns:a16="http://schemas.microsoft.com/office/drawing/2014/main" id="{99B34ADA-5729-4FB5-8DEC-15BB8E4A061E}"/>
+              </a:ext>
+            </a:extLst>
+          </p:cNvPr>
+          <p:cNvSpPr txBox="1"/>
+          <p:nvPr/>
+        </p:nvSpPr>
+        <p:spPr>
+          <a:xfrm>
+            <a:off x="8593098" y="5708579"/>
+            <a:ext cx="2684501" cy="253916"/>
+          </a:xfrm>
+          <a:prstGeom prst="rect">
+            <a:avLst/>
+          </a:prstGeom>
+          <a:noFill/>
+        </p:spPr>
+        <p:txBody>
+          <a:bodyPr wrap="square" rtlCol="0">
+            <a:spAutoFit/>
+          </a:bodyPr>
+          <a:lstStyle/>
+          <a:p>
+            <a:r>
+              <a:rPr lang="ko-KR" altLang="en-US" sz="1050" dirty="0"/>
+              <a:t>← </a:t>
+            </a:r>
+            <a:r>
+              <a:rPr lang="en-US" altLang="ko-KR" sz="1050" dirty="0"/>
+              <a:t>[</a:t>
+            </a:r>
+            <a:r>
+              <a:rPr lang="ko-KR" altLang="en-US" sz="1050" dirty="0" err="1"/>
+              <a:t>온습도센서</a:t>
+            </a:r>
+            <a:r>
+              <a:rPr lang="ko-KR" altLang="en-US" sz="1050" dirty="0"/>
+              <a:t> </a:t>
+            </a:r>
+            <a:r>
+              <a:rPr lang="en-US" altLang="ko-KR" sz="1050" dirty="0"/>
+              <a:t>4</a:t>
+            </a:r>
+            <a:r>
+              <a:rPr lang="ko-KR" altLang="en-US" sz="1050" dirty="0"/>
+              <a:t>개</a:t>
+            </a:r>
+            <a:r>
+              <a:rPr lang="en-US" altLang="ko-KR" sz="1050" dirty="0"/>
+              <a:t>, </a:t>
+            </a:r>
+            <a:r>
+              <a:rPr lang="ko-KR" altLang="en-US" sz="1050" dirty="0"/>
+              <a:t>모터 </a:t>
+            </a:r>
+            <a:r>
+              <a:rPr lang="en-US" altLang="ko-KR" sz="1050" dirty="0"/>
+              <a:t>2</a:t>
+            </a:r>
+            <a:r>
+              <a:rPr lang="ko-KR" altLang="en-US" sz="1050" dirty="0"/>
+              <a:t>개 일 때 화면</a:t>
+            </a:r>
+            <a:r>
+              <a:rPr lang="en-US" altLang="ko-KR" sz="1050" dirty="0"/>
+              <a:t>]</a:t>
+            </a:r>
+            <a:endParaRPr lang="ko-KR" altLang="en-US" sz="1050" dirty="0"/>
+          </a:p>
+        </p:txBody>
+      </p:sp>
+      <p:sp>
+        <p:nvSpPr>
+          <p:cNvPr id="18" name="TextBox 17">
+            <a:extLst>
+              <a:ext uri="{FF2B5EF4-FFF2-40B4-BE49-F238E27FC236}">
+                <a16:creationId xmlns:a16="http://schemas.microsoft.com/office/drawing/2014/main" id="{B96B83D6-9D70-42D2-A92A-C1EB08B3878D}"/>
+              </a:ext>
+            </a:extLst>
+          </p:cNvPr>
+          <p:cNvSpPr txBox="1"/>
+          <p:nvPr/>
+        </p:nvSpPr>
+        <p:spPr>
+          <a:xfrm>
+            <a:off x="9494520" y="5440937"/>
+            <a:ext cx="2684500" cy="253916"/>
+          </a:xfrm>
+          <a:prstGeom prst="rect">
+            <a:avLst/>
+          </a:prstGeom>
+          <a:noFill/>
+        </p:spPr>
+        <p:txBody>
+          <a:bodyPr wrap="square" rtlCol="0">
+            <a:spAutoFit/>
+          </a:bodyPr>
+          <a:lstStyle/>
+          <a:p>
+            <a:r>
+              <a:rPr lang="ko-KR" altLang="en-US" sz="1050" dirty="0"/>
+              <a:t>↑ </a:t>
+            </a:r>
+            <a:r>
+              <a:rPr lang="en-US" altLang="ko-KR" sz="1050" dirty="0"/>
+              <a:t>[</a:t>
+            </a:r>
+            <a:r>
+              <a:rPr lang="ko-KR" altLang="en-US" sz="1050" dirty="0" err="1"/>
+              <a:t>온습도센서</a:t>
+            </a:r>
+            <a:r>
+              <a:rPr lang="ko-KR" altLang="en-US" sz="1050" dirty="0"/>
+              <a:t> </a:t>
+            </a:r>
+            <a:r>
+              <a:rPr lang="en-US" altLang="ko-KR" sz="1050" dirty="0"/>
+              <a:t>3</a:t>
+            </a:r>
+            <a:r>
+              <a:rPr lang="ko-KR" altLang="en-US" sz="1050" dirty="0"/>
+              <a:t>개</a:t>
+            </a:r>
+            <a:r>
+              <a:rPr lang="en-US" altLang="ko-KR" sz="1050" dirty="0"/>
+              <a:t>, </a:t>
+            </a:r>
+            <a:r>
+              <a:rPr lang="ko-KR" altLang="en-US" sz="1050" dirty="0"/>
+              <a:t>모터 </a:t>
+            </a:r>
+            <a:r>
+              <a:rPr lang="en-US" altLang="ko-KR" sz="1050" dirty="0"/>
+              <a:t>2</a:t>
+            </a:r>
+            <a:r>
+              <a:rPr lang="ko-KR" altLang="en-US" sz="1050" dirty="0"/>
+              <a:t>개 일 때 화면</a:t>
+            </a:r>
+            <a:r>
+              <a:rPr lang="en-US" altLang="ko-KR" sz="1050" dirty="0"/>
+              <a:t>]</a:t>
+            </a:r>
+            <a:endParaRPr lang="ko-KR" altLang="en-US" sz="1050" dirty="0"/>
+          </a:p>
+        </p:txBody>
+      </p:sp>
     </p:spTree>
     <p:extLst>
       <p:ext uri="{BB962C8B-B14F-4D97-AF65-F5344CB8AC3E}">
-        <p14:creationId xmlns:p14="http://schemas.microsoft.com/office/powerpoint/2010/main" val="2883087929"/>
+        <p14:creationId xmlns:p14="http://schemas.microsoft.com/office/powerpoint/2010/main" val="2682112405"/>
       </p:ext>
     </p:extLst>
   </p:cSld>
@@ -5192,40 +6683,429 @@
           <a:chExt cx="0" cy="0"/>
         </a:xfrm>
       </p:grpSpPr>
-      <p:pic>
-        <p:nvPicPr>
-          <p:cNvPr id="5" name="그림 4">
+      <p:sp>
+        <p:nvSpPr>
+          <p:cNvPr id="11" name="TextBox 10">
             <a:extLst>
               <a:ext uri="{FF2B5EF4-FFF2-40B4-BE49-F238E27FC236}">
-                <a16:creationId xmlns:a16="http://schemas.microsoft.com/office/drawing/2014/main" id="{D04816DF-438E-4A66-8EE2-648E6D477D46}"/>
+                <a16:creationId xmlns:a16="http://schemas.microsoft.com/office/drawing/2014/main" id="{9887B58D-864A-4F92-9523-984B18F6FE98}"/>
               </a:ext>
             </a:extLst>
           </p:cNvPr>
+          <p:cNvSpPr txBox="1"/>
+          <p:nvPr/>
+        </p:nvSpPr>
+        <p:spPr>
+          <a:xfrm>
+            <a:off x="547661" y="4976231"/>
+            <a:ext cx="8328484" cy="1441613"/>
+          </a:xfrm>
+          <a:prstGeom prst="rect">
+            <a:avLst/>
+          </a:prstGeom>
+          <a:noFill/>
+        </p:spPr>
+        <p:txBody>
+          <a:bodyPr wrap="square" rtlCol="0">
+            <a:spAutoFit/>
+          </a:bodyPr>
+          <a:lstStyle/>
+          <a:p>
+            <a:pPr>
+              <a:lnSpc>
+                <a:spcPct val="150000"/>
+              </a:lnSpc>
+            </a:pPr>
+            <a:r>
+              <a:rPr lang="en-US" altLang="ko-KR" sz="1200" dirty="0"/>
+              <a:t>&lt;</a:t>
+            </a:r>
+            <a:r>
+              <a:rPr lang="ko-KR" altLang="en-US" sz="1200" dirty="0"/>
+              <a:t>상세 화면</a:t>
+            </a:r>
+            <a:r>
+              <a:rPr lang="en-US" altLang="ko-KR" sz="1200" dirty="0"/>
+              <a:t>&gt;</a:t>
+            </a:r>
+          </a:p>
+          <a:p>
+            <a:pPr marL="228600" indent="-228600">
+              <a:lnSpc>
+                <a:spcPct val="150000"/>
+              </a:lnSpc>
+              <a:buFont typeface="+mj-lt"/>
+              <a:buAutoNum type="arabicParenR"/>
+            </a:pPr>
+            <a:r>
+              <a:rPr lang="ko-KR" altLang="en-US" sz="1200" dirty="0"/>
+              <a:t>상단에 </a:t>
+            </a:r>
+            <a:r>
+              <a:rPr lang="en-US" altLang="ko-KR" sz="1200" dirty="0"/>
+              <a:t>Device(</a:t>
+            </a:r>
+            <a:r>
+              <a:rPr lang="ko-KR" altLang="en-US" sz="1200" dirty="0"/>
+              <a:t>화면</a:t>
+            </a:r>
+            <a:r>
+              <a:rPr lang="en-US" altLang="ko-KR" sz="1200" dirty="0"/>
+              <a:t>)</a:t>
+            </a:r>
+            <a:r>
+              <a:rPr lang="ko-KR" altLang="en-US" sz="1200" dirty="0"/>
+              <a:t> 목록 표시</a:t>
+            </a:r>
+            <a:endParaRPr lang="en-US" altLang="ko-KR" sz="1200" dirty="0"/>
+          </a:p>
+          <a:p>
+            <a:pPr marL="228600" indent="-228600">
+              <a:lnSpc>
+                <a:spcPct val="150000"/>
+              </a:lnSpc>
+              <a:buFont typeface="+mj-lt"/>
+              <a:buAutoNum type="arabicParenR"/>
+            </a:pPr>
+            <a:r>
+              <a:rPr lang="ko-KR" altLang="en-US" sz="1200" dirty="0"/>
+              <a:t>급수 요일을 지정할 수 있도록 구현</a:t>
+            </a:r>
+            <a:endParaRPr lang="en-US" altLang="ko-KR" sz="1200" dirty="0"/>
+          </a:p>
+          <a:p>
+            <a:pPr marL="228600" indent="-228600">
+              <a:lnSpc>
+                <a:spcPct val="150000"/>
+              </a:lnSpc>
+              <a:buFont typeface="+mj-lt"/>
+              <a:buAutoNum type="arabicParenR"/>
+            </a:pPr>
+            <a:r>
+              <a:rPr lang="ko-KR" altLang="en-US" sz="1200" dirty="0"/>
+              <a:t>밸브 수에 맞춰 관수 정보가 나타나도록 구현</a:t>
+            </a:r>
+            <a:endParaRPr lang="en-US" altLang="ko-KR" sz="1200" dirty="0"/>
+          </a:p>
+          <a:p>
+            <a:pPr marL="228600" indent="-228600">
+              <a:lnSpc>
+                <a:spcPct val="150000"/>
+              </a:lnSpc>
+              <a:buFont typeface="+mj-lt"/>
+              <a:buAutoNum type="arabicParenR"/>
+            </a:pPr>
+            <a:r>
+              <a:rPr lang="ko-KR" altLang="en-US" sz="1200" dirty="0"/>
+              <a:t>관수 </a:t>
+            </a:r>
+            <a:r>
+              <a:rPr lang="en-US" altLang="ko-KR" sz="1200" dirty="0"/>
+              <a:t>ON </a:t>
+            </a:r>
+            <a:r>
+              <a:rPr lang="ko-KR" altLang="en-US" sz="1200" dirty="0"/>
+              <a:t>후 급수 시간 및 공급 시간 설정 가능</a:t>
+            </a:r>
+            <a:endParaRPr lang="en-US" altLang="ko-KR" sz="1200" dirty="0"/>
+          </a:p>
+        </p:txBody>
+      </p:sp>
+      <p:pic>
+        <p:nvPicPr>
+          <p:cNvPr id="3" name="그림 2"/>
           <p:cNvPicPr>
             <a:picLocks noChangeAspect="1"/>
           </p:cNvPicPr>
           <p:nvPr/>
         </p:nvPicPr>
         <p:blipFill>
-          <a:blip r:embed="rId2"/>
+          <a:blip r:embed="rId2">
+            <a:extLst>
+              <a:ext uri="{28A0092B-C50C-407E-A947-70E740481C1C}">
+                <a14:useLocalDpi xmlns:a14="http://schemas.microsoft.com/office/drawing/2010/main" val="0"/>
+              </a:ext>
+            </a:extLst>
+          </a:blip>
           <a:stretch>
             <a:fillRect/>
           </a:stretch>
         </p:blipFill>
         <p:spPr>
           <a:xfrm>
-            <a:off x="0" y="167039"/>
-            <a:ext cx="12192000" cy="6523921"/>
+            <a:off x="388800" y="1213200"/>
+            <a:ext cx="4719600" cy="2795086"/>
           </a:xfrm>
           <a:prstGeom prst="rect">
             <a:avLst/>
           </a:prstGeom>
+          <a:ln>
+            <a:solidFill>
+              <a:schemeClr val="tx1"/>
+            </a:solidFill>
+          </a:ln>
+        </p:spPr>
+      </p:pic>
+      <p:sp>
+        <p:nvSpPr>
+          <p:cNvPr id="5" name="TextBox 4"/>
+          <p:cNvSpPr txBox="1"/>
+          <p:nvPr/>
+        </p:nvSpPr>
+        <p:spPr>
+          <a:xfrm>
+            <a:off x="2346960" y="420829"/>
+            <a:ext cx="7498080" cy="461665"/>
+          </a:xfrm>
+          <a:prstGeom prst="rect">
+            <a:avLst/>
+          </a:prstGeom>
+          <a:noFill/>
+        </p:spPr>
+        <p:txBody>
+          <a:bodyPr wrap="square" rtlCol="0">
+            <a:spAutoFit/>
+          </a:bodyPr>
+          <a:lstStyle/>
+          <a:p>
+            <a:pPr algn="ctr"/>
+            <a:r>
+              <a:rPr lang="en-US" altLang="ko-KR" sz="2400" b="1" dirty="0">
+                <a:latin typeface="+mj-lt"/>
+                <a:ea typeface="나눔스퀘어_ac ExtraBold" panose="020B0600000101010101" pitchFamily="50" charset="-127"/>
+              </a:rPr>
+              <a:t> UI </a:t>
+            </a:r>
+            <a:r>
+              <a:rPr lang="ko-KR" altLang="en-US" sz="2400" b="1" dirty="0">
+                <a:latin typeface="+mj-lt"/>
+                <a:ea typeface="나눔스퀘어_ac ExtraBold" panose="020B0600000101010101" pitchFamily="50" charset="-127"/>
+              </a:rPr>
+              <a:t>화면</a:t>
+            </a:r>
+          </a:p>
+        </p:txBody>
+      </p:sp>
+      <p:sp>
+        <p:nvSpPr>
+          <p:cNvPr id="6" name="직사각형 5"/>
+          <p:cNvSpPr/>
+          <p:nvPr/>
+        </p:nvSpPr>
+        <p:spPr>
+          <a:xfrm>
+            <a:off x="5853539" y="360046"/>
+            <a:ext cx="484923" cy="56059"/>
+          </a:xfrm>
+          <a:prstGeom prst="rect">
+            <a:avLst/>
+          </a:prstGeom>
+          <a:solidFill>
+            <a:schemeClr val="bg1">
+              <a:lumMod val="65000"/>
+            </a:schemeClr>
+          </a:solidFill>
+          <a:ln>
+            <a:noFill/>
+          </a:ln>
+        </p:spPr>
+        <p:style>
+          <a:lnRef idx="2">
+            <a:schemeClr val="accent1">
+              <a:shade val="50000"/>
+            </a:schemeClr>
+          </a:lnRef>
+          <a:fillRef idx="1">
+            <a:schemeClr val="accent1"/>
+          </a:fillRef>
+          <a:effectRef idx="0">
+            <a:schemeClr val="accent1"/>
+          </a:effectRef>
+          <a:fontRef idx="minor">
+            <a:schemeClr val="lt1"/>
+          </a:fontRef>
+        </p:style>
+        <p:txBody>
+          <a:bodyPr rtlCol="0" anchor="ctr"/>
+          <a:lstStyle/>
+          <a:p>
+            <a:pPr algn="ctr"/>
+            <a:endParaRPr lang="ko-KR" altLang="en-US"/>
+          </a:p>
+        </p:txBody>
+      </p:sp>
+      <p:sp>
+        <p:nvSpPr>
+          <p:cNvPr id="22" name="TextBox 21"/>
+          <p:cNvSpPr txBox="1"/>
+          <p:nvPr/>
+        </p:nvSpPr>
+        <p:spPr>
+          <a:xfrm>
+            <a:off x="547661" y="4624277"/>
+            <a:ext cx="3807070" cy="307777"/>
+          </a:xfrm>
+          <a:prstGeom prst="rect">
+            <a:avLst/>
+          </a:prstGeom>
+          <a:noFill/>
+        </p:spPr>
+        <p:txBody>
+          <a:bodyPr wrap="square" rtlCol="0">
+            <a:spAutoFit/>
+          </a:bodyPr>
+          <a:lstStyle/>
+          <a:p>
+            <a:r>
+              <a:rPr lang="ko-KR" altLang="en-US" sz="1400" dirty="0">
+                <a:ln>
+                  <a:solidFill>
+                    <a:schemeClr val="tx1"/>
+                  </a:solidFill>
+                </a:ln>
+              </a:rPr>
+              <a:t>관수 클릭 시 보여주는 화면</a:t>
+            </a:r>
+          </a:p>
+        </p:txBody>
+      </p:sp>
+      <p:sp>
+        <p:nvSpPr>
+          <p:cNvPr id="12" name="직사각형 11">
+            <a:extLst>
+              <a:ext uri="{FF2B5EF4-FFF2-40B4-BE49-F238E27FC236}">
+                <a16:creationId xmlns:a16="http://schemas.microsoft.com/office/drawing/2014/main" id="{AB28AAB5-53B8-4EE6-91CF-F28CB4DEE8F6}"/>
+              </a:ext>
+            </a:extLst>
+          </p:cNvPr>
+          <p:cNvSpPr/>
+          <p:nvPr/>
+        </p:nvSpPr>
+        <p:spPr>
+          <a:xfrm>
+            <a:off x="-1" y="223494"/>
+            <a:ext cx="12192001" cy="4265379"/>
+          </a:xfrm>
+          <a:prstGeom prst="rect">
+            <a:avLst/>
+          </a:prstGeom>
+          <a:noFill/>
+          <a:ln w="19050">
+            <a:solidFill>
+              <a:srgbClr val="126447"/>
+            </a:solidFill>
+          </a:ln>
+        </p:spPr>
+        <p:style>
+          <a:lnRef idx="2">
+            <a:schemeClr val="accent1">
+              <a:shade val="50000"/>
+            </a:schemeClr>
+          </a:lnRef>
+          <a:fillRef idx="1">
+            <a:schemeClr val="accent1"/>
+          </a:fillRef>
+          <a:effectRef idx="0">
+            <a:schemeClr val="accent1"/>
+          </a:effectRef>
+          <a:fontRef idx="minor">
+            <a:schemeClr val="lt1"/>
+          </a:fontRef>
+        </p:style>
+        <p:txBody>
+          <a:bodyPr rtlCol="0" anchor="ctr"/>
+          <a:lstStyle/>
+          <a:p>
+            <a:pPr algn="ctr"/>
+            <a:endParaRPr lang="ko-KR" altLang="en-US">
+              <a:latin typeface="+mj-lt"/>
+            </a:endParaRPr>
+          </a:p>
+        </p:txBody>
+      </p:sp>
+      <p:sp>
+        <p:nvSpPr>
+          <p:cNvPr id="13" name="화살표: 오른쪽 12">
+            <a:extLst>
+              <a:ext uri="{FF2B5EF4-FFF2-40B4-BE49-F238E27FC236}">
+                <a16:creationId xmlns:a16="http://schemas.microsoft.com/office/drawing/2014/main" id="{44EA2452-D82B-4FDA-BA1A-AAFF0DF1C88B}"/>
+              </a:ext>
+            </a:extLst>
+          </p:cNvPr>
+          <p:cNvSpPr/>
+          <p:nvPr/>
+        </p:nvSpPr>
+        <p:spPr>
+          <a:xfrm>
+            <a:off x="5352526" y="2347223"/>
+            <a:ext cx="805880" cy="526473"/>
+          </a:xfrm>
+          <a:prstGeom prst="rightArrow">
+            <a:avLst/>
+          </a:prstGeom>
+        </p:spPr>
+        <p:style>
+          <a:lnRef idx="0">
+            <a:schemeClr val="accent3"/>
+          </a:lnRef>
+          <a:fillRef idx="3">
+            <a:schemeClr val="accent3"/>
+          </a:fillRef>
+          <a:effectRef idx="3">
+            <a:schemeClr val="accent3"/>
+          </a:effectRef>
+          <a:fontRef idx="minor">
+            <a:schemeClr val="lt1"/>
+          </a:fontRef>
+        </p:style>
+        <p:txBody>
+          <a:bodyPr rtlCol="0" anchor="ctr"/>
+          <a:lstStyle/>
+          <a:p>
+            <a:pPr algn="ctr"/>
+            <a:endParaRPr lang="ko-KR" altLang="en-US"/>
+          </a:p>
+        </p:txBody>
+      </p:sp>
+      <p:pic>
+        <p:nvPicPr>
+          <p:cNvPr id="7" name="그림 6">
+            <a:extLst>
+              <a:ext uri="{FF2B5EF4-FFF2-40B4-BE49-F238E27FC236}">
+                <a16:creationId xmlns:a16="http://schemas.microsoft.com/office/drawing/2014/main" id="{C0180B27-D0C8-49DB-A9AD-4644EA3ED89C}"/>
+              </a:ext>
+            </a:extLst>
+          </p:cNvPr>
+          <p:cNvPicPr preferRelativeResize="0">
+            <a:picLocks/>
+          </p:cNvPicPr>
+          <p:nvPr/>
+        </p:nvPicPr>
+        <p:blipFill>
+          <a:blip r:embed="rId3"/>
+          <a:stretch>
+            <a:fillRect/>
+          </a:stretch>
+        </p:blipFill>
+        <p:spPr>
+          <a:xfrm>
+            <a:off x="6404400" y="1260743"/>
+            <a:ext cx="5400000" cy="2700000"/>
+          </a:xfrm>
+          <a:prstGeom prst="rect">
+            <a:avLst/>
+          </a:prstGeom>
+          <a:ln>
+            <a:solidFill>
+              <a:schemeClr val="tx1"/>
+            </a:solidFill>
+          </a:ln>
         </p:spPr>
       </p:pic>
     </p:spTree>
     <p:extLst>
       <p:ext uri="{BB962C8B-B14F-4D97-AF65-F5344CB8AC3E}">
-        <p14:creationId xmlns:p14="http://schemas.microsoft.com/office/powerpoint/2010/main" val="3617943523"/>
+        <p14:creationId xmlns:p14="http://schemas.microsoft.com/office/powerpoint/2010/main" val="1440789509"/>
       </p:ext>
     </p:extLst>
   </p:cSld>
@@ -5257,7 +7137,7 @@
           <p:cNvPr id="11" name="TextBox 10">
             <a:extLst>
               <a:ext uri="{FF2B5EF4-FFF2-40B4-BE49-F238E27FC236}">
-                <a16:creationId xmlns:a16="http://schemas.microsoft.com/office/drawing/2014/main" id="{9887B58D-864A-4F92-9523-984B18F6FE98}"/>
+                <a16:creationId xmlns:a16="http://schemas.microsoft.com/office/drawing/2014/main" id="{A574EA0A-4A92-44EB-89C2-A8DB0896CE12}"/>
               </a:ext>
             </a:extLst>
           </p:cNvPr>
@@ -5338,7 +7218,7 @@
             </a:pPr>
             <a:r>
               <a:rPr lang="ko-KR" altLang="en-US" sz="1200" dirty="0"/>
-              <a:t>급수 요일을 지정할 수 있도록 구현</a:t>
+              <a:t>개폐 시간 설정 가능</a:t>
             </a:r>
             <a:endParaRPr lang="en-US" altLang="ko-KR" sz="1200" dirty="0"/>
           </a:p>
@@ -5352,552 +7232,7 @@
             </a:pPr>
             <a:r>
               <a:rPr lang="ko-KR" altLang="en-US" sz="1200" dirty="0"/>
-              <a:t>밸브 수에 맞춰 관수 정보가 나타나도록 구현</a:t>
-            </a:r>
-            <a:endParaRPr lang="en-US" altLang="ko-KR" sz="1200" dirty="0"/>
-          </a:p>
-          <a:p>
-            <a:pPr marL="228600" indent="-228600">
-              <a:lnSpc>
-                <a:spcPct val="150000"/>
-              </a:lnSpc>
-              <a:buFont typeface="+mj-lt"/>
-              <a:buAutoNum type="arabicParenR"/>
-            </a:pPr>
-            <a:r>
-              <a:rPr lang="ko-KR" altLang="en-US" sz="1200" dirty="0"/>
-              <a:t>관수 </a:t>
-            </a:r>
-            <a:r>
-              <a:rPr lang="en-US" altLang="ko-KR" sz="1200" dirty="0"/>
-              <a:t>ON </a:t>
-            </a:r>
-            <a:r>
-              <a:rPr lang="ko-KR" altLang="en-US" sz="1200" dirty="0"/>
-              <a:t>후 급수 시간 및 공급 시간 설정 가능</a:t>
-            </a:r>
-            <a:endParaRPr lang="en-US" altLang="ko-KR" sz="1200" dirty="0"/>
-          </a:p>
-        </p:txBody>
-      </p:sp>
-      <p:pic>
-        <p:nvPicPr>
-          <p:cNvPr id="3" name="그림 2"/>
-          <p:cNvPicPr>
-            <a:picLocks noChangeAspect="1"/>
-          </p:cNvPicPr>
-          <p:nvPr/>
-        </p:nvPicPr>
-        <p:blipFill>
-          <a:blip r:embed="rId2">
-            <a:extLst>
-              <a:ext uri="{28A0092B-C50C-407E-A947-70E740481C1C}">
-                <a14:useLocalDpi xmlns:a14="http://schemas.microsoft.com/office/drawing/2010/main" val="0"/>
-              </a:ext>
-            </a:extLst>
-          </a:blip>
-          <a:stretch>
-            <a:fillRect/>
-          </a:stretch>
-        </p:blipFill>
-        <p:spPr>
-          <a:xfrm>
-            <a:off x="388800" y="1213200"/>
-            <a:ext cx="4719600" cy="2795086"/>
-          </a:xfrm>
-          <a:prstGeom prst="rect">
-            <a:avLst/>
-          </a:prstGeom>
-          <a:ln>
-            <a:solidFill>
-              <a:schemeClr val="tx1"/>
-            </a:solidFill>
-          </a:ln>
-        </p:spPr>
-      </p:pic>
-      <p:sp>
-        <p:nvSpPr>
-          <p:cNvPr id="5" name="TextBox 4"/>
-          <p:cNvSpPr txBox="1"/>
-          <p:nvPr/>
-        </p:nvSpPr>
-        <p:spPr>
-          <a:xfrm>
-            <a:off x="2346960" y="420829"/>
-            <a:ext cx="7498080" cy="461665"/>
-          </a:xfrm>
-          <a:prstGeom prst="rect">
-            <a:avLst/>
-          </a:prstGeom>
-          <a:noFill/>
-        </p:spPr>
-        <p:txBody>
-          <a:bodyPr wrap="square" rtlCol="0">
-            <a:spAutoFit/>
-          </a:bodyPr>
-          <a:lstStyle/>
-          <a:p>
-            <a:pPr algn="ctr"/>
-            <a:r>
-              <a:rPr lang="en-US" altLang="ko-KR" sz="2400" b="1" dirty="0">
-                <a:latin typeface="+mj-lt"/>
-                <a:ea typeface="나눔스퀘어_ac ExtraBold" panose="020B0600000101010101" pitchFamily="50" charset="-127"/>
-              </a:rPr>
-              <a:t> UI </a:t>
-            </a:r>
-            <a:r>
-              <a:rPr lang="ko-KR" altLang="en-US" sz="2400" b="1" dirty="0">
-                <a:latin typeface="+mj-lt"/>
-                <a:ea typeface="나눔스퀘어_ac ExtraBold" panose="020B0600000101010101" pitchFamily="50" charset="-127"/>
-              </a:rPr>
-              <a:t>화면</a:t>
-            </a:r>
-          </a:p>
-        </p:txBody>
-      </p:sp>
-      <p:sp>
-        <p:nvSpPr>
-          <p:cNvPr id="6" name="직사각형 5"/>
-          <p:cNvSpPr/>
-          <p:nvPr/>
-        </p:nvSpPr>
-        <p:spPr>
-          <a:xfrm>
-            <a:off x="5853539" y="360046"/>
-            <a:ext cx="484923" cy="56059"/>
-          </a:xfrm>
-          <a:prstGeom prst="rect">
-            <a:avLst/>
-          </a:prstGeom>
-          <a:solidFill>
-            <a:schemeClr val="bg1">
-              <a:lumMod val="65000"/>
-            </a:schemeClr>
-          </a:solidFill>
-          <a:ln>
-            <a:noFill/>
-          </a:ln>
-        </p:spPr>
-        <p:style>
-          <a:lnRef idx="2">
-            <a:schemeClr val="accent1">
-              <a:shade val="50000"/>
-            </a:schemeClr>
-          </a:lnRef>
-          <a:fillRef idx="1">
-            <a:schemeClr val="accent1"/>
-          </a:fillRef>
-          <a:effectRef idx="0">
-            <a:schemeClr val="accent1"/>
-          </a:effectRef>
-          <a:fontRef idx="minor">
-            <a:schemeClr val="lt1"/>
-          </a:fontRef>
-        </p:style>
-        <p:txBody>
-          <a:bodyPr rtlCol="0" anchor="ctr"/>
-          <a:lstStyle/>
-          <a:p>
-            <a:pPr algn="ctr"/>
-            <a:endParaRPr lang="ko-KR" altLang="en-US"/>
-          </a:p>
-        </p:txBody>
-      </p:sp>
-      <p:sp>
-        <p:nvSpPr>
-          <p:cNvPr id="22" name="TextBox 21"/>
-          <p:cNvSpPr txBox="1"/>
-          <p:nvPr/>
-        </p:nvSpPr>
-        <p:spPr>
-          <a:xfrm>
-            <a:off x="547661" y="4624277"/>
-            <a:ext cx="3807070" cy="307777"/>
-          </a:xfrm>
-          <a:prstGeom prst="rect">
-            <a:avLst/>
-          </a:prstGeom>
-          <a:noFill/>
-        </p:spPr>
-        <p:txBody>
-          <a:bodyPr wrap="square" rtlCol="0">
-            <a:spAutoFit/>
-          </a:bodyPr>
-          <a:lstStyle/>
-          <a:p>
-            <a:r>
-              <a:rPr lang="ko-KR" altLang="en-US" sz="1400" dirty="0">
-                <a:ln>
-                  <a:solidFill>
-                    <a:schemeClr val="tx1"/>
-                  </a:solidFill>
-                </a:ln>
-              </a:rPr>
-              <a:t>관수 클릭 시 보여주는 화면</a:t>
-            </a:r>
-          </a:p>
-        </p:txBody>
-      </p:sp>
-      <p:sp>
-        <p:nvSpPr>
-          <p:cNvPr id="12" name="직사각형 11">
-            <a:extLst>
-              <a:ext uri="{FF2B5EF4-FFF2-40B4-BE49-F238E27FC236}">
-                <a16:creationId xmlns:a16="http://schemas.microsoft.com/office/drawing/2014/main" id="{AB28AAB5-53B8-4EE6-91CF-F28CB4DEE8F6}"/>
-              </a:ext>
-            </a:extLst>
-          </p:cNvPr>
-          <p:cNvSpPr/>
-          <p:nvPr/>
-        </p:nvSpPr>
-        <p:spPr>
-          <a:xfrm>
-            <a:off x="-1" y="223494"/>
-            <a:ext cx="12192001" cy="4265379"/>
-          </a:xfrm>
-          <a:prstGeom prst="rect">
-            <a:avLst/>
-          </a:prstGeom>
-          <a:noFill/>
-          <a:ln w="19050">
-            <a:solidFill>
-              <a:srgbClr val="126447"/>
-            </a:solidFill>
-          </a:ln>
-        </p:spPr>
-        <p:style>
-          <a:lnRef idx="2">
-            <a:schemeClr val="accent1">
-              <a:shade val="50000"/>
-            </a:schemeClr>
-          </a:lnRef>
-          <a:fillRef idx="1">
-            <a:schemeClr val="accent1"/>
-          </a:fillRef>
-          <a:effectRef idx="0">
-            <a:schemeClr val="accent1"/>
-          </a:effectRef>
-          <a:fontRef idx="minor">
-            <a:schemeClr val="lt1"/>
-          </a:fontRef>
-        </p:style>
-        <p:txBody>
-          <a:bodyPr rtlCol="0" anchor="ctr"/>
-          <a:lstStyle/>
-          <a:p>
-            <a:pPr algn="ctr"/>
-            <a:endParaRPr lang="ko-KR" altLang="en-US">
-              <a:latin typeface="+mj-lt"/>
-            </a:endParaRPr>
-          </a:p>
-        </p:txBody>
-      </p:sp>
-      <p:sp>
-        <p:nvSpPr>
-          <p:cNvPr id="13" name="화살표: 오른쪽 12">
-            <a:extLst>
-              <a:ext uri="{FF2B5EF4-FFF2-40B4-BE49-F238E27FC236}">
-                <a16:creationId xmlns:a16="http://schemas.microsoft.com/office/drawing/2014/main" id="{44EA2452-D82B-4FDA-BA1A-AAFF0DF1C88B}"/>
-              </a:ext>
-            </a:extLst>
-          </p:cNvPr>
-          <p:cNvSpPr/>
-          <p:nvPr/>
-        </p:nvSpPr>
-        <p:spPr>
-          <a:xfrm>
-            <a:off x="5352526" y="2347223"/>
-            <a:ext cx="805880" cy="526473"/>
-          </a:xfrm>
-          <a:prstGeom prst="rightArrow">
-            <a:avLst/>
-          </a:prstGeom>
-        </p:spPr>
-        <p:style>
-          <a:lnRef idx="0">
-            <a:schemeClr val="accent3"/>
-          </a:lnRef>
-          <a:fillRef idx="3">
-            <a:schemeClr val="accent3"/>
-          </a:fillRef>
-          <a:effectRef idx="3">
-            <a:schemeClr val="accent3"/>
-          </a:effectRef>
-          <a:fontRef idx="minor">
-            <a:schemeClr val="lt1"/>
-          </a:fontRef>
-        </p:style>
-        <p:txBody>
-          <a:bodyPr rtlCol="0" anchor="ctr"/>
-          <a:lstStyle/>
-          <a:p>
-            <a:pPr algn="ctr"/>
-            <a:endParaRPr lang="ko-KR" altLang="en-US"/>
-          </a:p>
-        </p:txBody>
-      </p:sp>
-      <p:pic>
-        <p:nvPicPr>
-          <p:cNvPr id="7" name="그림 6">
-            <a:extLst>
-              <a:ext uri="{FF2B5EF4-FFF2-40B4-BE49-F238E27FC236}">
-                <a16:creationId xmlns:a16="http://schemas.microsoft.com/office/drawing/2014/main" id="{C0180B27-D0C8-49DB-A9AD-4644EA3ED89C}"/>
-              </a:ext>
-            </a:extLst>
-          </p:cNvPr>
-          <p:cNvPicPr preferRelativeResize="0">
-            <a:picLocks/>
-          </p:cNvPicPr>
-          <p:nvPr/>
-        </p:nvPicPr>
-        <p:blipFill>
-          <a:blip r:embed="rId3"/>
-          <a:stretch>
-            <a:fillRect/>
-          </a:stretch>
-        </p:blipFill>
-        <p:spPr>
-          <a:xfrm>
-            <a:off x="6404400" y="1260743"/>
-            <a:ext cx="5400000" cy="2700000"/>
-          </a:xfrm>
-          <a:prstGeom prst="rect">
-            <a:avLst/>
-          </a:prstGeom>
-          <a:ln>
-            <a:solidFill>
-              <a:schemeClr val="tx1"/>
-            </a:solidFill>
-          </a:ln>
-        </p:spPr>
-      </p:pic>
-    </p:spTree>
-    <p:extLst>
-      <p:ext uri="{BB962C8B-B14F-4D97-AF65-F5344CB8AC3E}">
-        <p14:creationId xmlns:p14="http://schemas.microsoft.com/office/powerpoint/2010/main" val="1440789509"/>
-      </p:ext>
-    </p:extLst>
-  </p:cSld>
-  <p:clrMapOvr>
-    <a:masterClrMapping/>
-  </p:clrMapOvr>
-</p:sld>
-</file>
-
-<file path=ppt/slides/slide8.xml><?xml version="1.0" encoding="utf-8"?>
-<p:sld xmlns:a="http://schemas.openxmlformats.org/drawingml/2006/main" xmlns:r="http://schemas.openxmlformats.org/officeDocument/2006/relationships" xmlns:p="http://schemas.openxmlformats.org/presentationml/2006/main">
-  <p:cSld>
-    <p:spTree>
-      <p:nvGrpSpPr>
-        <p:cNvPr id="1" name=""/>
-        <p:cNvGrpSpPr/>
-        <p:nvPr/>
-      </p:nvGrpSpPr>
-      <p:grpSpPr>
-        <a:xfrm>
-          <a:off x="0" y="0"/>
-          <a:ext cx="0" cy="0"/>
-          <a:chOff x="0" y="0"/>
-          <a:chExt cx="0" cy="0"/>
-        </a:xfrm>
-      </p:grpSpPr>
-      <p:sp>
-        <p:nvSpPr>
-          <p:cNvPr id="2" name="제목 1">
-            <a:extLst>
-              <a:ext uri="{FF2B5EF4-FFF2-40B4-BE49-F238E27FC236}">
-                <a16:creationId xmlns:a16="http://schemas.microsoft.com/office/drawing/2014/main" id="{DF4B4CFF-5474-47BD-AC63-F19B0F01758B}"/>
-              </a:ext>
-            </a:extLst>
-          </p:cNvPr>
-          <p:cNvSpPr>
-            <a:spLocks noGrp="1"/>
-          </p:cNvSpPr>
-          <p:nvPr>
-            <p:ph type="title"/>
-          </p:nvPr>
-        </p:nvSpPr>
-        <p:spPr/>
-        <p:txBody>
-          <a:bodyPr/>
-          <a:lstStyle/>
-          <a:p>
-            <a:endParaRPr lang="ko-KR" altLang="en-US"/>
-          </a:p>
-        </p:txBody>
-      </p:sp>
-      <p:sp>
-        <p:nvSpPr>
-          <p:cNvPr id="3" name="내용 개체 틀 2">
-            <a:extLst>
-              <a:ext uri="{FF2B5EF4-FFF2-40B4-BE49-F238E27FC236}">
-                <a16:creationId xmlns:a16="http://schemas.microsoft.com/office/drawing/2014/main" id="{48E91A27-9256-4A81-B0BC-2AAB64074F12}"/>
-              </a:ext>
-            </a:extLst>
-          </p:cNvPr>
-          <p:cNvSpPr>
-            <a:spLocks noGrp="1"/>
-          </p:cNvSpPr>
-          <p:nvPr>
-            <p:ph idx="1"/>
-          </p:nvPr>
-        </p:nvSpPr>
-        <p:spPr/>
-        <p:txBody>
-          <a:bodyPr/>
-          <a:lstStyle/>
-          <a:p>
-            <a:endParaRPr lang="ko-KR" altLang="en-US"/>
-          </a:p>
-        </p:txBody>
-      </p:sp>
-      <p:pic>
-        <p:nvPicPr>
-          <p:cNvPr id="5" name="그림 4">
-            <a:extLst>
-              <a:ext uri="{FF2B5EF4-FFF2-40B4-BE49-F238E27FC236}">
-                <a16:creationId xmlns:a16="http://schemas.microsoft.com/office/drawing/2014/main" id="{94ECE537-5242-4923-944B-D798D6F42E93}"/>
-              </a:ext>
-            </a:extLst>
-          </p:cNvPr>
-          <p:cNvPicPr>
-            <a:picLocks noChangeAspect="1"/>
-          </p:cNvPicPr>
-          <p:nvPr/>
-        </p:nvPicPr>
-        <p:blipFill>
-          <a:blip r:embed="rId2"/>
-          <a:stretch>
-            <a:fillRect/>
-          </a:stretch>
-        </p:blipFill>
-        <p:spPr>
-          <a:xfrm>
-            <a:off x="1876303" y="0"/>
-            <a:ext cx="8439393" cy="6858000"/>
-          </a:xfrm>
-          <a:prstGeom prst="rect">
-            <a:avLst/>
-          </a:prstGeom>
-        </p:spPr>
-      </p:pic>
-    </p:spTree>
-    <p:extLst>
-      <p:ext uri="{BB962C8B-B14F-4D97-AF65-F5344CB8AC3E}">
-        <p14:creationId xmlns:p14="http://schemas.microsoft.com/office/powerpoint/2010/main" val="2094103732"/>
-      </p:ext>
-    </p:extLst>
-  </p:cSld>
-  <p:clrMapOvr>
-    <a:masterClrMapping/>
-  </p:clrMapOvr>
-</p:sld>
-</file>
-
-<file path=ppt/slides/slide9.xml><?xml version="1.0" encoding="utf-8"?>
-<p:sld xmlns:a="http://schemas.openxmlformats.org/drawingml/2006/main" xmlns:r="http://schemas.openxmlformats.org/officeDocument/2006/relationships" xmlns:p="http://schemas.openxmlformats.org/presentationml/2006/main">
-  <p:cSld>
-    <p:spTree>
-      <p:nvGrpSpPr>
-        <p:cNvPr id="1" name=""/>
-        <p:cNvGrpSpPr/>
-        <p:nvPr/>
-      </p:nvGrpSpPr>
-      <p:grpSpPr>
-        <a:xfrm>
-          <a:off x="0" y="0"/>
-          <a:ext cx="0" cy="0"/>
-          <a:chOff x="0" y="0"/>
-          <a:chExt cx="0" cy="0"/>
-        </a:xfrm>
-      </p:grpSpPr>
-      <p:sp>
-        <p:nvSpPr>
-          <p:cNvPr id="11" name="TextBox 10">
-            <a:extLst>
-              <a:ext uri="{FF2B5EF4-FFF2-40B4-BE49-F238E27FC236}">
-                <a16:creationId xmlns:a16="http://schemas.microsoft.com/office/drawing/2014/main" id="{A574EA0A-4A92-44EB-89C2-A8DB0896CE12}"/>
-              </a:ext>
-            </a:extLst>
-          </p:cNvPr>
-          <p:cNvSpPr txBox="1"/>
-          <p:nvPr/>
-        </p:nvSpPr>
-        <p:spPr>
-          <a:xfrm>
-            <a:off x="547661" y="4976231"/>
-            <a:ext cx="8328484" cy="1164614"/>
-          </a:xfrm>
-          <a:prstGeom prst="rect">
-            <a:avLst/>
-          </a:prstGeom>
-          <a:noFill/>
-        </p:spPr>
-        <p:txBody>
-          <a:bodyPr wrap="square" rtlCol="0">
-            <a:spAutoFit/>
-          </a:bodyPr>
-          <a:lstStyle/>
-          <a:p>
-            <a:pPr>
-              <a:lnSpc>
-                <a:spcPct val="150000"/>
-              </a:lnSpc>
-            </a:pPr>
-            <a:r>
-              <a:rPr lang="en-US" altLang="ko-KR" sz="1200" dirty="0"/>
-              <a:t>&lt;</a:t>
-            </a:r>
-            <a:r>
-              <a:rPr lang="ko-KR" altLang="en-US" sz="1200" dirty="0"/>
-              <a:t>상세 화면</a:t>
-            </a:r>
-            <a:r>
-              <a:rPr lang="en-US" altLang="ko-KR" sz="1200" dirty="0"/>
-              <a:t>&gt;</a:t>
-            </a:r>
-          </a:p>
-          <a:p>
-            <a:pPr marL="228600" indent="-228600">
-              <a:lnSpc>
-                <a:spcPct val="150000"/>
-              </a:lnSpc>
-              <a:buFont typeface="+mj-lt"/>
-              <a:buAutoNum type="arabicParenR"/>
-            </a:pPr>
-            <a:r>
-              <a:rPr lang="ko-KR" altLang="en-US" sz="1200" dirty="0"/>
-              <a:t>상단에 </a:t>
-            </a:r>
-            <a:r>
-              <a:rPr lang="en-US" altLang="ko-KR" sz="1200" dirty="0"/>
-              <a:t>Device(</a:t>
-            </a:r>
-            <a:r>
-              <a:rPr lang="ko-KR" altLang="en-US" sz="1200" dirty="0"/>
-              <a:t>화면</a:t>
-            </a:r>
-            <a:r>
-              <a:rPr lang="en-US" altLang="ko-KR" sz="1200" dirty="0"/>
-              <a:t>)</a:t>
-            </a:r>
-            <a:r>
-              <a:rPr lang="ko-KR" altLang="en-US" sz="1200" dirty="0"/>
-              <a:t> 목록 표시</a:t>
-            </a:r>
-            <a:endParaRPr lang="en-US" altLang="ko-KR" sz="1200" dirty="0"/>
-          </a:p>
-          <a:p>
-            <a:pPr marL="228600" indent="-228600">
-              <a:lnSpc>
-                <a:spcPct val="150000"/>
-              </a:lnSpc>
-              <a:buFont typeface="+mj-lt"/>
-              <a:buAutoNum type="arabicParenR"/>
-            </a:pPr>
-            <a:r>
-              <a:rPr lang="ko-KR" altLang="en-US" sz="1200" dirty="0"/>
-              <a:t>개폐 시간 설정 가능</a:t>
+              <a:t>장비 수에 맞춰 정보가 나타나도록 구현</a:t>
             </a:r>
             <a:endParaRPr lang="en-US" altLang="ko-KR" sz="1200" dirty="0"/>
           </a:p>
@@ -6490,4 +7825,299 @@
     </a:ext>
   </a:extLst>
 </a:theme>
+</file>
+
+<file path=ppt/theme/theme2.xml><?xml version="1.0" encoding="utf-8"?>
+<a:theme xmlns:a="http://schemas.openxmlformats.org/drawingml/2006/main" name="Office 테마">
+  <a:themeElements>
+    <a:clrScheme name="Office">
+      <a:dk1>
+        <a:sysClr val="windowText" lastClr="000000"/>
+      </a:dk1>
+      <a:lt1>
+        <a:sysClr val="window" lastClr="FFFFFF"/>
+      </a:lt1>
+      <a:dk2>
+        <a:srgbClr val="44546A"/>
+      </a:dk2>
+      <a:lt2>
+        <a:srgbClr val="E7E6E6"/>
+      </a:lt2>
+      <a:accent1>
+        <a:srgbClr val="4472C4"/>
+      </a:accent1>
+      <a:accent2>
+        <a:srgbClr val="ED7D31"/>
+      </a:accent2>
+      <a:accent3>
+        <a:srgbClr val="A5A5A5"/>
+      </a:accent3>
+      <a:accent4>
+        <a:srgbClr val="FFC000"/>
+      </a:accent4>
+      <a:accent5>
+        <a:srgbClr val="5B9BD5"/>
+      </a:accent5>
+      <a:accent6>
+        <a:srgbClr val="70AD47"/>
+      </a:accent6>
+      <a:hlink>
+        <a:srgbClr val="0563C1"/>
+      </a:hlink>
+      <a:folHlink>
+        <a:srgbClr val="954F72"/>
+      </a:folHlink>
+    </a:clrScheme>
+    <a:fontScheme name="Office">
+      <a:majorFont>
+        <a:latin typeface="맑은 고딕" panose="020F0302020204030204"/>
+        <a:ea typeface=""/>
+        <a:cs typeface=""/>
+        <a:font script="Jpan" typeface="游ゴシック Light"/>
+        <a:font script="Hang" typeface="맑은 고딕"/>
+        <a:font script="Hans" typeface="等线 Light"/>
+        <a:font script="Hant" typeface="新細明體"/>
+        <a:font script="Arab" typeface="Times New Roman"/>
+        <a:font script="Hebr" typeface="Times New Roman"/>
+        <a:font script="Thai" typeface="Angsana New"/>
+        <a:font script="Ethi" typeface="Nyala"/>
+        <a:font script="Beng" typeface="Vrinda"/>
+        <a:font script="Gujr" typeface="Shruti"/>
+        <a:font script="Khmr" typeface="MoolBoran"/>
+        <a:font script="Knda" typeface="Tunga"/>
+        <a:font script="Guru" typeface="Raavi"/>
+        <a:font script="Cans" typeface="Euphemia"/>
+        <a:font script="Cher" typeface="Plantagenet Cherokee"/>
+        <a:font script="Yiii" typeface="Microsoft Yi Baiti"/>
+        <a:font script="Tibt" typeface="Microsoft Himalaya"/>
+        <a:font script="Thaa" typeface="MV Boli"/>
+        <a:font script="Deva" typeface="Mangal"/>
+        <a:font script="Telu" typeface="Gautami"/>
+        <a:font script="Taml" typeface="Latha"/>
+        <a:font script="Syrc" typeface="Estrangelo Edessa"/>
+        <a:font script="Orya" typeface="Kalinga"/>
+        <a:font script="Mlym" typeface="Kartika"/>
+        <a:font script="Laoo" typeface="DokChampa"/>
+        <a:font script="Sinh" typeface="Iskoola Pota"/>
+        <a:font script="Mong" typeface="Mongolian Baiti"/>
+        <a:font script="Viet" typeface="Times New Roman"/>
+        <a:font script="Uigh" typeface="Microsoft Uighur"/>
+        <a:font script="Geor" typeface="Sylfaen"/>
+        <a:font script="Armn" typeface="Arial"/>
+        <a:font script="Bugi" typeface="Leelawadee UI"/>
+        <a:font script="Bopo" typeface="Microsoft JhengHei"/>
+        <a:font script="Java" typeface="Javanese Text"/>
+        <a:font script="Lisu" typeface="Segoe UI"/>
+        <a:font script="Mymr" typeface="Myanmar Text"/>
+        <a:font script="Nkoo" typeface="Ebrima"/>
+        <a:font script="Olck" typeface="Nirmala UI"/>
+        <a:font script="Osma" typeface="Ebrima"/>
+        <a:font script="Phag" typeface="Phagspa"/>
+        <a:font script="Syrn" typeface="Estrangelo Edessa"/>
+        <a:font script="Syrj" typeface="Estrangelo Edessa"/>
+        <a:font script="Syre" typeface="Estrangelo Edessa"/>
+        <a:font script="Sora" typeface="Nirmala UI"/>
+        <a:font script="Tale" typeface="Microsoft Tai Le"/>
+        <a:font script="Talu" typeface="Microsoft New Tai Lue"/>
+        <a:font script="Tfng" typeface="Ebrima"/>
+      </a:majorFont>
+      <a:minorFont>
+        <a:latin typeface="맑은 고딕" panose="020F0502020204030204"/>
+        <a:ea typeface=""/>
+        <a:cs typeface=""/>
+        <a:font script="Jpan" typeface="游ゴシック"/>
+        <a:font script="Hang" typeface="맑은 고딕"/>
+        <a:font script="Hans" typeface="等线"/>
+        <a:font script="Hant" typeface="新細明體"/>
+        <a:font script="Arab" typeface="Arial"/>
+        <a:font script="Hebr" typeface="Arial"/>
+        <a:font script="Thai" typeface="Cordia New"/>
+        <a:font script="Ethi" typeface="Nyala"/>
+        <a:font script="Beng" typeface="Vrinda"/>
+        <a:font script="Gujr" typeface="Shruti"/>
+        <a:font script="Khmr" typeface="DaunPenh"/>
+        <a:font script="Knda" typeface="Tunga"/>
+        <a:font script="Guru" typeface="Raavi"/>
+        <a:font script="Cans" typeface="Euphemia"/>
+        <a:font script="Cher" typeface="Plantagenet Cherokee"/>
+        <a:font script="Yiii" typeface="Microsoft Yi Baiti"/>
+        <a:font script="Tibt" typeface="Microsoft Himalaya"/>
+        <a:font script="Thaa" typeface="MV Boli"/>
+        <a:font script="Deva" typeface="Mangal"/>
+        <a:font script="Telu" typeface="Gautami"/>
+        <a:font script="Taml" typeface="Latha"/>
+        <a:font script="Syrc" typeface="Estrangelo Edessa"/>
+        <a:font script="Orya" typeface="Kalinga"/>
+        <a:font script="Mlym" typeface="Kartika"/>
+        <a:font script="Laoo" typeface="DokChampa"/>
+        <a:font script="Sinh" typeface="Iskoola Pota"/>
+        <a:font script="Mong" typeface="Mongolian Baiti"/>
+        <a:font script="Viet" typeface="Arial"/>
+        <a:font script="Uigh" typeface="Microsoft Uighur"/>
+        <a:font script="Geor" typeface="Sylfaen"/>
+        <a:font script="Armn" typeface="Arial"/>
+        <a:font script="Bugi" typeface="Leelawadee UI"/>
+        <a:font script="Bopo" typeface="Microsoft JhengHei"/>
+        <a:font script="Java" typeface="Javanese Text"/>
+        <a:font script="Lisu" typeface="Segoe UI"/>
+        <a:font script="Mymr" typeface="Myanmar Text"/>
+        <a:font script="Nkoo" typeface="Ebrima"/>
+        <a:font script="Olck" typeface="Nirmala UI"/>
+        <a:font script="Osma" typeface="Ebrima"/>
+        <a:font script="Phag" typeface="Phagspa"/>
+        <a:font script="Syrn" typeface="Estrangelo Edessa"/>
+        <a:font script="Syrj" typeface="Estrangelo Edessa"/>
+        <a:font script="Syre" typeface="Estrangelo Edessa"/>
+        <a:font script="Sora" typeface="Nirmala UI"/>
+        <a:font script="Tale" typeface="Microsoft Tai Le"/>
+        <a:font script="Talu" typeface="Microsoft New Tai Lue"/>
+        <a:font script="Tfng" typeface="Ebrima"/>
+      </a:minorFont>
+    </a:fontScheme>
+    <a:fmtScheme name="Office">
+      <a:fillStyleLst>
+        <a:solidFill>
+          <a:schemeClr val="phClr"/>
+        </a:solidFill>
+        <a:gradFill rotWithShape="1">
+          <a:gsLst>
+            <a:gs pos="0">
+              <a:schemeClr val="phClr">
+                <a:lumMod val="110000"/>
+                <a:satMod val="105000"/>
+                <a:tint val="67000"/>
+              </a:schemeClr>
+            </a:gs>
+            <a:gs pos="50000">
+              <a:schemeClr val="phClr">
+                <a:lumMod val="105000"/>
+                <a:satMod val="103000"/>
+                <a:tint val="73000"/>
+              </a:schemeClr>
+            </a:gs>
+            <a:gs pos="100000">
+              <a:schemeClr val="phClr">
+                <a:lumMod val="105000"/>
+                <a:satMod val="109000"/>
+                <a:tint val="81000"/>
+              </a:schemeClr>
+            </a:gs>
+          </a:gsLst>
+          <a:lin ang="5400000" scaled="0"/>
+        </a:gradFill>
+        <a:gradFill rotWithShape="1">
+          <a:gsLst>
+            <a:gs pos="0">
+              <a:schemeClr val="phClr">
+                <a:satMod val="103000"/>
+                <a:lumMod val="102000"/>
+                <a:tint val="94000"/>
+              </a:schemeClr>
+            </a:gs>
+            <a:gs pos="50000">
+              <a:schemeClr val="phClr">
+                <a:satMod val="110000"/>
+                <a:lumMod val="100000"/>
+                <a:shade val="100000"/>
+              </a:schemeClr>
+            </a:gs>
+            <a:gs pos="100000">
+              <a:schemeClr val="phClr">
+                <a:lumMod val="99000"/>
+                <a:satMod val="120000"/>
+                <a:shade val="78000"/>
+              </a:schemeClr>
+            </a:gs>
+          </a:gsLst>
+          <a:lin ang="5400000" scaled="0"/>
+        </a:gradFill>
+      </a:fillStyleLst>
+      <a:lnStyleLst>
+        <a:ln w="6350" cap="flat" cmpd="sng" algn="ctr">
+          <a:solidFill>
+            <a:schemeClr val="phClr"/>
+          </a:solidFill>
+          <a:prstDash val="solid"/>
+          <a:miter lim="800000"/>
+        </a:ln>
+        <a:ln w="12700" cap="flat" cmpd="sng" algn="ctr">
+          <a:solidFill>
+            <a:schemeClr val="phClr"/>
+          </a:solidFill>
+          <a:prstDash val="solid"/>
+          <a:miter lim="800000"/>
+        </a:ln>
+        <a:ln w="19050" cap="flat" cmpd="sng" algn="ctr">
+          <a:solidFill>
+            <a:schemeClr val="phClr"/>
+          </a:solidFill>
+          <a:prstDash val="solid"/>
+          <a:miter lim="800000"/>
+        </a:ln>
+      </a:lnStyleLst>
+      <a:effectStyleLst>
+        <a:effectStyle>
+          <a:effectLst/>
+        </a:effectStyle>
+        <a:effectStyle>
+          <a:effectLst/>
+        </a:effectStyle>
+        <a:effectStyle>
+          <a:effectLst>
+            <a:outerShdw blurRad="57150" dist="19050" dir="5400000" algn="ctr" rotWithShape="0">
+              <a:srgbClr val="000000">
+                <a:alpha val="63000"/>
+              </a:srgbClr>
+            </a:outerShdw>
+          </a:effectLst>
+        </a:effectStyle>
+      </a:effectStyleLst>
+      <a:bgFillStyleLst>
+        <a:solidFill>
+          <a:schemeClr val="phClr"/>
+        </a:solidFill>
+        <a:solidFill>
+          <a:schemeClr val="phClr">
+            <a:tint val="95000"/>
+            <a:satMod val="170000"/>
+          </a:schemeClr>
+        </a:solidFill>
+        <a:gradFill rotWithShape="1">
+          <a:gsLst>
+            <a:gs pos="0">
+              <a:schemeClr val="phClr">
+                <a:tint val="93000"/>
+                <a:satMod val="150000"/>
+                <a:shade val="98000"/>
+                <a:lumMod val="102000"/>
+              </a:schemeClr>
+            </a:gs>
+            <a:gs pos="50000">
+              <a:schemeClr val="phClr">
+                <a:tint val="98000"/>
+                <a:satMod val="130000"/>
+                <a:shade val="90000"/>
+                <a:lumMod val="103000"/>
+              </a:schemeClr>
+            </a:gs>
+            <a:gs pos="100000">
+              <a:schemeClr val="phClr">
+                <a:shade val="63000"/>
+                <a:satMod val="120000"/>
+              </a:schemeClr>
+            </a:gs>
+          </a:gsLst>
+          <a:lin ang="5400000" scaled="0"/>
+        </a:gradFill>
+      </a:bgFillStyleLst>
+    </a:fmtScheme>
+  </a:themeElements>
+  <a:objectDefaults/>
+  <a:extraClrSchemeLst/>
+  <a:extLst>
+    <a:ext uri="{05A4C25C-085E-4340-85A3-A5531E510DB2}">
+      <thm15:themeFamily xmlns:thm15="http://schemas.microsoft.com/office/thememl/2012/main" name="Office Theme" id="{62F939B6-93AF-4DB8-9C6B-D6C7DFDC589F}" vid="{4A3C46E8-61CC-4603-A589-7422A47A8E4A}"/>
+    </a:ext>
+  </a:extLst>
+</a:theme>
 </file>